--- a/Aula04.pptx
+++ b/Aula04.pptx
@@ -9,15 +9,24 @@
     <p:sldId id="290" r:id="rId3"/>
     <p:sldId id="284" r:id="rId4"/>
     <p:sldId id="291" r:id="rId5"/>
-    <p:sldId id="294" r:id="rId6"/>
-    <p:sldId id="301" r:id="rId7"/>
-    <p:sldId id="295" r:id="rId8"/>
-    <p:sldId id="297" r:id="rId9"/>
-    <p:sldId id="296" r:id="rId10"/>
-    <p:sldId id="298" r:id="rId11"/>
-    <p:sldId id="299" r:id="rId12"/>
-    <p:sldId id="300" r:id="rId13"/>
-    <p:sldId id="302" r:id="rId14"/>
+    <p:sldId id="309" r:id="rId6"/>
+    <p:sldId id="310" r:id="rId7"/>
+    <p:sldId id="311" r:id="rId8"/>
+    <p:sldId id="294" r:id="rId9"/>
+    <p:sldId id="301" r:id="rId10"/>
+    <p:sldId id="295" r:id="rId11"/>
+    <p:sldId id="297" r:id="rId12"/>
+    <p:sldId id="296" r:id="rId13"/>
+    <p:sldId id="298" r:id="rId14"/>
+    <p:sldId id="299" r:id="rId15"/>
+    <p:sldId id="300" r:id="rId16"/>
+    <p:sldId id="306" r:id="rId17"/>
+    <p:sldId id="307" r:id="rId18"/>
+    <p:sldId id="303" r:id="rId19"/>
+    <p:sldId id="308" r:id="rId20"/>
+    <p:sldId id="302" r:id="rId21"/>
+    <p:sldId id="305" r:id="rId22"/>
+    <p:sldId id="312" r:id="rId23"/>
   </p:sldIdLst>
   <p:sldSz cx="9144000" cy="6858000" type="screen4x3"/>
   <p:notesSz cx="6858000" cy="9144000"/>
@@ -116,6 +125,22 @@
       </a:defRPr>
     </a:lvl9pPr>
   </p:defaultTextStyle>
+  <p:extLst>
+    <p:ext uri="{EFAFB233-063F-42B5-8137-9DF3F51BA10A}">
+      <p15:sldGuideLst xmlns:p15="http://schemas.microsoft.com/office/powerpoint/2012/main">
+        <p15:guide id="1" orient="horz" pos="2160">
+          <p15:clr>
+            <a:srgbClr val="A4A3A4"/>
+          </p15:clr>
+        </p15:guide>
+        <p15:guide id="2" pos="2880">
+          <p15:clr>
+            <a:srgbClr val="A4A3A4"/>
+          </p15:clr>
+        </p15:guide>
+      </p15:sldGuideLst>
+    </p:ext>
+  </p:extLst>
 </p:presentation>
 </file>
 
@@ -207,7 +232,7 @@
           </a:lstStyle>
           <a:p>
             <a:r>
-              <a:rPr kumimoji="0" lang="pt-BR" smtClean="0"/>
+              <a:rPr kumimoji="0" lang="pt-BR"/>
               <a:t>Clique para editar o título mestre</a:t>
             </a:r>
             <a:endParaRPr kumimoji="0" lang="en-US"/>
@@ -268,7 +293,7 @@
           </a:lstStyle>
           <a:p>
             <a:r>
-              <a:rPr kumimoji="0" lang="pt-BR" smtClean="0"/>
+              <a:rPr kumimoji="0" lang="pt-BR"/>
               <a:t>Clique para editar o estilo do subtítulo mestre</a:t>
             </a:r>
             <a:endParaRPr kumimoji="0" lang="en-US"/>
@@ -292,7 +317,7 @@
           <a:p>
             <a:fld id="{2E700DB3-DBF0-4086-B675-117E7A9610B8}" type="datetimeFigureOut">
               <a:rPr lang="pt-BR" smtClean="0"/>
-              <a:t>02/12/2017</a:t>
+              <a:t>29/11/2018</a:t>
             </a:fld>
             <a:endParaRPr lang="pt-BR"/>
           </a:p>
@@ -381,7 +406,7 @@
           <a:lstStyle/>
           <a:p>
             <a:r>
-              <a:rPr kumimoji="0" lang="pt-BR" smtClean="0"/>
+              <a:rPr kumimoji="0" lang="pt-BR"/>
               <a:t>Clique para editar o título mestre</a:t>
             </a:r>
             <a:endParaRPr kumimoji="0" lang="en-US"/>
@@ -405,35 +430,35 @@
           <a:p>
             <a:pPr lvl="0" eaLnBrk="1" latinLnBrk="0" hangingPunct="1"/>
             <a:r>
-              <a:rPr lang="pt-BR" smtClean="0"/>
+              <a:rPr lang="pt-BR"/>
               <a:t>Clique para editar o texto mestre</a:t>
             </a:r>
           </a:p>
           <a:p>
             <a:pPr lvl="1" eaLnBrk="1" latinLnBrk="0" hangingPunct="1"/>
             <a:r>
-              <a:rPr lang="pt-BR" smtClean="0"/>
+              <a:rPr lang="pt-BR"/>
               <a:t>Segundo nível</a:t>
             </a:r>
           </a:p>
           <a:p>
             <a:pPr lvl="2" eaLnBrk="1" latinLnBrk="0" hangingPunct="1"/>
             <a:r>
-              <a:rPr lang="pt-BR" smtClean="0"/>
+              <a:rPr lang="pt-BR"/>
               <a:t>Terceiro nível</a:t>
             </a:r>
           </a:p>
           <a:p>
             <a:pPr lvl="3" eaLnBrk="1" latinLnBrk="0" hangingPunct="1"/>
             <a:r>
-              <a:rPr lang="pt-BR" smtClean="0"/>
+              <a:rPr lang="pt-BR"/>
               <a:t>Quarto nível</a:t>
             </a:r>
           </a:p>
           <a:p>
             <a:pPr lvl="4" eaLnBrk="1" latinLnBrk="0" hangingPunct="1"/>
             <a:r>
-              <a:rPr lang="pt-BR" smtClean="0"/>
+              <a:rPr lang="pt-BR"/>
               <a:t>Quinto nível</a:t>
             </a:r>
             <a:endParaRPr kumimoji="0" lang="en-US"/>
@@ -457,7 +482,7 @@
           <a:p>
             <a:fld id="{2E700DB3-DBF0-4086-B675-117E7A9610B8}" type="datetimeFigureOut">
               <a:rPr lang="pt-BR" smtClean="0"/>
-              <a:t>02/12/2017</a:t>
+              <a:t>29/11/2018</a:t>
             </a:fld>
             <a:endParaRPr lang="pt-BR"/>
           </a:p>
@@ -551,7 +576,7 @@
           <a:lstStyle/>
           <a:p>
             <a:r>
-              <a:rPr kumimoji="0" lang="pt-BR" smtClean="0"/>
+              <a:rPr kumimoji="0" lang="pt-BR"/>
               <a:t>Clique para editar o título mestre</a:t>
             </a:r>
             <a:endParaRPr kumimoji="0" lang="en-US"/>
@@ -580,35 +605,35 @@
           <a:p>
             <a:pPr lvl="0" eaLnBrk="1" latinLnBrk="0" hangingPunct="1"/>
             <a:r>
-              <a:rPr lang="pt-BR" smtClean="0"/>
+              <a:rPr lang="pt-BR"/>
               <a:t>Clique para editar o texto mestre</a:t>
             </a:r>
           </a:p>
           <a:p>
             <a:pPr lvl="1" eaLnBrk="1" latinLnBrk="0" hangingPunct="1"/>
             <a:r>
-              <a:rPr lang="pt-BR" smtClean="0"/>
+              <a:rPr lang="pt-BR"/>
               <a:t>Segundo nível</a:t>
             </a:r>
           </a:p>
           <a:p>
             <a:pPr lvl="2" eaLnBrk="1" latinLnBrk="0" hangingPunct="1"/>
             <a:r>
-              <a:rPr lang="pt-BR" smtClean="0"/>
+              <a:rPr lang="pt-BR"/>
               <a:t>Terceiro nível</a:t>
             </a:r>
           </a:p>
           <a:p>
             <a:pPr lvl="3" eaLnBrk="1" latinLnBrk="0" hangingPunct="1"/>
             <a:r>
-              <a:rPr lang="pt-BR" smtClean="0"/>
+              <a:rPr lang="pt-BR"/>
               <a:t>Quarto nível</a:t>
             </a:r>
           </a:p>
           <a:p>
             <a:pPr lvl="4" eaLnBrk="1" latinLnBrk="0" hangingPunct="1"/>
             <a:r>
-              <a:rPr lang="pt-BR" smtClean="0"/>
+              <a:rPr lang="pt-BR"/>
               <a:t>Quinto nível</a:t>
             </a:r>
             <a:endParaRPr kumimoji="0" lang="en-US"/>
@@ -632,7 +657,7 @@
           <a:p>
             <a:fld id="{2E700DB3-DBF0-4086-B675-117E7A9610B8}" type="datetimeFigureOut">
               <a:rPr lang="pt-BR" smtClean="0"/>
-              <a:t>02/12/2017</a:t>
+              <a:t>29/11/2018</a:t>
             </a:fld>
             <a:endParaRPr lang="pt-BR"/>
           </a:p>
@@ -721,7 +746,7 @@
           <a:lstStyle/>
           <a:p>
             <a:r>
-              <a:rPr kumimoji="0" lang="pt-BR" smtClean="0"/>
+              <a:rPr kumimoji="0" lang="pt-BR"/>
               <a:t>Clique para editar o título mestre</a:t>
             </a:r>
             <a:endParaRPr kumimoji="0" lang="en-US"/>
@@ -745,35 +770,35 @@
           <a:p>
             <a:pPr lvl="0" eaLnBrk="1" latinLnBrk="0" hangingPunct="1"/>
             <a:r>
-              <a:rPr lang="pt-BR" smtClean="0"/>
+              <a:rPr lang="pt-BR"/>
               <a:t>Clique para editar o texto mestre</a:t>
             </a:r>
           </a:p>
           <a:p>
             <a:pPr lvl="1" eaLnBrk="1" latinLnBrk="0" hangingPunct="1"/>
             <a:r>
-              <a:rPr lang="pt-BR" smtClean="0"/>
+              <a:rPr lang="pt-BR"/>
               <a:t>Segundo nível</a:t>
             </a:r>
           </a:p>
           <a:p>
             <a:pPr lvl="2" eaLnBrk="1" latinLnBrk="0" hangingPunct="1"/>
             <a:r>
-              <a:rPr lang="pt-BR" smtClean="0"/>
+              <a:rPr lang="pt-BR"/>
               <a:t>Terceiro nível</a:t>
             </a:r>
           </a:p>
           <a:p>
             <a:pPr lvl="3" eaLnBrk="1" latinLnBrk="0" hangingPunct="1"/>
             <a:r>
-              <a:rPr lang="pt-BR" smtClean="0"/>
+              <a:rPr lang="pt-BR"/>
               <a:t>Quarto nível</a:t>
             </a:r>
           </a:p>
           <a:p>
             <a:pPr lvl="4" eaLnBrk="1" latinLnBrk="0" hangingPunct="1"/>
             <a:r>
-              <a:rPr lang="pt-BR" smtClean="0"/>
+              <a:rPr lang="pt-BR"/>
               <a:t>Quinto nível</a:t>
             </a:r>
             <a:endParaRPr kumimoji="0" lang="en-US"/>
@@ -797,7 +822,7 @@
           <a:p>
             <a:fld id="{2E700DB3-DBF0-4086-B675-117E7A9610B8}" type="datetimeFigureOut">
               <a:rPr lang="pt-BR" smtClean="0"/>
-              <a:t>02/12/2017</a:t>
+              <a:t>29/11/2018</a:t>
             </a:fld>
             <a:endParaRPr lang="pt-BR"/>
           </a:p>
@@ -938,7 +963,7 @@
           </a:lstStyle>
           <a:p>
             <a:r>
-              <a:rPr kumimoji="0" lang="pt-BR" smtClean="0"/>
+              <a:rPr kumimoji="0" lang="pt-BR"/>
               <a:t>Clique para editar o título mestre</a:t>
             </a:r>
             <a:endParaRPr kumimoji="0" lang="en-US"/>
@@ -1016,7 +1041,7 @@
           <a:p>
             <a:pPr lvl="0" eaLnBrk="1" latinLnBrk="0" hangingPunct="1"/>
             <a:r>
-              <a:rPr kumimoji="0" lang="pt-BR" smtClean="0"/>
+              <a:rPr kumimoji="0" lang="pt-BR"/>
               <a:t>Clique para editar o texto mestre</a:t>
             </a:r>
           </a:p>
@@ -1039,7 +1064,7 @@
           <a:p>
             <a:fld id="{2E700DB3-DBF0-4086-B675-117E7A9610B8}" type="datetimeFigureOut">
               <a:rPr lang="pt-BR" smtClean="0"/>
-              <a:t>02/12/2017</a:t>
+              <a:t>29/11/2018</a:t>
             </a:fld>
             <a:endParaRPr lang="pt-BR"/>
           </a:p>
@@ -1133,7 +1158,7 @@
           <a:lstStyle/>
           <a:p>
             <a:r>
-              <a:rPr kumimoji="0" lang="pt-BR" smtClean="0"/>
+              <a:rPr kumimoji="0" lang="pt-BR"/>
               <a:t>Clique para editar o título mestre</a:t>
             </a:r>
             <a:endParaRPr kumimoji="0" lang="en-US"/>
@@ -1178,35 +1203,35 @@
           <a:p>
             <a:pPr lvl="0" eaLnBrk="1" latinLnBrk="0" hangingPunct="1"/>
             <a:r>
-              <a:rPr lang="pt-BR" smtClean="0"/>
+              <a:rPr lang="pt-BR"/>
               <a:t>Clique para editar o texto mestre</a:t>
             </a:r>
           </a:p>
           <a:p>
             <a:pPr lvl="1" eaLnBrk="1" latinLnBrk="0" hangingPunct="1"/>
             <a:r>
-              <a:rPr lang="pt-BR" smtClean="0"/>
+              <a:rPr lang="pt-BR"/>
               <a:t>Segundo nível</a:t>
             </a:r>
           </a:p>
           <a:p>
             <a:pPr lvl="2" eaLnBrk="1" latinLnBrk="0" hangingPunct="1"/>
             <a:r>
-              <a:rPr lang="pt-BR" smtClean="0"/>
+              <a:rPr lang="pt-BR"/>
               <a:t>Terceiro nível</a:t>
             </a:r>
           </a:p>
           <a:p>
             <a:pPr lvl="3" eaLnBrk="1" latinLnBrk="0" hangingPunct="1"/>
             <a:r>
-              <a:rPr lang="pt-BR" smtClean="0"/>
+              <a:rPr lang="pt-BR"/>
               <a:t>Quarto nível</a:t>
             </a:r>
           </a:p>
           <a:p>
             <a:pPr lvl="4" eaLnBrk="1" latinLnBrk="0" hangingPunct="1"/>
             <a:r>
-              <a:rPr lang="pt-BR" smtClean="0"/>
+              <a:rPr lang="pt-BR"/>
               <a:t>Quinto nível</a:t>
             </a:r>
             <a:endParaRPr kumimoji="0" lang="en-US"/>
@@ -1251,35 +1276,35 @@
           <a:p>
             <a:pPr lvl="0" eaLnBrk="1" latinLnBrk="0" hangingPunct="1"/>
             <a:r>
-              <a:rPr lang="pt-BR" smtClean="0"/>
+              <a:rPr lang="pt-BR"/>
               <a:t>Clique para editar o texto mestre</a:t>
             </a:r>
           </a:p>
           <a:p>
             <a:pPr lvl="1" eaLnBrk="1" latinLnBrk="0" hangingPunct="1"/>
             <a:r>
-              <a:rPr lang="pt-BR" smtClean="0"/>
+              <a:rPr lang="pt-BR"/>
               <a:t>Segundo nível</a:t>
             </a:r>
           </a:p>
           <a:p>
             <a:pPr lvl="2" eaLnBrk="1" latinLnBrk="0" hangingPunct="1"/>
             <a:r>
-              <a:rPr lang="pt-BR" smtClean="0"/>
+              <a:rPr lang="pt-BR"/>
               <a:t>Terceiro nível</a:t>
             </a:r>
           </a:p>
           <a:p>
             <a:pPr lvl="3" eaLnBrk="1" latinLnBrk="0" hangingPunct="1"/>
             <a:r>
-              <a:rPr lang="pt-BR" smtClean="0"/>
+              <a:rPr lang="pt-BR"/>
               <a:t>Quarto nível</a:t>
             </a:r>
           </a:p>
           <a:p>
             <a:pPr lvl="4" eaLnBrk="1" latinLnBrk="0" hangingPunct="1"/>
             <a:r>
-              <a:rPr lang="pt-BR" smtClean="0"/>
+              <a:rPr lang="pt-BR"/>
               <a:t>Quinto nível</a:t>
             </a:r>
             <a:endParaRPr kumimoji="0" lang="en-US"/>
@@ -1303,7 +1328,7 @@
           <a:p>
             <a:fld id="{2E700DB3-DBF0-4086-B675-117E7A9610B8}" type="datetimeFigureOut">
               <a:rPr lang="pt-BR" smtClean="0"/>
-              <a:t>02/12/2017</a:t>
+              <a:t>29/11/2018</a:t>
             </a:fld>
             <a:endParaRPr lang="pt-BR"/>
           </a:p>
@@ -1401,7 +1426,7 @@
           </a:lstStyle>
           <a:p>
             <a:r>
-              <a:rPr kumimoji="0" lang="pt-BR" smtClean="0"/>
+              <a:rPr kumimoji="0" lang="pt-BR"/>
               <a:t>Clique para editar o título mestre</a:t>
             </a:r>
             <a:endParaRPr kumimoji="0" lang="en-US"/>
@@ -1458,7 +1483,7 @@
           <a:p>
             <a:pPr lvl="0" eaLnBrk="1" latinLnBrk="0" hangingPunct="1"/>
             <a:r>
-              <a:rPr kumimoji="0" lang="pt-BR" smtClean="0"/>
+              <a:rPr kumimoji="0" lang="pt-BR"/>
               <a:t>Clique para editar o texto mestre</a:t>
             </a:r>
           </a:p>
@@ -1512,7 +1537,7 @@
           <a:p>
             <a:pPr lvl="0" eaLnBrk="1" latinLnBrk="0" hangingPunct="1"/>
             <a:r>
-              <a:rPr kumimoji="0" lang="pt-BR" smtClean="0"/>
+              <a:rPr kumimoji="0" lang="pt-BR"/>
               <a:t>Clique para editar o texto mestre</a:t>
             </a:r>
           </a:p>
@@ -1556,35 +1581,35 @@
           <a:p>
             <a:pPr lvl="0" eaLnBrk="1" latinLnBrk="0" hangingPunct="1"/>
             <a:r>
-              <a:rPr lang="pt-BR" smtClean="0"/>
+              <a:rPr lang="pt-BR"/>
               <a:t>Clique para editar o texto mestre</a:t>
             </a:r>
           </a:p>
           <a:p>
             <a:pPr lvl="1" eaLnBrk="1" latinLnBrk="0" hangingPunct="1"/>
             <a:r>
-              <a:rPr lang="pt-BR" smtClean="0"/>
+              <a:rPr lang="pt-BR"/>
               <a:t>Segundo nível</a:t>
             </a:r>
           </a:p>
           <a:p>
             <a:pPr lvl="2" eaLnBrk="1" latinLnBrk="0" hangingPunct="1"/>
             <a:r>
-              <a:rPr lang="pt-BR" smtClean="0"/>
+              <a:rPr lang="pt-BR"/>
               <a:t>Terceiro nível</a:t>
             </a:r>
           </a:p>
           <a:p>
             <a:pPr lvl="3" eaLnBrk="1" latinLnBrk="0" hangingPunct="1"/>
             <a:r>
-              <a:rPr lang="pt-BR" smtClean="0"/>
+              <a:rPr lang="pt-BR"/>
               <a:t>Quarto nível</a:t>
             </a:r>
           </a:p>
           <a:p>
             <a:pPr lvl="4" eaLnBrk="1" latinLnBrk="0" hangingPunct="1"/>
             <a:r>
-              <a:rPr lang="pt-BR" smtClean="0"/>
+              <a:rPr lang="pt-BR"/>
               <a:t>Quinto nível</a:t>
             </a:r>
             <a:endParaRPr kumimoji="0" lang="en-US"/>
@@ -1629,35 +1654,35 @@
           <a:p>
             <a:pPr lvl="0" eaLnBrk="1" latinLnBrk="0" hangingPunct="1"/>
             <a:r>
-              <a:rPr lang="pt-BR" smtClean="0"/>
+              <a:rPr lang="pt-BR"/>
               <a:t>Clique para editar o texto mestre</a:t>
             </a:r>
           </a:p>
           <a:p>
             <a:pPr lvl="1" eaLnBrk="1" latinLnBrk="0" hangingPunct="1"/>
             <a:r>
-              <a:rPr lang="pt-BR" smtClean="0"/>
+              <a:rPr lang="pt-BR"/>
               <a:t>Segundo nível</a:t>
             </a:r>
           </a:p>
           <a:p>
             <a:pPr lvl="2" eaLnBrk="1" latinLnBrk="0" hangingPunct="1"/>
             <a:r>
-              <a:rPr lang="pt-BR" smtClean="0"/>
+              <a:rPr lang="pt-BR"/>
               <a:t>Terceiro nível</a:t>
             </a:r>
           </a:p>
           <a:p>
             <a:pPr lvl="3" eaLnBrk="1" latinLnBrk="0" hangingPunct="1"/>
             <a:r>
-              <a:rPr lang="pt-BR" smtClean="0"/>
+              <a:rPr lang="pt-BR"/>
               <a:t>Quarto nível</a:t>
             </a:r>
           </a:p>
           <a:p>
             <a:pPr lvl="4" eaLnBrk="1" latinLnBrk="0" hangingPunct="1"/>
             <a:r>
-              <a:rPr lang="pt-BR" smtClean="0"/>
+              <a:rPr lang="pt-BR"/>
               <a:t>Quinto nível</a:t>
             </a:r>
             <a:endParaRPr kumimoji="0" lang="en-US"/>
@@ -1681,7 +1706,7 @@
           <a:p>
             <a:fld id="{2E700DB3-DBF0-4086-B675-117E7A9610B8}" type="datetimeFigureOut">
               <a:rPr lang="pt-BR" smtClean="0"/>
-              <a:t>02/12/2017</a:t>
+              <a:t>29/11/2018</a:t>
             </a:fld>
             <a:endParaRPr lang="pt-BR"/>
           </a:p>
@@ -1807,7 +1832,7 @@
           </a:lstStyle>
           <a:p>
             <a:r>
-              <a:rPr kumimoji="0" lang="pt-BR" smtClean="0"/>
+              <a:rPr kumimoji="0" lang="pt-BR"/>
               <a:t>Clique para editar o título mestre</a:t>
             </a:r>
             <a:endParaRPr kumimoji="0" lang="en-US"/>
@@ -1831,7 +1856,7 @@
           <a:p>
             <a:fld id="{2E700DB3-DBF0-4086-B675-117E7A9610B8}" type="datetimeFigureOut">
               <a:rPr lang="pt-BR" smtClean="0"/>
-              <a:t>02/12/2017</a:t>
+              <a:t>29/11/2018</a:t>
             </a:fld>
             <a:endParaRPr lang="pt-BR"/>
           </a:p>
@@ -1921,7 +1946,7 @@
           <a:p>
             <a:fld id="{2E700DB3-DBF0-4086-B675-117E7A9610B8}" type="datetimeFigureOut">
               <a:rPr lang="pt-BR" smtClean="0"/>
-              <a:t>02/12/2017</a:t>
+              <a:t>29/11/2018</a:t>
             </a:fld>
             <a:endParaRPr lang="pt-BR"/>
           </a:p>
@@ -2036,7 +2061,7 @@
           </a:lstStyle>
           <a:p>
             <a:r>
-              <a:rPr kumimoji="0" lang="pt-BR" smtClean="0"/>
+              <a:rPr kumimoji="0" lang="pt-BR"/>
               <a:t>Clique para editar o título mestre</a:t>
             </a:r>
             <a:endParaRPr kumimoji="0" lang="en-US"/>
@@ -2086,7 +2111,7 @@
           <a:p>
             <a:pPr lvl="0" eaLnBrk="1" latinLnBrk="0" hangingPunct="1"/>
             <a:r>
-              <a:rPr kumimoji="0" lang="pt-BR" smtClean="0"/>
+              <a:rPr kumimoji="0" lang="pt-BR"/>
               <a:t>Clique para editar o texto mestre</a:t>
             </a:r>
           </a:p>
@@ -2130,35 +2155,35 @@
           <a:p>
             <a:pPr lvl="0" eaLnBrk="1" latinLnBrk="0" hangingPunct="1"/>
             <a:r>
-              <a:rPr lang="pt-BR" smtClean="0"/>
+              <a:rPr lang="pt-BR"/>
               <a:t>Clique para editar o texto mestre</a:t>
             </a:r>
           </a:p>
           <a:p>
             <a:pPr lvl="1" eaLnBrk="1" latinLnBrk="0" hangingPunct="1"/>
             <a:r>
-              <a:rPr lang="pt-BR" smtClean="0"/>
+              <a:rPr lang="pt-BR"/>
               <a:t>Segundo nível</a:t>
             </a:r>
           </a:p>
           <a:p>
             <a:pPr lvl="2" eaLnBrk="1" latinLnBrk="0" hangingPunct="1"/>
             <a:r>
-              <a:rPr lang="pt-BR" smtClean="0"/>
+              <a:rPr lang="pt-BR"/>
               <a:t>Terceiro nível</a:t>
             </a:r>
           </a:p>
           <a:p>
             <a:pPr lvl="3" eaLnBrk="1" latinLnBrk="0" hangingPunct="1"/>
             <a:r>
-              <a:rPr lang="pt-BR" smtClean="0"/>
+              <a:rPr lang="pt-BR"/>
               <a:t>Quarto nível</a:t>
             </a:r>
           </a:p>
           <a:p>
             <a:pPr lvl="4" eaLnBrk="1" latinLnBrk="0" hangingPunct="1"/>
             <a:r>
-              <a:rPr lang="pt-BR" smtClean="0"/>
+              <a:rPr lang="pt-BR"/>
               <a:t>Quinto nível</a:t>
             </a:r>
             <a:endParaRPr kumimoji="0" lang="en-US"/>
@@ -2182,7 +2207,7 @@
           <a:p>
             <a:fld id="{2E700DB3-DBF0-4086-B675-117E7A9610B8}" type="datetimeFigureOut">
               <a:rPr lang="pt-BR" smtClean="0"/>
-              <a:t>02/12/2017</a:t>
+              <a:t>29/11/2018</a:t>
             </a:fld>
             <a:endParaRPr lang="pt-BR"/>
           </a:p>
@@ -2397,7 +2422,7 @@
           </a:lstStyle>
           <a:p>
             <a:r>
-              <a:rPr kumimoji="0" lang="pt-BR" smtClean="0"/>
+              <a:rPr kumimoji="0" lang="pt-BR"/>
               <a:t>Clique para editar o título mestre</a:t>
             </a:r>
             <a:endParaRPr kumimoji="0" lang="en-US"/>
@@ -2447,7 +2472,7 @@
           <a:p>
             <a:pPr lvl="0" eaLnBrk="1" latinLnBrk="0" hangingPunct="1"/>
             <a:r>
-              <a:rPr kumimoji="0" lang="pt-BR" smtClean="0"/>
+              <a:rPr kumimoji="0" lang="pt-BR"/>
               <a:t>Clique para editar o texto mestre</a:t>
             </a:r>
           </a:p>
@@ -2470,7 +2495,7 @@
           <a:p>
             <a:fld id="{2E700DB3-DBF0-4086-B675-117E7A9610B8}" type="datetimeFigureOut">
               <a:rPr lang="pt-BR" smtClean="0"/>
-              <a:t>02/12/2017</a:t>
+              <a:t>29/11/2018</a:t>
             </a:fld>
             <a:endParaRPr lang="pt-BR"/>
           </a:p>
@@ -2562,7 +2587,7 @@
           </a:lstStyle>
           <a:p>
             <a:r>
-              <a:rPr kumimoji="0" lang="pt-BR" smtClean="0"/>
+              <a:rPr kumimoji="0" lang="pt-BR"/>
               <a:t>Clique no ícone para adicionar uma imagem</a:t>
             </a:r>
             <a:endParaRPr kumimoji="0" lang="en-US" dirty="0"/>
@@ -3137,7 +3162,7 @@
           <a:lstStyle/>
           <a:p>
             <a:r>
-              <a:rPr kumimoji="0" lang="pt-BR" smtClean="0"/>
+              <a:rPr kumimoji="0" lang="pt-BR"/>
               <a:t>Clique para editar o título mestre</a:t>
             </a:r>
             <a:endParaRPr kumimoji="0" lang="en-US"/>
@@ -3171,35 +3196,35 @@
           <a:p>
             <a:pPr lvl="0" eaLnBrk="1" latinLnBrk="0" hangingPunct="1"/>
             <a:r>
-              <a:rPr kumimoji="0" lang="pt-BR" smtClean="0"/>
+              <a:rPr kumimoji="0" lang="pt-BR"/>
               <a:t>Clique para editar o texto mestre</a:t>
             </a:r>
           </a:p>
           <a:p>
             <a:pPr lvl="1" eaLnBrk="1" latinLnBrk="0" hangingPunct="1"/>
             <a:r>
-              <a:rPr kumimoji="0" lang="pt-BR" smtClean="0"/>
+              <a:rPr kumimoji="0" lang="pt-BR"/>
               <a:t>Segundo nível</a:t>
             </a:r>
           </a:p>
           <a:p>
             <a:pPr lvl="2" eaLnBrk="1" latinLnBrk="0" hangingPunct="1"/>
             <a:r>
-              <a:rPr kumimoji="0" lang="pt-BR" smtClean="0"/>
+              <a:rPr kumimoji="0" lang="pt-BR"/>
               <a:t>Terceiro nível</a:t>
             </a:r>
           </a:p>
           <a:p>
             <a:pPr lvl="3" eaLnBrk="1" latinLnBrk="0" hangingPunct="1"/>
             <a:r>
-              <a:rPr kumimoji="0" lang="pt-BR" smtClean="0"/>
+              <a:rPr kumimoji="0" lang="pt-BR"/>
               <a:t>Quarto nível</a:t>
             </a:r>
           </a:p>
           <a:p>
             <a:pPr lvl="4" eaLnBrk="1" latinLnBrk="0" hangingPunct="1"/>
             <a:r>
-              <a:rPr kumimoji="0" lang="pt-BR" smtClean="0"/>
+              <a:rPr kumimoji="0" lang="pt-BR"/>
               <a:t>Quinto nível</a:t>
             </a:r>
             <a:endParaRPr kumimoji="0" lang="en-US"/>
@@ -3241,7 +3266,7 @@
           <a:p>
             <a:fld id="{2E700DB3-DBF0-4086-B675-117E7A9610B8}" type="datetimeFigureOut">
               <a:rPr lang="pt-BR" smtClean="0"/>
-              <a:t>02/12/2017</a:t>
+              <a:t>29/11/2018</a:t>
             </a:fld>
             <a:endParaRPr lang="pt-BR"/>
           </a:p>
@@ -3875,10 +3900,9 @@
           <a:lstStyle/>
           <a:p>
             <a:r>
-              <a:rPr lang="pt-BR" dirty="0" smtClean="0"/>
+              <a:rPr lang="pt-BR" dirty="0"/>
               <a:t>Banco de Dados</a:t>
             </a:r>
-            <a:endParaRPr lang="pt-BR" dirty="0"/>
           </a:p>
         </p:txBody>
       </p:sp>
@@ -3905,35 +3929,35 @@
           <a:lstStyle/>
           <a:p>
             <a:r>
-              <a:rPr lang="pt-BR" dirty="0" smtClean="0"/>
+              <a:rPr lang="pt-BR" dirty="0"/>
               <a:t>Curso de Especialização em Internet das Coisas</a:t>
             </a:r>
           </a:p>
           <a:p>
-            <a:endParaRPr lang="pt-BR" dirty="0" smtClean="0"/>
-          </a:p>
-          <a:p>
-            <a:r>
-              <a:rPr lang="pt-BR" dirty="0" smtClean="0"/>
+            <a:endParaRPr lang="pt-BR" dirty="0"/>
+          </a:p>
+          <a:p>
+            <a:r>
+              <a:rPr lang="pt-BR" dirty="0"/>
               <a:t>Leonardo </a:t>
             </a:r>
             <a:r>
-              <a:rPr lang="pt-BR" dirty="0" err="1" smtClean="0"/>
+              <a:rPr lang="pt-BR" dirty="0" err="1"/>
               <a:t>Faix</a:t>
             </a:r>
             <a:r>
-              <a:rPr lang="pt-BR" dirty="0" smtClean="0"/>
+              <a:rPr lang="pt-BR" dirty="0"/>
               <a:t> </a:t>
             </a:r>
             <a:r>
-              <a:rPr lang="pt-BR" dirty="0" err="1" smtClean="0"/>
+              <a:rPr lang="pt-BR" dirty="0" err="1"/>
               <a:t>Pordeus</a:t>
             </a:r>
-            <a:endParaRPr lang="pt-BR" dirty="0" smtClean="0"/>
-          </a:p>
-          <a:p>
-            <a:r>
-              <a:rPr lang="pt-BR" dirty="0" smtClean="0"/>
+            <a:endParaRPr lang="pt-BR" dirty="0"/>
+          </a:p>
+          <a:p>
+            <a:r>
+              <a:rPr lang="pt-BR" dirty="0"/>
               <a:t>leonardopordeus@gmail.com</a:t>
             </a:r>
           </a:p>
@@ -3941,21 +3965,21 @@
             <a:endParaRPr lang="pt-BR" dirty="0"/>
           </a:p>
           <a:p>
-            <a:endParaRPr lang="pt-BR" dirty="0" smtClean="0"/>
-          </a:p>
-          <a:p>
             <a:endParaRPr lang="pt-BR" dirty="0"/>
           </a:p>
           <a:p>
-            <a:endParaRPr lang="pt-BR" dirty="0" smtClean="0"/>
-          </a:p>
-          <a:p>
             <a:endParaRPr lang="pt-BR" dirty="0"/>
           </a:p>
           <a:p>
+            <a:endParaRPr lang="pt-BR" dirty="0"/>
+          </a:p>
+          <a:p>
+            <a:endParaRPr lang="pt-BR" dirty="0"/>
+          </a:p>
+          <a:p>
             <a:pPr algn="ctr"/>
             <a:r>
-              <a:rPr lang="pt-BR" dirty="0" smtClean="0"/>
+              <a:rPr lang="pt-BR" dirty="0"/>
               <a:t>2017</a:t>
             </a:r>
           </a:p>
@@ -4015,13 +4039,6 @@
   <p:clrMapOvr>
     <a:masterClrMapping/>
   </p:clrMapOvr>
-  <p:timing>
-    <p:tnLst>
-      <p:par>
-        <p:cTn id="1" dur="indefinite" restart="never" nodeType="tmRoot"/>
-      </p:par>
-    </p:tnLst>
-  </p:timing>
 </p:sld>
 </file>
 
@@ -4058,1210 +4075,9 @@
           <a:lstStyle/>
           <a:p>
             <a:r>
-              <a:rPr lang="pt-BR" dirty="0" err="1" smtClean="0"/>
-              <a:t>Column</a:t>
-            </a:r>
-            <a:endParaRPr lang="pt-BR" dirty="0"/>
-          </a:p>
-        </p:txBody>
-      </p:sp>
-      <p:sp>
-        <p:nvSpPr>
-          <p:cNvPr id="3" name="Espaço Reservado para Conteúdo 2"/>
-          <p:cNvSpPr>
-            <a:spLocks noGrp="1"/>
-          </p:cNvSpPr>
-          <p:nvPr>
-            <p:ph idx="1"/>
-          </p:nvPr>
-        </p:nvSpPr>
-        <p:spPr>
-          <a:xfrm>
-            <a:off x="457200" y="1935480"/>
-            <a:ext cx="8435280" cy="4389120"/>
-          </a:xfrm>
-        </p:spPr>
-        <p:txBody>
-          <a:bodyPr/>
-          <a:lstStyle/>
-          <a:p>
-            <a:r>
-              <a:rPr lang="pt-BR" dirty="0" smtClean="0"/>
-              <a:t>Os dados são agrupados por meio de colunas ao invés de linhas (</a:t>
-            </a:r>
-            <a:r>
-              <a:rPr lang="pt-BR" dirty="0" err="1" smtClean="0"/>
-              <a:t>row</a:t>
-            </a:r>
-            <a:r>
-              <a:rPr lang="pt-BR" dirty="0" smtClean="0"/>
-              <a:t>);</a:t>
-            </a:r>
-            <a:endParaRPr lang="pt-BR" dirty="0"/>
-          </a:p>
-          <a:p>
-            <a:r>
-              <a:rPr lang="pt-BR" dirty="0" smtClean="0"/>
-              <a:t>Leituras rápidas;</a:t>
-            </a:r>
-          </a:p>
-          <a:p>
-            <a:r>
-              <a:rPr lang="pt-BR" dirty="0" smtClean="0"/>
-              <a:t>Escrita custosa; </a:t>
-            </a:r>
-            <a:endParaRPr lang="pt-BR" dirty="0"/>
-          </a:p>
-          <a:p>
-            <a:r>
-              <a:rPr lang="pt-BR" dirty="0" smtClean="0"/>
-              <a:t>Exemplos:</a:t>
-            </a:r>
-          </a:p>
-          <a:p>
-            <a:pPr lvl="1"/>
-            <a:r>
-              <a:rPr lang="pt-BR" dirty="0" err="1" smtClean="0"/>
-              <a:t>Casssandra</a:t>
-            </a:r>
-            <a:r>
-              <a:rPr lang="pt-BR" dirty="0"/>
-              <a:t>;</a:t>
-            </a:r>
-            <a:endParaRPr lang="pt-BR" dirty="0" smtClean="0"/>
-          </a:p>
-          <a:p>
-            <a:pPr lvl="1"/>
-            <a:r>
-              <a:rPr lang="pt-BR" dirty="0" err="1" smtClean="0"/>
-              <a:t>Hbade</a:t>
-            </a:r>
-            <a:r>
-              <a:rPr lang="pt-BR" dirty="0" smtClean="0"/>
-              <a:t>;</a:t>
-            </a:r>
-          </a:p>
-          <a:p>
-            <a:pPr lvl="1"/>
-            <a:r>
-              <a:rPr lang="pt-BR" dirty="0" err="1" smtClean="0"/>
-              <a:t>BigTable</a:t>
-            </a:r>
-            <a:r>
-              <a:rPr lang="pt-BR" dirty="0" smtClean="0"/>
-              <a:t>;</a:t>
-            </a:r>
-            <a:endParaRPr lang="pt-BR" dirty="0"/>
-          </a:p>
-        </p:txBody>
-      </p:sp>
-      <p:pic>
-        <p:nvPicPr>
-          <p:cNvPr id="5124" name="Picture 4" descr="Resultado de imagem para Column Based Databases"/>
-          <p:cNvPicPr>
-            <a:picLocks noChangeAspect="1" noChangeArrowheads="1"/>
-          </p:cNvPicPr>
-          <p:nvPr/>
-        </p:nvPicPr>
-        <p:blipFill>
-          <a:blip r:embed="rId2">
-            <a:extLst>
-              <a:ext uri="{28A0092B-C50C-407E-A947-70E740481C1C}">
-                <a14:useLocalDpi xmlns:a14="http://schemas.microsoft.com/office/drawing/2010/main" val="0"/>
-              </a:ext>
-            </a:extLst>
-          </a:blip>
-          <a:srcRect/>
-          <a:stretch>
-            <a:fillRect/>
-          </a:stretch>
-        </p:blipFill>
-        <p:spPr bwMode="auto">
-          <a:xfrm>
-            <a:off x="3235699" y="2852936"/>
-            <a:ext cx="5908301" cy="3844678"/>
-          </a:xfrm>
-          <a:prstGeom prst="rect">
-            <a:avLst/>
-          </a:prstGeom>
-          <a:noFill/>
-          <a:extLst>
-            <a:ext uri="{909E8E84-426E-40DD-AFC4-6F175D3DCCD1}">
-              <a14:hiddenFill xmlns:a14="http://schemas.microsoft.com/office/drawing/2010/main">
-                <a:solidFill>
-                  <a:srgbClr val="FFFFFF"/>
-                </a:solidFill>
-              </a14:hiddenFill>
-            </a:ext>
-          </a:extLst>
-        </p:spPr>
-      </p:pic>
-    </p:spTree>
-    <p:extLst>
-      <p:ext uri="{BB962C8B-B14F-4D97-AF65-F5344CB8AC3E}">
-        <p14:creationId xmlns:p14="http://schemas.microsoft.com/office/powerpoint/2010/main" val="1190874770"/>
-      </p:ext>
-    </p:extLst>
-  </p:cSld>
-  <p:clrMapOvr>
-    <a:masterClrMapping/>
-  </p:clrMapOvr>
-  <p:timing>
-    <p:tnLst>
-      <p:par>
-        <p:cTn id="1" dur="indefinite" restart="never" nodeType="tmRoot"/>
-      </p:par>
-    </p:tnLst>
-  </p:timing>
-</p:sld>
-</file>
-
-<file path=ppt/slides/slide11.xml><?xml version="1.0" encoding="utf-8"?>
-<p:sld xmlns:a="http://schemas.openxmlformats.org/drawingml/2006/main" xmlns:r="http://schemas.openxmlformats.org/officeDocument/2006/relationships" xmlns:p="http://schemas.openxmlformats.org/presentationml/2006/main">
-  <p:cSld>
-    <p:spTree>
-      <p:nvGrpSpPr>
-        <p:cNvPr id="1" name=""/>
-        <p:cNvGrpSpPr/>
-        <p:nvPr/>
-      </p:nvGrpSpPr>
-      <p:grpSpPr>
-        <a:xfrm>
-          <a:off x="0" y="0"/>
-          <a:ext cx="0" cy="0"/>
-          <a:chOff x="0" y="0"/>
-          <a:chExt cx="0" cy="0"/>
-        </a:xfrm>
-      </p:grpSpPr>
-      <p:sp>
-        <p:nvSpPr>
-          <p:cNvPr id="2" name="Título 1"/>
-          <p:cNvSpPr>
-            <a:spLocks noGrp="1"/>
-          </p:cNvSpPr>
-          <p:nvPr>
-            <p:ph type="title"/>
-          </p:nvPr>
-        </p:nvSpPr>
-        <p:spPr/>
-        <p:txBody>
-          <a:bodyPr/>
-          <a:lstStyle/>
-          <a:p>
-            <a:r>
-              <a:rPr lang="pt-BR" dirty="0" err="1" smtClean="0"/>
-              <a:t>Graph</a:t>
-            </a:r>
-            <a:endParaRPr lang="pt-BR" dirty="0"/>
-          </a:p>
-        </p:txBody>
-      </p:sp>
-      <p:sp>
-        <p:nvSpPr>
-          <p:cNvPr id="3" name="Espaço Reservado para Conteúdo 2"/>
-          <p:cNvSpPr>
-            <a:spLocks noGrp="1"/>
-          </p:cNvSpPr>
-          <p:nvPr>
-            <p:ph idx="1"/>
-          </p:nvPr>
-        </p:nvSpPr>
-        <p:spPr/>
-        <p:txBody>
-          <a:bodyPr/>
-          <a:lstStyle/>
-          <a:p>
-            <a:r>
-              <a:rPr lang="pt-BR" dirty="0" smtClean="0"/>
-              <a:t>Utilizam conceitos de grafos;</a:t>
-            </a:r>
-          </a:p>
-          <a:p>
-            <a:r>
-              <a:rPr lang="pt-BR" dirty="0" smtClean="0"/>
-              <a:t>Dado é armazenado por meio de nós e relações;</a:t>
-            </a:r>
-          </a:p>
-          <a:p>
-            <a:r>
-              <a:rPr lang="pt-BR" dirty="0" smtClean="0"/>
-              <a:t>Exemplo Neo4j;</a:t>
-            </a:r>
-            <a:endParaRPr lang="pt-BR" dirty="0"/>
-          </a:p>
-        </p:txBody>
-      </p:sp>
-      <p:pic>
-        <p:nvPicPr>
-          <p:cNvPr id="2050" name="Picture 2" descr="https://insights-images.thoughtworks.com/nosqlgraph1_9b2986b08841107929831e51d0effcc5.png"/>
-          <p:cNvPicPr>
-            <a:picLocks noChangeAspect="1" noChangeArrowheads="1"/>
-          </p:cNvPicPr>
-          <p:nvPr/>
-        </p:nvPicPr>
-        <p:blipFill>
-          <a:blip r:embed="rId2" cstate="print">
-            <a:extLst>
-              <a:ext uri="{28A0092B-C50C-407E-A947-70E740481C1C}">
-                <a14:useLocalDpi xmlns:a14="http://schemas.microsoft.com/office/drawing/2010/main" val="0"/>
-              </a:ext>
-            </a:extLst>
-          </a:blip>
-          <a:srcRect/>
-          <a:stretch>
-            <a:fillRect/>
-          </a:stretch>
-        </p:blipFill>
-        <p:spPr bwMode="auto">
-          <a:xfrm>
-            <a:off x="3059832" y="2996952"/>
-            <a:ext cx="6080391" cy="3861048"/>
-          </a:xfrm>
-          <a:prstGeom prst="rect">
-            <a:avLst/>
-          </a:prstGeom>
-          <a:noFill/>
-          <a:extLst>
-            <a:ext uri="{909E8E84-426E-40DD-AFC4-6F175D3DCCD1}">
-              <a14:hiddenFill xmlns:a14="http://schemas.microsoft.com/office/drawing/2010/main">
-                <a:solidFill>
-                  <a:srgbClr val="FFFFFF"/>
-                </a:solidFill>
-              </a14:hiddenFill>
-            </a:ext>
-          </a:extLst>
-        </p:spPr>
-      </p:pic>
-    </p:spTree>
-    <p:extLst>
-      <p:ext uri="{BB962C8B-B14F-4D97-AF65-F5344CB8AC3E}">
-        <p14:creationId xmlns:p14="http://schemas.microsoft.com/office/powerpoint/2010/main" val="1124761483"/>
-      </p:ext>
-    </p:extLst>
-  </p:cSld>
-  <p:clrMapOvr>
-    <a:masterClrMapping/>
-  </p:clrMapOvr>
-  <p:timing>
-    <p:tnLst>
-      <p:par>
-        <p:cTn id="1" dur="indefinite" restart="never" nodeType="tmRoot"/>
-      </p:par>
-    </p:tnLst>
-  </p:timing>
-</p:sld>
-</file>
-
-<file path=ppt/slides/slide12.xml><?xml version="1.0" encoding="utf-8"?>
-<p:sld xmlns:a="http://schemas.openxmlformats.org/drawingml/2006/main" xmlns:r="http://schemas.openxmlformats.org/officeDocument/2006/relationships" xmlns:p="http://schemas.openxmlformats.org/presentationml/2006/main">
-  <p:cSld>
-    <p:spTree>
-      <p:nvGrpSpPr>
-        <p:cNvPr id="1" name=""/>
-        <p:cNvGrpSpPr/>
-        <p:nvPr/>
-      </p:nvGrpSpPr>
-      <p:grpSpPr>
-        <a:xfrm>
-          <a:off x="0" y="0"/>
-          <a:ext cx="0" cy="0"/>
-          <a:chOff x="0" y="0"/>
-          <a:chExt cx="0" cy="0"/>
-        </a:xfrm>
-      </p:grpSpPr>
-      <p:sp>
-        <p:nvSpPr>
-          <p:cNvPr id="2" name="Título 1"/>
-          <p:cNvSpPr>
-            <a:spLocks noGrp="1"/>
-          </p:cNvSpPr>
-          <p:nvPr>
-            <p:ph type="title"/>
-          </p:nvPr>
-        </p:nvSpPr>
-        <p:spPr/>
-        <p:txBody>
-          <a:bodyPr/>
-          <a:lstStyle/>
-          <a:p>
-            <a:r>
-              <a:rPr lang="pt-BR" dirty="0" err="1" smtClean="0"/>
-              <a:t>MongoDB</a:t>
-            </a:r>
-            <a:endParaRPr lang="pt-BR" dirty="0"/>
-          </a:p>
-        </p:txBody>
-      </p:sp>
-      <p:sp>
-        <p:nvSpPr>
-          <p:cNvPr id="3" name="Espaço Reservado para Conteúdo 2"/>
-          <p:cNvSpPr>
-            <a:spLocks noGrp="1"/>
-          </p:cNvSpPr>
-          <p:nvPr>
-            <p:ph idx="1"/>
-          </p:nvPr>
-        </p:nvSpPr>
-        <p:spPr/>
-        <p:txBody>
-          <a:bodyPr>
-            <a:normAutofit lnSpcReduction="10000"/>
-          </a:bodyPr>
-          <a:lstStyle/>
-          <a:p>
-            <a:r>
-              <a:rPr lang="pt-BR" dirty="0" err="1" smtClean="0"/>
-              <a:t>Document</a:t>
-            </a:r>
-            <a:r>
-              <a:rPr lang="pt-BR" dirty="0" smtClean="0"/>
-              <a:t> </a:t>
-            </a:r>
-            <a:r>
-              <a:rPr lang="pt-BR" dirty="0" err="1" smtClean="0"/>
-              <a:t>Based</a:t>
-            </a:r>
-            <a:r>
-              <a:rPr lang="pt-BR" dirty="0" smtClean="0"/>
-              <a:t>:</a:t>
-            </a:r>
-            <a:endParaRPr lang="pt-BR" dirty="0"/>
-          </a:p>
-          <a:p>
-            <a:pPr lvl="1"/>
-            <a:r>
-              <a:rPr lang="pt-BR" dirty="0" smtClean="0"/>
-              <a:t>JSON;</a:t>
-            </a:r>
-          </a:p>
-          <a:p>
-            <a:endParaRPr lang="pt-BR" dirty="0"/>
-          </a:p>
-          <a:p>
-            <a:r>
-              <a:rPr lang="pt-BR" dirty="0" smtClean="0"/>
-              <a:t>REST;</a:t>
-            </a:r>
-          </a:p>
-          <a:p>
-            <a:endParaRPr lang="pt-BR" dirty="0"/>
-          </a:p>
-          <a:p>
-            <a:r>
-              <a:rPr lang="pt-BR" dirty="0" smtClean="0"/>
-              <a:t>API;</a:t>
-            </a:r>
-          </a:p>
-          <a:p>
-            <a:endParaRPr lang="pt-BR" dirty="0"/>
-          </a:p>
-          <a:p>
-            <a:r>
-              <a:rPr lang="pt-BR" dirty="0">
-                <a:hlinkClick r:id="rId2"/>
-              </a:rPr>
-              <a:t>https://www.mongodb.com</a:t>
-            </a:r>
-            <a:r>
-              <a:rPr lang="pt-BR" dirty="0" smtClean="0">
-                <a:hlinkClick r:id="rId2"/>
-              </a:rPr>
-              <a:t>/</a:t>
-            </a:r>
-            <a:endParaRPr lang="pt-BR" dirty="0" smtClean="0"/>
-          </a:p>
-          <a:p>
-            <a:pPr lvl="1"/>
-            <a:r>
-              <a:rPr lang="pt-BR" dirty="0" smtClean="0"/>
-              <a:t>Local;</a:t>
-            </a:r>
-          </a:p>
-          <a:p>
-            <a:pPr lvl="1"/>
-            <a:r>
-              <a:rPr lang="pt-BR" dirty="0" err="1" smtClean="0"/>
-              <a:t>Cloud</a:t>
-            </a:r>
-            <a:r>
-              <a:rPr lang="pt-BR" dirty="0" smtClean="0"/>
-              <a:t>;</a:t>
-            </a:r>
-          </a:p>
-          <a:p>
-            <a:pPr lvl="1"/>
-            <a:endParaRPr lang="pt-BR" dirty="0"/>
-          </a:p>
-        </p:txBody>
-      </p:sp>
-    </p:spTree>
-    <p:extLst>
-      <p:ext uri="{BB962C8B-B14F-4D97-AF65-F5344CB8AC3E}">
-        <p14:creationId xmlns:p14="http://schemas.microsoft.com/office/powerpoint/2010/main" val="2268501179"/>
-      </p:ext>
-    </p:extLst>
-  </p:cSld>
-  <p:clrMapOvr>
-    <a:masterClrMapping/>
-  </p:clrMapOvr>
-  <p:timing>
-    <p:tnLst>
-      <p:par>
-        <p:cTn id="1" dur="indefinite" restart="never" nodeType="tmRoot"/>
-      </p:par>
-    </p:tnLst>
-  </p:timing>
-</p:sld>
-</file>
-
-<file path=ppt/slides/slide13.xml><?xml version="1.0" encoding="utf-8"?>
-<p:sld xmlns:a="http://schemas.openxmlformats.org/drawingml/2006/main" xmlns:r="http://schemas.openxmlformats.org/officeDocument/2006/relationships" xmlns:p="http://schemas.openxmlformats.org/presentationml/2006/main">
-  <p:cSld>
-    <p:spTree>
-      <p:nvGrpSpPr>
-        <p:cNvPr id="1" name=""/>
-        <p:cNvGrpSpPr/>
-        <p:nvPr/>
-      </p:nvGrpSpPr>
-      <p:grpSpPr>
-        <a:xfrm>
-          <a:off x="0" y="0"/>
-          <a:ext cx="0" cy="0"/>
-          <a:chOff x="0" y="0"/>
-          <a:chExt cx="0" cy="0"/>
-        </a:xfrm>
-      </p:grpSpPr>
-      <p:sp>
-        <p:nvSpPr>
-          <p:cNvPr id="2" name="Título 1"/>
-          <p:cNvSpPr>
-            <a:spLocks noGrp="1"/>
-          </p:cNvSpPr>
-          <p:nvPr>
-            <p:ph type="title"/>
-          </p:nvPr>
-        </p:nvSpPr>
-        <p:spPr/>
-        <p:txBody>
-          <a:bodyPr/>
-          <a:lstStyle/>
-          <a:p>
-            <a:r>
-              <a:rPr lang="pt-BR" dirty="0" err="1" smtClean="0"/>
-              <a:t>CouchDB</a:t>
-            </a:r>
-            <a:endParaRPr lang="pt-BR" dirty="0"/>
-          </a:p>
-        </p:txBody>
-      </p:sp>
-      <p:sp>
-        <p:nvSpPr>
-          <p:cNvPr id="3" name="Espaço Reservado para Conteúdo 2"/>
-          <p:cNvSpPr>
-            <a:spLocks noGrp="1"/>
-          </p:cNvSpPr>
-          <p:nvPr>
-            <p:ph idx="1"/>
-          </p:nvPr>
-        </p:nvSpPr>
-        <p:spPr/>
-        <p:txBody>
-          <a:bodyPr/>
-          <a:lstStyle/>
-          <a:p>
-            <a:r>
-              <a:rPr lang="pt-BR" dirty="0" err="1"/>
-              <a:t>Document</a:t>
-            </a:r>
-            <a:r>
-              <a:rPr lang="pt-BR" dirty="0"/>
-              <a:t> </a:t>
-            </a:r>
-            <a:r>
-              <a:rPr lang="pt-BR" dirty="0" err="1"/>
-              <a:t>Based</a:t>
-            </a:r>
-            <a:r>
-              <a:rPr lang="pt-BR" dirty="0"/>
-              <a:t>:</a:t>
-            </a:r>
-          </a:p>
-          <a:p>
-            <a:pPr lvl="1"/>
-            <a:r>
-              <a:rPr lang="pt-BR" dirty="0"/>
-              <a:t>JSON;</a:t>
-            </a:r>
-          </a:p>
-          <a:p>
-            <a:endParaRPr lang="pt-BR" dirty="0"/>
-          </a:p>
-          <a:p>
-            <a:r>
-              <a:rPr lang="pt-BR" dirty="0"/>
-              <a:t>REST;</a:t>
-            </a:r>
-          </a:p>
-          <a:p>
-            <a:endParaRPr lang="pt-BR" dirty="0" smtClean="0"/>
-          </a:p>
-          <a:p>
-            <a:r>
-              <a:rPr lang="pt-BR" dirty="0"/>
-              <a:t>http://couchdb.apache.org/</a:t>
-            </a:r>
-          </a:p>
-        </p:txBody>
-      </p:sp>
-    </p:spTree>
-    <p:extLst>
-      <p:ext uri="{BB962C8B-B14F-4D97-AF65-F5344CB8AC3E}">
-        <p14:creationId xmlns:p14="http://schemas.microsoft.com/office/powerpoint/2010/main" val="977149170"/>
-      </p:ext>
-    </p:extLst>
-  </p:cSld>
-  <p:clrMapOvr>
-    <a:masterClrMapping/>
-  </p:clrMapOvr>
-</p:sld>
-</file>
-
-<file path=ppt/slides/slide2.xml><?xml version="1.0" encoding="utf-8"?>
-<p:sld xmlns:a="http://schemas.openxmlformats.org/drawingml/2006/main" xmlns:r="http://schemas.openxmlformats.org/officeDocument/2006/relationships" xmlns:p="http://schemas.openxmlformats.org/presentationml/2006/main">
-  <p:cSld>
-    <p:spTree>
-      <p:nvGrpSpPr>
-        <p:cNvPr id="1" name=""/>
-        <p:cNvGrpSpPr/>
-        <p:nvPr/>
-      </p:nvGrpSpPr>
-      <p:grpSpPr>
-        <a:xfrm>
-          <a:off x="0" y="0"/>
-          <a:ext cx="0" cy="0"/>
-          <a:chOff x="0" y="0"/>
-          <a:chExt cx="0" cy="0"/>
-        </a:xfrm>
-      </p:grpSpPr>
-      <p:sp>
-        <p:nvSpPr>
-          <p:cNvPr id="2" name="Título 1"/>
-          <p:cNvSpPr>
-            <a:spLocks noGrp="1"/>
-          </p:cNvSpPr>
-          <p:nvPr>
-            <p:ph type="title"/>
-          </p:nvPr>
-        </p:nvSpPr>
-        <p:spPr/>
-        <p:txBody>
-          <a:bodyPr/>
-          <a:lstStyle/>
-          <a:p>
-            <a:r>
-              <a:rPr lang="pt-BR" dirty="0"/>
-              <a:t>Armazenar e Consumir Dados</a:t>
-            </a:r>
-          </a:p>
-        </p:txBody>
-      </p:sp>
-      <p:pic>
-        <p:nvPicPr>
-          <p:cNvPr id="1026" name="Picture 2" descr="Resultado de imagem para Oracle Rest"/>
-          <p:cNvPicPr>
-            <a:picLocks noChangeAspect="1" noChangeArrowheads="1"/>
-          </p:cNvPicPr>
-          <p:nvPr/>
-        </p:nvPicPr>
-        <p:blipFill>
-          <a:blip r:embed="rId2">
-            <a:extLst>
-              <a:ext uri="{28A0092B-C50C-407E-A947-70E740481C1C}">
-                <a14:useLocalDpi xmlns:a14="http://schemas.microsoft.com/office/drawing/2010/main" val="0"/>
-              </a:ext>
-            </a:extLst>
-          </a:blip>
-          <a:srcRect/>
-          <a:stretch>
-            <a:fillRect/>
-          </a:stretch>
-        </p:blipFill>
-        <p:spPr bwMode="auto">
-          <a:xfrm>
-            <a:off x="971600" y="2348880"/>
-            <a:ext cx="7143750" cy="3600451"/>
-          </a:xfrm>
-          <a:prstGeom prst="rect">
-            <a:avLst/>
-          </a:prstGeom>
-          <a:noFill/>
-          <a:extLst>
-            <a:ext uri="{909E8E84-426E-40DD-AFC4-6F175D3DCCD1}">
-              <a14:hiddenFill xmlns:a14="http://schemas.microsoft.com/office/drawing/2010/main">
-                <a:solidFill>
-                  <a:srgbClr val="FFFFFF"/>
-                </a:solidFill>
-              </a14:hiddenFill>
-            </a:ext>
-          </a:extLst>
-        </p:spPr>
-      </p:pic>
-    </p:spTree>
-    <p:extLst>
-      <p:ext uri="{BB962C8B-B14F-4D97-AF65-F5344CB8AC3E}">
-        <p14:creationId xmlns:p14="http://schemas.microsoft.com/office/powerpoint/2010/main" val="658012376"/>
-      </p:ext>
-    </p:extLst>
-  </p:cSld>
-  <p:clrMapOvr>
-    <a:masterClrMapping/>
-  </p:clrMapOvr>
-  <p:timing>
-    <p:tnLst>
-      <p:par>
-        <p:cTn id="1" dur="indefinite" restart="never" nodeType="tmRoot"/>
-      </p:par>
-    </p:tnLst>
-  </p:timing>
-</p:sld>
-</file>
-
-<file path=ppt/slides/slide3.xml><?xml version="1.0" encoding="utf-8"?>
-<p:sld xmlns:a="http://schemas.openxmlformats.org/drawingml/2006/main" xmlns:r="http://schemas.openxmlformats.org/officeDocument/2006/relationships" xmlns:p="http://schemas.openxmlformats.org/presentationml/2006/main">
-  <p:cSld>
-    <p:spTree>
-      <p:nvGrpSpPr>
-        <p:cNvPr id="1" name=""/>
-        <p:cNvGrpSpPr/>
-        <p:nvPr/>
-      </p:nvGrpSpPr>
-      <p:grpSpPr>
-        <a:xfrm>
-          <a:off x="0" y="0"/>
-          <a:ext cx="0" cy="0"/>
-          <a:chOff x="0" y="0"/>
-          <a:chExt cx="0" cy="0"/>
-        </a:xfrm>
-      </p:grpSpPr>
-      <p:sp>
-        <p:nvSpPr>
-          <p:cNvPr id="2" name="Título 1"/>
-          <p:cNvSpPr>
-            <a:spLocks noGrp="1"/>
-          </p:cNvSpPr>
-          <p:nvPr>
-            <p:ph type="title"/>
-          </p:nvPr>
-        </p:nvSpPr>
-        <p:spPr/>
-        <p:txBody>
-          <a:bodyPr/>
-          <a:lstStyle/>
-          <a:p>
-            <a:r>
-              <a:rPr lang="pt-BR" dirty="0"/>
-              <a:t>Armazenar e Consumir Dados</a:t>
-            </a:r>
-          </a:p>
-        </p:txBody>
-      </p:sp>
-      <p:pic>
-        <p:nvPicPr>
-          <p:cNvPr id="4" name="Picture 2" descr="Resultado de imagem"/>
-          <p:cNvPicPr>
-            <a:picLocks noChangeAspect="1" noChangeArrowheads="1"/>
-          </p:cNvPicPr>
-          <p:nvPr/>
-        </p:nvPicPr>
-        <p:blipFill>
-          <a:blip r:embed="rId2">
-            <a:extLst>
-              <a:ext uri="{28A0092B-C50C-407E-A947-70E740481C1C}">
-                <a14:useLocalDpi xmlns:a14="http://schemas.microsoft.com/office/drawing/2010/main" val="0"/>
-              </a:ext>
-            </a:extLst>
-          </a:blip>
-          <a:srcRect/>
-          <a:stretch>
-            <a:fillRect/>
-          </a:stretch>
-        </p:blipFill>
-        <p:spPr bwMode="auto">
-          <a:xfrm>
-            <a:off x="1800137" y="1724025"/>
-            <a:ext cx="5572125" cy="5133975"/>
-          </a:xfrm>
-          <a:prstGeom prst="rect">
-            <a:avLst/>
-          </a:prstGeom>
-          <a:noFill/>
-          <a:extLst>
-            <a:ext uri="{909E8E84-426E-40DD-AFC4-6F175D3DCCD1}">
-              <a14:hiddenFill xmlns:a14="http://schemas.microsoft.com/office/drawing/2010/main">
-                <a:solidFill>
-                  <a:srgbClr val="FFFFFF"/>
-                </a:solidFill>
-              </a14:hiddenFill>
-            </a:ext>
-          </a:extLst>
-        </p:spPr>
-      </p:pic>
-    </p:spTree>
-    <p:extLst>
-      <p:ext uri="{BB962C8B-B14F-4D97-AF65-F5344CB8AC3E}">
-        <p14:creationId xmlns:p14="http://schemas.microsoft.com/office/powerpoint/2010/main" val="2928780596"/>
-      </p:ext>
-    </p:extLst>
-  </p:cSld>
-  <p:clrMapOvr>
-    <a:masterClrMapping/>
-  </p:clrMapOvr>
-  <p:timing>
-    <p:tnLst>
-      <p:par>
-        <p:cTn id="1" dur="indefinite" restart="never" nodeType="tmRoot"/>
-      </p:par>
-    </p:tnLst>
-  </p:timing>
-</p:sld>
-</file>
-
-<file path=ppt/slides/slide4.xml><?xml version="1.0" encoding="utf-8"?>
-<p:sld xmlns:a="http://schemas.openxmlformats.org/drawingml/2006/main" xmlns:r="http://schemas.openxmlformats.org/officeDocument/2006/relationships" xmlns:p="http://schemas.openxmlformats.org/presentationml/2006/main">
-  <p:cSld>
-    <p:spTree>
-      <p:nvGrpSpPr>
-        <p:cNvPr id="1" name=""/>
-        <p:cNvGrpSpPr/>
-        <p:nvPr/>
-      </p:nvGrpSpPr>
-      <p:grpSpPr>
-        <a:xfrm>
-          <a:off x="0" y="0"/>
-          <a:ext cx="0" cy="0"/>
-          <a:chOff x="0" y="0"/>
-          <a:chExt cx="0" cy="0"/>
-        </a:xfrm>
-      </p:grpSpPr>
-      <p:sp>
-        <p:nvSpPr>
-          <p:cNvPr id="6" name="Título 5"/>
-          <p:cNvSpPr>
-            <a:spLocks noGrp="1"/>
-          </p:cNvSpPr>
-          <p:nvPr>
-            <p:ph type="title"/>
-          </p:nvPr>
-        </p:nvSpPr>
-        <p:spPr/>
-        <p:txBody>
-          <a:bodyPr/>
-          <a:lstStyle/>
-          <a:p>
-            <a:r>
-              <a:rPr lang="pt-BR" dirty="0" err="1" smtClean="0"/>
-              <a:t>NoSQL</a:t>
-            </a:r>
-            <a:r>
-              <a:rPr lang="pt-BR" dirty="0" smtClean="0"/>
-              <a:t> – </a:t>
-            </a:r>
-            <a:r>
-              <a:rPr lang="pt-BR" dirty="0" err="1" smtClean="0"/>
-              <a:t>Not</a:t>
-            </a:r>
-            <a:r>
-              <a:rPr lang="pt-BR" dirty="0" smtClean="0"/>
-              <a:t> </a:t>
-            </a:r>
-            <a:r>
-              <a:rPr lang="pt-BR" dirty="0" err="1" smtClean="0"/>
-              <a:t>Only</a:t>
-            </a:r>
-            <a:r>
-              <a:rPr lang="pt-BR" dirty="0" smtClean="0"/>
-              <a:t> SQL</a:t>
-            </a:r>
-            <a:endParaRPr lang="pt-BR" dirty="0"/>
-          </a:p>
-        </p:txBody>
-      </p:sp>
-      <p:pic>
-        <p:nvPicPr>
-          <p:cNvPr id="3074" name="Picture 2" descr="Resultado de imagem para NoSQL"/>
-          <p:cNvPicPr>
-            <a:picLocks noChangeAspect="1" noChangeArrowheads="1"/>
-          </p:cNvPicPr>
-          <p:nvPr/>
-        </p:nvPicPr>
-        <p:blipFill>
-          <a:blip r:embed="rId2">
-            <a:extLst>
-              <a:ext uri="{28A0092B-C50C-407E-A947-70E740481C1C}">
-                <a14:useLocalDpi xmlns:a14="http://schemas.microsoft.com/office/drawing/2010/main" val="0"/>
-              </a:ext>
-            </a:extLst>
-          </a:blip>
-          <a:srcRect/>
-          <a:stretch>
-            <a:fillRect/>
-          </a:stretch>
-        </p:blipFill>
-        <p:spPr bwMode="auto">
-          <a:xfrm>
-            <a:off x="611560" y="2238350"/>
-            <a:ext cx="7620000" cy="2990850"/>
-          </a:xfrm>
-          <a:prstGeom prst="rect">
-            <a:avLst/>
-          </a:prstGeom>
-          <a:noFill/>
-          <a:extLst>
-            <a:ext uri="{909E8E84-426E-40DD-AFC4-6F175D3DCCD1}">
-              <a14:hiddenFill xmlns:a14="http://schemas.microsoft.com/office/drawing/2010/main">
-                <a:solidFill>
-                  <a:srgbClr val="FFFFFF"/>
-                </a:solidFill>
-              </a14:hiddenFill>
-            </a:ext>
-          </a:extLst>
-        </p:spPr>
-      </p:pic>
-    </p:spTree>
-    <p:extLst>
-      <p:ext uri="{BB962C8B-B14F-4D97-AF65-F5344CB8AC3E}">
-        <p14:creationId xmlns:p14="http://schemas.microsoft.com/office/powerpoint/2010/main" val="532276137"/>
-      </p:ext>
-    </p:extLst>
-  </p:cSld>
-  <p:clrMapOvr>
-    <a:masterClrMapping/>
-  </p:clrMapOvr>
-  <p:timing>
-    <p:tnLst>
-      <p:par>
-        <p:cTn id="1" dur="indefinite" restart="never" nodeType="tmRoot"/>
-      </p:par>
-    </p:tnLst>
-  </p:timing>
-</p:sld>
-</file>
-
-<file path=ppt/slides/slide5.xml><?xml version="1.0" encoding="utf-8"?>
-<p:sld xmlns:a="http://schemas.openxmlformats.org/drawingml/2006/main" xmlns:r="http://schemas.openxmlformats.org/officeDocument/2006/relationships" xmlns:p="http://schemas.openxmlformats.org/presentationml/2006/main">
-  <p:cSld>
-    <p:spTree>
-      <p:nvGrpSpPr>
-        <p:cNvPr id="1" name=""/>
-        <p:cNvGrpSpPr/>
-        <p:nvPr/>
-      </p:nvGrpSpPr>
-      <p:grpSpPr>
-        <a:xfrm>
-          <a:off x="0" y="0"/>
-          <a:ext cx="0" cy="0"/>
-          <a:chOff x="0" y="0"/>
-          <a:chExt cx="0" cy="0"/>
-        </a:xfrm>
-      </p:grpSpPr>
-      <p:sp>
-        <p:nvSpPr>
-          <p:cNvPr id="2" name="Título 1"/>
-          <p:cNvSpPr>
-            <a:spLocks noGrp="1"/>
-          </p:cNvSpPr>
-          <p:nvPr>
-            <p:ph type="title"/>
-          </p:nvPr>
-        </p:nvSpPr>
-        <p:spPr/>
-        <p:txBody>
-          <a:bodyPr/>
-          <a:lstStyle/>
-          <a:p>
-            <a:r>
-              <a:rPr lang="pt-BR" dirty="0" err="1" smtClean="0"/>
-              <a:t>NoSQL</a:t>
-            </a:r>
-            <a:r>
-              <a:rPr lang="pt-BR" dirty="0" smtClean="0"/>
-              <a:t> - Vantagens</a:t>
-            </a:r>
-            <a:endParaRPr lang="pt-BR" dirty="0"/>
-          </a:p>
-        </p:txBody>
-      </p:sp>
-      <p:sp>
-        <p:nvSpPr>
-          <p:cNvPr id="3" name="Espaço Reservado para Conteúdo 2"/>
-          <p:cNvSpPr>
-            <a:spLocks noGrp="1"/>
-          </p:cNvSpPr>
-          <p:nvPr>
-            <p:ph idx="1"/>
-          </p:nvPr>
-        </p:nvSpPr>
-        <p:spPr/>
-        <p:txBody>
-          <a:bodyPr/>
-          <a:lstStyle/>
-          <a:p>
-            <a:r>
-              <a:rPr lang="pt-BR" dirty="0" smtClean="0"/>
-              <a:t>Flexibilidade:</a:t>
-            </a:r>
-          </a:p>
-          <a:p>
-            <a:pPr lvl="1"/>
-            <a:r>
-              <a:rPr lang="pt-BR" dirty="0" smtClean="0"/>
-              <a:t>Dados </a:t>
-            </a:r>
-            <a:r>
-              <a:rPr lang="pt-BR" dirty="0" err="1"/>
-              <a:t>semi-estruturados</a:t>
-            </a:r>
-            <a:r>
-              <a:rPr lang="pt-BR" dirty="0"/>
-              <a:t>;</a:t>
-            </a:r>
-          </a:p>
-          <a:p>
-            <a:pPr lvl="1"/>
-            <a:r>
-              <a:rPr lang="pt-BR" dirty="0"/>
-              <a:t>Esquema dinâmico</a:t>
-            </a:r>
-            <a:r>
-              <a:rPr lang="pt-BR" dirty="0" smtClean="0"/>
-              <a:t>;</a:t>
-            </a:r>
-          </a:p>
-          <a:p>
-            <a:pPr lvl="1"/>
-            <a:r>
-              <a:rPr lang="pt-BR" dirty="0" smtClean="0"/>
-              <a:t>Fácil adicionar novos campos;</a:t>
-            </a:r>
-          </a:p>
-          <a:p>
-            <a:pPr lvl="1"/>
-            <a:endParaRPr lang="pt-BR" dirty="0" smtClean="0"/>
-          </a:p>
-          <a:p>
-            <a:r>
-              <a:rPr lang="pt-BR" dirty="0" smtClean="0"/>
-              <a:t>Distribuição:</a:t>
-            </a:r>
-          </a:p>
-          <a:p>
-            <a:pPr lvl="1"/>
-            <a:r>
-              <a:rPr lang="pt-BR" dirty="0" smtClean="0"/>
-              <a:t>Escalável;</a:t>
-            </a:r>
-          </a:p>
-          <a:p>
-            <a:pPr lvl="1"/>
-            <a:endParaRPr lang="pt-BR" dirty="0"/>
-          </a:p>
-          <a:p>
-            <a:r>
-              <a:rPr lang="pt-BR" dirty="0" smtClean="0"/>
-              <a:t>Novos modelos;</a:t>
-            </a:r>
-          </a:p>
-          <a:p>
-            <a:pPr lvl="1"/>
-            <a:endParaRPr lang="pt-BR" dirty="0"/>
-          </a:p>
-        </p:txBody>
-      </p:sp>
-    </p:spTree>
-    <p:extLst>
-      <p:ext uri="{BB962C8B-B14F-4D97-AF65-F5344CB8AC3E}">
-        <p14:creationId xmlns:p14="http://schemas.microsoft.com/office/powerpoint/2010/main" val="1913361062"/>
-      </p:ext>
-    </p:extLst>
-  </p:cSld>
-  <p:clrMapOvr>
-    <a:masterClrMapping/>
-  </p:clrMapOvr>
-</p:sld>
-</file>
-
-<file path=ppt/slides/slide6.xml><?xml version="1.0" encoding="utf-8"?>
-<p:sld xmlns:a="http://schemas.openxmlformats.org/drawingml/2006/main" xmlns:r="http://schemas.openxmlformats.org/officeDocument/2006/relationships" xmlns:p="http://schemas.openxmlformats.org/presentationml/2006/main">
-  <p:cSld>
-    <p:spTree>
-      <p:nvGrpSpPr>
-        <p:cNvPr id="1" name=""/>
-        <p:cNvGrpSpPr/>
-        <p:nvPr/>
-      </p:nvGrpSpPr>
-      <p:grpSpPr>
-        <a:xfrm>
-          <a:off x="0" y="0"/>
-          <a:ext cx="0" cy="0"/>
-          <a:chOff x="0" y="0"/>
-          <a:chExt cx="0" cy="0"/>
-        </a:xfrm>
-      </p:grpSpPr>
-      <p:sp>
-        <p:nvSpPr>
-          <p:cNvPr id="2" name="Título 1"/>
-          <p:cNvSpPr>
-            <a:spLocks noGrp="1"/>
-          </p:cNvSpPr>
-          <p:nvPr>
-            <p:ph type="title"/>
-          </p:nvPr>
-        </p:nvSpPr>
-        <p:spPr/>
-        <p:txBody>
-          <a:bodyPr/>
-          <a:lstStyle/>
-          <a:p>
-            <a:r>
-              <a:rPr lang="pt-BR" dirty="0" err="1" smtClean="0"/>
-              <a:t>NoSQL</a:t>
-            </a:r>
-            <a:r>
-              <a:rPr lang="pt-BR" dirty="0" smtClean="0"/>
-              <a:t> - Desvantagens</a:t>
-            </a:r>
-            <a:endParaRPr lang="pt-BR" dirty="0"/>
-          </a:p>
-        </p:txBody>
-      </p:sp>
-      <p:sp>
-        <p:nvSpPr>
-          <p:cNvPr id="3" name="Espaço Reservado para Conteúdo 2"/>
-          <p:cNvSpPr>
-            <a:spLocks noGrp="1"/>
-          </p:cNvSpPr>
-          <p:nvPr>
-            <p:ph idx="1"/>
-          </p:nvPr>
-        </p:nvSpPr>
-        <p:spPr/>
-        <p:txBody>
-          <a:bodyPr>
-            <a:normAutofit/>
-          </a:bodyPr>
-          <a:lstStyle/>
-          <a:p>
-            <a:r>
-              <a:rPr lang="pt-BR" dirty="0" smtClean="0"/>
-              <a:t>Esquemas fracos:</a:t>
-            </a:r>
-          </a:p>
-          <a:p>
-            <a:pPr lvl="1"/>
-            <a:r>
-              <a:rPr lang="pt-BR" dirty="0" smtClean="0"/>
-              <a:t>Código mais complexo;</a:t>
-            </a:r>
-          </a:p>
-          <a:p>
-            <a:pPr lvl="1"/>
-            <a:r>
-              <a:rPr lang="pt-BR" dirty="0" smtClean="0"/>
-              <a:t>Inconsistências;</a:t>
-            </a:r>
-            <a:endParaRPr lang="pt-BR" dirty="0"/>
-          </a:p>
-          <a:p>
-            <a:pPr lvl="1"/>
-            <a:r>
-              <a:rPr lang="pt-BR" dirty="0" smtClean="0"/>
-              <a:t>Degradação de performance;</a:t>
-            </a:r>
-          </a:p>
-          <a:p>
-            <a:pPr lvl="1"/>
-            <a:r>
-              <a:rPr lang="pt-BR" dirty="0" smtClean="0"/>
-              <a:t>Redundância;</a:t>
-            </a:r>
-          </a:p>
-          <a:p>
-            <a:endParaRPr lang="pt-BR" dirty="0"/>
-          </a:p>
-          <a:p>
-            <a:r>
-              <a:rPr lang="pt-BR" dirty="0" err="1" smtClean="0"/>
-              <a:t>APIs</a:t>
-            </a:r>
-            <a:r>
-              <a:rPr lang="pt-BR" dirty="0" smtClean="0"/>
-              <a:t> não seguem um padrão;</a:t>
-            </a:r>
-          </a:p>
-          <a:p>
-            <a:endParaRPr lang="pt-BR" dirty="0"/>
-          </a:p>
-          <a:p>
-            <a:r>
-              <a:rPr lang="pt-BR" dirty="0" smtClean="0"/>
-              <a:t>Maturidade; </a:t>
-            </a:r>
-          </a:p>
-          <a:p>
-            <a:endParaRPr lang="pt-BR" dirty="0"/>
-          </a:p>
-        </p:txBody>
-      </p:sp>
-    </p:spTree>
-    <p:extLst>
-      <p:ext uri="{BB962C8B-B14F-4D97-AF65-F5344CB8AC3E}">
-        <p14:creationId xmlns:p14="http://schemas.microsoft.com/office/powerpoint/2010/main" val="2742852890"/>
-      </p:ext>
-    </p:extLst>
-  </p:cSld>
-  <p:clrMapOvr>
-    <a:masterClrMapping/>
-  </p:clrMapOvr>
-</p:sld>
-</file>
-
-<file path=ppt/slides/slide7.xml><?xml version="1.0" encoding="utf-8"?>
-<p:sld xmlns:a="http://schemas.openxmlformats.org/drawingml/2006/main" xmlns:r="http://schemas.openxmlformats.org/officeDocument/2006/relationships" xmlns:p="http://schemas.openxmlformats.org/presentationml/2006/main">
-  <p:cSld>
-    <p:spTree>
-      <p:nvGrpSpPr>
-        <p:cNvPr id="1" name=""/>
-        <p:cNvGrpSpPr/>
-        <p:nvPr/>
-      </p:nvGrpSpPr>
-      <p:grpSpPr>
-        <a:xfrm>
-          <a:off x="0" y="0"/>
-          <a:ext cx="0" cy="0"/>
-          <a:chOff x="0" y="0"/>
-          <a:chExt cx="0" cy="0"/>
-        </a:xfrm>
-      </p:grpSpPr>
-      <p:sp>
-        <p:nvSpPr>
-          <p:cNvPr id="2" name="Título 1"/>
-          <p:cNvSpPr>
-            <a:spLocks noGrp="1"/>
-          </p:cNvSpPr>
-          <p:nvPr>
-            <p:ph type="title"/>
-          </p:nvPr>
-        </p:nvSpPr>
-        <p:spPr/>
-        <p:txBody>
-          <a:bodyPr/>
-          <a:lstStyle/>
-          <a:p>
-            <a:r>
-              <a:rPr lang="pt-BR" dirty="0" smtClean="0"/>
+              <a:rPr lang="pt-BR" dirty="0"/>
               <a:t>Principais Tipos</a:t>
             </a:r>
-            <a:endParaRPr lang="pt-BR" dirty="0"/>
           </a:p>
         </p:txBody>
       </p:sp>
@@ -5319,7 +4135,7 @@
 </p:sld>
 </file>
 
-<file path=ppt/slides/slide8.xml><?xml version="1.0" encoding="utf-8"?>
+<file path=ppt/slides/slide11.xml><?xml version="1.0" encoding="utf-8"?>
 <p:sld xmlns:a="http://schemas.openxmlformats.org/drawingml/2006/main" xmlns:r="http://schemas.openxmlformats.org/officeDocument/2006/relationships" xmlns:p="http://schemas.openxmlformats.org/presentationml/2006/main">
   <p:cSld>
     <p:spTree>
@@ -5386,89 +4202,89 @@
           <a:lstStyle/>
           <a:p>
             <a:r>
-              <a:rPr lang="pt-BR" dirty="0" smtClean="0"/>
+              <a:rPr lang="pt-BR" dirty="0"/>
               <a:t>Chaves são identificadores utilizados para acessar os dados;</a:t>
             </a:r>
           </a:p>
           <a:p>
-            <a:endParaRPr lang="pt-BR" dirty="0" smtClean="0"/>
-          </a:p>
-          <a:p>
-            <a:r>
-              <a:rPr lang="pt-BR" dirty="0" smtClean="0"/>
+            <a:endParaRPr lang="pt-BR" dirty="0"/>
+          </a:p>
+          <a:p>
+            <a:r>
+              <a:rPr lang="pt-BR" dirty="0"/>
               <a:t>Valores podem conter qualquer tipo de dado</a:t>
             </a:r>
           </a:p>
           <a:p>
             <a:pPr lvl="1"/>
             <a:r>
-              <a:rPr lang="pt-BR" dirty="0" smtClean="0"/>
+              <a:rPr lang="pt-BR" dirty="0"/>
               <a:t>Imagem;</a:t>
             </a:r>
           </a:p>
           <a:p>
             <a:pPr lvl="1"/>
             <a:r>
-              <a:rPr lang="pt-BR" dirty="0" smtClean="0"/>
+              <a:rPr lang="pt-BR" dirty="0"/>
               <a:t>Vídeo;</a:t>
             </a:r>
           </a:p>
           <a:p>
             <a:pPr lvl="1"/>
             <a:r>
-              <a:rPr lang="pt-BR" dirty="0" err="1" smtClean="0"/>
+              <a:rPr lang="pt-BR" dirty="0" err="1"/>
               <a:t>Arrays</a:t>
             </a:r>
             <a:r>
-              <a:rPr lang="pt-BR" dirty="0" smtClean="0"/>
+              <a:rPr lang="pt-BR" dirty="0"/>
               <a:t>;</a:t>
             </a:r>
           </a:p>
           <a:p>
             <a:pPr lvl="1"/>
             <a:r>
-              <a:rPr lang="pt-BR" dirty="0" smtClean="0"/>
+              <a:rPr lang="pt-BR" dirty="0"/>
               <a:t>...</a:t>
             </a:r>
           </a:p>
           <a:p>
             <a:pPr lvl="1"/>
-            <a:endParaRPr lang="pt-BR" dirty="0" smtClean="0"/>
-          </a:p>
-          <a:p>
-            <a:r>
-              <a:rPr lang="pt-BR" dirty="0" err="1" smtClean="0"/>
+            <a:endParaRPr lang="pt-BR" dirty="0"/>
+          </a:p>
+          <a:p>
+            <a:r>
+              <a:rPr lang="pt-BR" dirty="0" err="1"/>
               <a:t>Berkley</a:t>
             </a:r>
             <a:r>
-              <a:rPr lang="pt-BR" dirty="0" smtClean="0"/>
+              <a:rPr lang="pt-BR" dirty="0"/>
               <a:t> DB, </a:t>
             </a:r>
             <a:r>
-              <a:rPr lang="pt-BR" dirty="0" err="1" smtClean="0"/>
+              <a:rPr lang="pt-BR" dirty="0" err="1"/>
               <a:t>Memcache</a:t>
             </a:r>
             <a:r>
-              <a:rPr lang="pt-BR" dirty="0" smtClean="0"/>
+              <a:rPr lang="pt-BR" dirty="0"/>
               <a:t>, </a:t>
             </a:r>
             <a:r>
-              <a:rPr lang="pt-BR" dirty="0" err="1" smtClean="0"/>
+              <a:rPr lang="pt-BR" dirty="0" err="1"/>
               <a:t>DynamoDB</a:t>
             </a:r>
             <a:r>
-              <a:rPr lang="pt-BR" dirty="0" smtClean="0"/>
+              <a:rPr lang="pt-BR" dirty="0"/>
               <a:t>, S3,Redis, </a:t>
             </a:r>
             <a:r>
-              <a:rPr lang="pt-BR" dirty="0" err="1" smtClean="0"/>
+              <a:rPr lang="pt-BR" dirty="0" err="1"/>
               <a:t>Riak</a:t>
             </a:r>
-            <a:endParaRPr lang="pt-BR" dirty="0" smtClean="0"/>
+            <a:endParaRPr lang="pt-BR" dirty="0"/>
           </a:p>
           <a:p>
             <a:pPr lvl="1"/>
-            <a:endParaRPr lang="pt-BR" dirty="0" smtClean="0"/>
+            <a:endParaRPr lang="pt-BR" dirty="0"/>
           </a:p>
         </p:txBody>
       </p:sp>
@@ -5539,7 +4355,7 @@
 </p:sld>
 </file>
 
-<file path=ppt/slides/slide9.xml><?xml version="1.0" encoding="utf-8"?>
+<file path=ppt/slides/slide12.xml><?xml version="1.0" encoding="utf-8"?>
 <p:sld xmlns:a="http://schemas.openxmlformats.org/drawingml/2006/main" xmlns:r="http://schemas.openxmlformats.org/officeDocument/2006/relationships" xmlns:p="http://schemas.openxmlformats.org/presentationml/2006/main">
   <p:cSld>
     <p:spTree>
@@ -5572,15 +4388,15 @@
           <a:lstStyle/>
           <a:p>
             <a:r>
-              <a:rPr lang="pt-BR" dirty="0" err="1" smtClean="0"/>
+              <a:rPr lang="pt-BR" dirty="0" err="1"/>
               <a:t>Document</a:t>
             </a:r>
             <a:r>
-              <a:rPr lang="pt-BR" dirty="0" smtClean="0"/>
+              <a:rPr lang="pt-BR" dirty="0"/>
               <a:t> </a:t>
             </a:r>
             <a:r>
-              <a:rPr lang="pt-BR" dirty="0" err="1" smtClean="0"/>
+              <a:rPr lang="pt-BR" dirty="0" err="1"/>
               <a:t>Based</a:t>
             </a:r>
             <a:endParaRPr lang="pt-BR" dirty="0"/>
@@ -5603,56 +4419,62 @@
           <a:lstStyle/>
           <a:p>
             <a:r>
-              <a:rPr lang="pt-BR" dirty="0" smtClean="0"/>
-              <a:t>Permite adicionar documentos como XML, JSON,...</a:t>
-            </a:r>
-          </a:p>
-          <a:p>
-            <a:r>
-              <a:rPr lang="pt-BR" dirty="0" smtClean="0"/>
+              <a:rPr lang="pt-BR" dirty="0"/>
+              <a:t>Permite adicionar dados semiestruturados:</a:t>
+            </a:r>
+          </a:p>
+          <a:p>
+            <a:pPr lvl="1"/>
+            <a:r>
+              <a:rPr lang="pt-BR" dirty="0"/>
+              <a:t>Documentos como XML, JSON,...</a:t>
+            </a:r>
+          </a:p>
+          <a:p>
+            <a:r>
+              <a:rPr lang="pt-BR" dirty="0"/>
               <a:t>Contém sua própria descrição e hierarquia;</a:t>
             </a:r>
           </a:p>
           <a:p>
             <a:r>
-              <a:rPr lang="pt-BR" dirty="0" smtClean="0"/>
-              <a:t>Os elemento do documento pode ser utilizado em consultas;</a:t>
-            </a:r>
-          </a:p>
-          <a:p>
-            <a:r>
-              <a:rPr lang="pt-BR" dirty="0" err="1" smtClean="0"/>
+              <a:rPr lang="pt-BR" dirty="0"/>
+              <a:t>Os elemento do documento podem ser utilizados em consultas;</a:t>
+            </a:r>
+          </a:p>
+          <a:p>
+            <a:r>
+              <a:rPr lang="pt-BR" dirty="0" err="1"/>
               <a:t>MongoDB</a:t>
             </a:r>
             <a:r>
-              <a:rPr lang="pt-BR" dirty="0" smtClean="0"/>
+              <a:rPr lang="pt-BR" dirty="0"/>
               <a:t>, </a:t>
             </a:r>
             <a:r>
-              <a:rPr lang="pt-BR" dirty="0" err="1" smtClean="0"/>
+              <a:rPr lang="pt-BR" dirty="0" err="1"/>
               <a:t>CouchDB</a:t>
             </a:r>
             <a:r>
-              <a:rPr lang="pt-BR" dirty="0" smtClean="0"/>
+              <a:rPr lang="pt-BR" dirty="0"/>
               <a:t>, </a:t>
             </a:r>
             <a:r>
-              <a:rPr lang="pt-BR" dirty="0" err="1" smtClean="0"/>
+              <a:rPr lang="pt-BR" dirty="0" err="1"/>
               <a:t>Firebase</a:t>
             </a:r>
             <a:r>
-              <a:rPr lang="pt-BR" dirty="0" smtClean="0"/>
+              <a:rPr lang="pt-BR" dirty="0"/>
               <a:t> </a:t>
             </a:r>
             <a:r>
-              <a:rPr lang="pt-BR" dirty="0" err="1" smtClean="0"/>
+              <a:rPr lang="pt-BR" dirty="0" err="1"/>
               <a:t>etc</a:t>
             </a:r>
             <a:r>
-              <a:rPr lang="pt-BR" dirty="0" smtClean="0"/>
+              <a:rPr lang="pt-BR" dirty="0"/>
               <a:t>;</a:t>
             </a:r>
-            <a:endParaRPr lang="pt-BR" dirty="0"/>
           </a:p>
         </p:txBody>
       </p:sp>
@@ -5679,8 +4501,8 @@
         </p:blipFill>
         <p:spPr bwMode="auto">
           <a:xfrm>
-            <a:off x="1313187" y="4437112"/>
-            <a:ext cx="6552728" cy="2198133"/>
+            <a:off x="1313187" y="4687251"/>
+            <a:ext cx="6471095" cy="2170749"/>
           </a:xfrm>
           <a:prstGeom prst="rect">
             <a:avLst/>
@@ -5720,13 +4542,3350 @@
   <p:clrMapOvr>
     <a:masterClrMapping/>
   </p:clrMapOvr>
-  <p:timing>
-    <p:tnLst>
-      <p:par>
-        <p:cTn id="1" dur="indefinite" restart="never" nodeType="tmRoot"/>
-      </p:par>
-    </p:tnLst>
-  </p:timing>
+</p:sld>
+</file>
+
+<file path=ppt/slides/slide13.xml><?xml version="1.0" encoding="utf-8"?>
+<p:sld xmlns:a="http://schemas.openxmlformats.org/drawingml/2006/main" xmlns:r="http://schemas.openxmlformats.org/officeDocument/2006/relationships" xmlns:p="http://schemas.openxmlformats.org/presentationml/2006/main">
+  <p:cSld>
+    <p:spTree>
+      <p:nvGrpSpPr>
+        <p:cNvPr id="1" name=""/>
+        <p:cNvGrpSpPr/>
+        <p:nvPr/>
+      </p:nvGrpSpPr>
+      <p:grpSpPr>
+        <a:xfrm>
+          <a:off x="0" y="0"/>
+          <a:ext cx="0" cy="0"/>
+          <a:chOff x="0" y="0"/>
+          <a:chExt cx="0" cy="0"/>
+        </a:xfrm>
+      </p:grpSpPr>
+      <p:sp>
+        <p:nvSpPr>
+          <p:cNvPr id="2" name="Título 1"/>
+          <p:cNvSpPr>
+            <a:spLocks noGrp="1"/>
+          </p:cNvSpPr>
+          <p:nvPr>
+            <p:ph type="title"/>
+          </p:nvPr>
+        </p:nvSpPr>
+        <p:spPr/>
+        <p:txBody>
+          <a:bodyPr/>
+          <a:lstStyle/>
+          <a:p>
+            <a:r>
+              <a:rPr lang="pt-BR" dirty="0" err="1"/>
+              <a:t>Column</a:t>
+            </a:r>
+            <a:endParaRPr lang="pt-BR" dirty="0"/>
+          </a:p>
+        </p:txBody>
+      </p:sp>
+      <p:sp>
+        <p:nvSpPr>
+          <p:cNvPr id="3" name="Espaço Reservado para Conteúdo 2"/>
+          <p:cNvSpPr>
+            <a:spLocks noGrp="1"/>
+          </p:cNvSpPr>
+          <p:nvPr>
+            <p:ph idx="1"/>
+          </p:nvPr>
+        </p:nvSpPr>
+        <p:spPr>
+          <a:xfrm>
+            <a:off x="457200" y="1935480"/>
+            <a:ext cx="8435280" cy="4389120"/>
+          </a:xfrm>
+        </p:spPr>
+        <p:txBody>
+          <a:bodyPr/>
+          <a:lstStyle/>
+          <a:p>
+            <a:r>
+              <a:rPr lang="pt-BR" dirty="0"/>
+              <a:t>Os dados são agrupados por meio de colunas ao invés de linhas (</a:t>
+            </a:r>
+            <a:r>
+              <a:rPr lang="pt-BR" dirty="0" err="1"/>
+              <a:t>row</a:t>
+            </a:r>
+            <a:r>
+              <a:rPr lang="pt-BR" dirty="0"/>
+              <a:t>);</a:t>
+            </a:r>
+          </a:p>
+          <a:p>
+            <a:r>
+              <a:rPr lang="pt-BR" dirty="0"/>
+              <a:t>Leituras rápidas;</a:t>
+            </a:r>
+          </a:p>
+          <a:p>
+            <a:r>
+              <a:rPr lang="pt-BR" dirty="0"/>
+              <a:t>Escrita custosa; </a:t>
+            </a:r>
+          </a:p>
+          <a:p>
+            <a:r>
+              <a:rPr lang="pt-BR" dirty="0"/>
+              <a:t>Exemplos:</a:t>
+            </a:r>
+          </a:p>
+          <a:p>
+            <a:pPr lvl="1"/>
+            <a:r>
+              <a:rPr lang="pt-BR" dirty="0" err="1"/>
+              <a:t>Casssandra</a:t>
+            </a:r>
+            <a:r>
+              <a:rPr lang="pt-BR" dirty="0"/>
+              <a:t>;</a:t>
+            </a:r>
+          </a:p>
+          <a:p>
+            <a:pPr lvl="1"/>
+            <a:r>
+              <a:rPr lang="pt-BR" dirty="0" err="1"/>
+              <a:t>Hbade</a:t>
+            </a:r>
+            <a:r>
+              <a:rPr lang="pt-BR" dirty="0"/>
+              <a:t>;</a:t>
+            </a:r>
+          </a:p>
+          <a:p>
+            <a:pPr lvl="1"/>
+            <a:r>
+              <a:rPr lang="pt-BR" dirty="0" err="1"/>
+              <a:t>BigTable</a:t>
+            </a:r>
+            <a:r>
+              <a:rPr lang="pt-BR" dirty="0"/>
+              <a:t>;</a:t>
+            </a:r>
+          </a:p>
+        </p:txBody>
+      </p:sp>
+      <p:pic>
+        <p:nvPicPr>
+          <p:cNvPr id="5124" name="Picture 4" descr="Resultado de imagem para Column Based Databases"/>
+          <p:cNvPicPr>
+            <a:picLocks noChangeAspect="1" noChangeArrowheads="1"/>
+          </p:cNvPicPr>
+          <p:nvPr/>
+        </p:nvPicPr>
+        <p:blipFill>
+          <a:blip r:embed="rId2">
+            <a:extLst>
+              <a:ext uri="{28A0092B-C50C-407E-A947-70E740481C1C}">
+                <a14:useLocalDpi xmlns:a14="http://schemas.microsoft.com/office/drawing/2010/main" val="0"/>
+              </a:ext>
+            </a:extLst>
+          </a:blip>
+          <a:srcRect/>
+          <a:stretch>
+            <a:fillRect/>
+          </a:stretch>
+        </p:blipFill>
+        <p:spPr bwMode="auto">
+          <a:xfrm>
+            <a:off x="3235699" y="2852936"/>
+            <a:ext cx="5908301" cy="3844678"/>
+          </a:xfrm>
+          <a:prstGeom prst="rect">
+            <a:avLst/>
+          </a:prstGeom>
+          <a:noFill/>
+          <a:extLst>
+            <a:ext uri="{909E8E84-426E-40DD-AFC4-6F175D3DCCD1}">
+              <a14:hiddenFill xmlns:a14="http://schemas.microsoft.com/office/drawing/2010/main">
+                <a:solidFill>
+                  <a:srgbClr val="FFFFFF"/>
+                </a:solidFill>
+              </a14:hiddenFill>
+            </a:ext>
+          </a:extLst>
+        </p:spPr>
+      </p:pic>
+    </p:spTree>
+    <p:extLst>
+      <p:ext uri="{BB962C8B-B14F-4D97-AF65-F5344CB8AC3E}">
+        <p14:creationId xmlns:p14="http://schemas.microsoft.com/office/powerpoint/2010/main" val="1190874770"/>
+      </p:ext>
+    </p:extLst>
+  </p:cSld>
+  <p:clrMapOvr>
+    <a:masterClrMapping/>
+  </p:clrMapOvr>
+</p:sld>
+</file>
+
+<file path=ppt/slides/slide14.xml><?xml version="1.0" encoding="utf-8"?>
+<p:sld xmlns:a="http://schemas.openxmlformats.org/drawingml/2006/main" xmlns:r="http://schemas.openxmlformats.org/officeDocument/2006/relationships" xmlns:p="http://schemas.openxmlformats.org/presentationml/2006/main">
+  <p:cSld>
+    <p:spTree>
+      <p:nvGrpSpPr>
+        <p:cNvPr id="1" name=""/>
+        <p:cNvGrpSpPr/>
+        <p:nvPr/>
+      </p:nvGrpSpPr>
+      <p:grpSpPr>
+        <a:xfrm>
+          <a:off x="0" y="0"/>
+          <a:ext cx="0" cy="0"/>
+          <a:chOff x="0" y="0"/>
+          <a:chExt cx="0" cy="0"/>
+        </a:xfrm>
+      </p:grpSpPr>
+      <p:sp>
+        <p:nvSpPr>
+          <p:cNvPr id="2" name="Título 1"/>
+          <p:cNvSpPr>
+            <a:spLocks noGrp="1"/>
+          </p:cNvSpPr>
+          <p:nvPr>
+            <p:ph type="title"/>
+          </p:nvPr>
+        </p:nvSpPr>
+        <p:spPr/>
+        <p:txBody>
+          <a:bodyPr/>
+          <a:lstStyle/>
+          <a:p>
+            <a:r>
+              <a:rPr lang="pt-BR" dirty="0" err="1"/>
+              <a:t>Graph</a:t>
+            </a:r>
+            <a:endParaRPr lang="pt-BR" dirty="0"/>
+          </a:p>
+        </p:txBody>
+      </p:sp>
+      <p:sp>
+        <p:nvSpPr>
+          <p:cNvPr id="3" name="Espaço Reservado para Conteúdo 2"/>
+          <p:cNvSpPr>
+            <a:spLocks noGrp="1"/>
+          </p:cNvSpPr>
+          <p:nvPr>
+            <p:ph idx="1"/>
+          </p:nvPr>
+        </p:nvSpPr>
+        <p:spPr/>
+        <p:txBody>
+          <a:bodyPr/>
+          <a:lstStyle/>
+          <a:p>
+            <a:r>
+              <a:rPr lang="pt-BR" dirty="0"/>
+              <a:t>Utilizam conceitos de grafos;</a:t>
+            </a:r>
+          </a:p>
+          <a:p>
+            <a:r>
+              <a:rPr lang="pt-BR" dirty="0"/>
+              <a:t>Utilizado para analisar interconexões;</a:t>
+            </a:r>
+          </a:p>
+          <a:p>
+            <a:r>
+              <a:rPr lang="pt-BR" dirty="0"/>
+              <a:t>Dado é armazenado por meio de nós e relações;</a:t>
+            </a:r>
+          </a:p>
+          <a:p>
+            <a:r>
+              <a:rPr lang="pt-BR" dirty="0"/>
+              <a:t>Exemplo Neo4j;</a:t>
+            </a:r>
+          </a:p>
+        </p:txBody>
+      </p:sp>
+      <p:pic>
+        <p:nvPicPr>
+          <p:cNvPr id="2050" name="Picture 2" descr="https://insights-images.thoughtworks.com/nosqlgraph1_9b2986b08841107929831e51d0effcc5.png"/>
+          <p:cNvPicPr>
+            <a:picLocks noChangeAspect="1" noChangeArrowheads="1"/>
+          </p:cNvPicPr>
+          <p:nvPr/>
+        </p:nvPicPr>
+        <p:blipFill>
+          <a:blip r:embed="rId2" cstate="print">
+            <a:extLst>
+              <a:ext uri="{28A0092B-C50C-407E-A947-70E740481C1C}">
+                <a14:useLocalDpi xmlns:a14="http://schemas.microsoft.com/office/drawing/2010/main" val="0"/>
+              </a:ext>
+            </a:extLst>
+          </a:blip>
+          <a:srcRect/>
+          <a:stretch>
+            <a:fillRect/>
+          </a:stretch>
+        </p:blipFill>
+        <p:spPr bwMode="auto">
+          <a:xfrm>
+            <a:off x="3513426" y="3284984"/>
+            <a:ext cx="5626797" cy="3573016"/>
+          </a:xfrm>
+          <a:prstGeom prst="rect">
+            <a:avLst/>
+          </a:prstGeom>
+          <a:noFill/>
+          <a:extLst>
+            <a:ext uri="{909E8E84-426E-40DD-AFC4-6F175D3DCCD1}">
+              <a14:hiddenFill xmlns:a14="http://schemas.microsoft.com/office/drawing/2010/main">
+                <a:solidFill>
+                  <a:srgbClr val="FFFFFF"/>
+                </a:solidFill>
+              </a14:hiddenFill>
+            </a:ext>
+          </a:extLst>
+        </p:spPr>
+      </p:pic>
+    </p:spTree>
+    <p:extLst>
+      <p:ext uri="{BB962C8B-B14F-4D97-AF65-F5344CB8AC3E}">
+        <p14:creationId xmlns:p14="http://schemas.microsoft.com/office/powerpoint/2010/main" val="1124761483"/>
+      </p:ext>
+    </p:extLst>
+  </p:cSld>
+  <p:clrMapOvr>
+    <a:masterClrMapping/>
+  </p:clrMapOvr>
+</p:sld>
+</file>
+
+<file path=ppt/slides/slide15.xml><?xml version="1.0" encoding="utf-8"?>
+<p:sld xmlns:a="http://schemas.openxmlformats.org/drawingml/2006/main" xmlns:r="http://schemas.openxmlformats.org/officeDocument/2006/relationships" xmlns:p="http://schemas.openxmlformats.org/presentationml/2006/main">
+  <p:cSld>
+    <p:spTree>
+      <p:nvGrpSpPr>
+        <p:cNvPr id="1" name=""/>
+        <p:cNvGrpSpPr/>
+        <p:nvPr/>
+      </p:nvGrpSpPr>
+      <p:grpSpPr>
+        <a:xfrm>
+          <a:off x="0" y="0"/>
+          <a:ext cx="0" cy="0"/>
+          <a:chOff x="0" y="0"/>
+          <a:chExt cx="0" cy="0"/>
+        </a:xfrm>
+      </p:grpSpPr>
+      <p:sp>
+        <p:nvSpPr>
+          <p:cNvPr id="2" name="Título 1"/>
+          <p:cNvSpPr>
+            <a:spLocks noGrp="1"/>
+          </p:cNvSpPr>
+          <p:nvPr>
+            <p:ph type="title"/>
+          </p:nvPr>
+        </p:nvSpPr>
+        <p:spPr/>
+        <p:txBody>
+          <a:bodyPr/>
+          <a:lstStyle/>
+          <a:p>
+            <a:r>
+              <a:rPr lang="pt-BR" dirty="0" err="1"/>
+              <a:t>MongoDB</a:t>
+            </a:r>
+            <a:endParaRPr lang="pt-BR" dirty="0"/>
+          </a:p>
+        </p:txBody>
+      </p:sp>
+      <p:sp>
+        <p:nvSpPr>
+          <p:cNvPr id="3" name="Espaço Reservado para Conteúdo 2"/>
+          <p:cNvSpPr>
+            <a:spLocks noGrp="1"/>
+          </p:cNvSpPr>
+          <p:nvPr>
+            <p:ph idx="1"/>
+          </p:nvPr>
+        </p:nvSpPr>
+        <p:spPr/>
+        <p:txBody>
+          <a:bodyPr>
+            <a:normAutofit fontScale="92500" lnSpcReduction="20000"/>
+          </a:bodyPr>
+          <a:lstStyle/>
+          <a:p>
+            <a:r>
+              <a:rPr lang="pt-BR" dirty="0" err="1"/>
+              <a:t>Document</a:t>
+            </a:r>
+            <a:r>
+              <a:rPr lang="pt-BR" dirty="0"/>
+              <a:t> </a:t>
+            </a:r>
+            <a:r>
+              <a:rPr lang="pt-BR" dirty="0" err="1"/>
+              <a:t>Based</a:t>
+            </a:r>
+            <a:r>
+              <a:rPr lang="pt-BR" dirty="0"/>
+              <a:t>:</a:t>
+            </a:r>
+          </a:p>
+          <a:p>
+            <a:pPr lvl="1"/>
+            <a:r>
+              <a:rPr lang="pt-BR" dirty="0"/>
+              <a:t>JSON;</a:t>
+            </a:r>
+          </a:p>
+          <a:p>
+            <a:endParaRPr lang="pt-BR" dirty="0"/>
+          </a:p>
+          <a:p>
+            <a:r>
+              <a:rPr lang="pt-BR" dirty="0"/>
+              <a:t>REST;</a:t>
+            </a:r>
+          </a:p>
+          <a:p>
+            <a:endParaRPr lang="pt-BR" dirty="0"/>
+          </a:p>
+          <a:p>
+            <a:r>
+              <a:rPr lang="pt-BR" dirty="0"/>
+              <a:t>API;</a:t>
+            </a:r>
+          </a:p>
+          <a:p>
+            <a:endParaRPr lang="pt-BR" dirty="0"/>
+          </a:p>
+          <a:p>
+            <a:r>
+              <a:rPr lang="pt-BR" dirty="0">
+                <a:hlinkClick r:id="rId2"/>
+              </a:rPr>
+              <a:t>https://www.mongodb.com/</a:t>
+            </a:r>
+            <a:endParaRPr lang="pt-BR" dirty="0"/>
+          </a:p>
+          <a:p>
+            <a:pPr lvl="1"/>
+            <a:r>
+              <a:rPr lang="pt-BR" dirty="0"/>
+              <a:t>Local;</a:t>
+            </a:r>
+          </a:p>
+          <a:p>
+            <a:pPr lvl="1"/>
+            <a:r>
+              <a:rPr lang="pt-BR" dirty="0"/>
+              <a:t>Cloud;</a:t>
+            </a:r>
+          </a:p>
+          <a:p>
+            <a:pPr lvl="1"/>
+            <a:endParaRPr lang="pt-BR" dirty="0"/>
+          </a:p>
+          <a:p>
+            <a:r>
+              <a:rPr lang="pt-BR" dirty="0"/>
+              <a:t>http://api.mongodb.com/python/current/tutorial.html</a:t>
+            </a:r>
+          </a:p>
+        </p:txBody>
+      </p:sp>
+    </p:spTree>
+    <p:extLst>
+      <p:ext uri="{BB962C8B-B14F-4D97-AF65-F5344CB8AC3E}">
+        <p14:creationId xmlns:p14="http://schemas.microsoft.com/office/powerpoint/2010/main" val="2268501179"/>
+      </p:ext>
+    </p:extLst>
+  </p:cSld>
+  <p:clrMapOvr>
+    <a:masterClrMapping/>
+  </p:clrMapOvr>
+</p:sld>
+</file>
+
+<file path=ppt/slides/slide16.xml><?xml version="1.0" encoding="utf-8"?>
+<p:sld xmlns:a="http://schemas.openxmlformats.org/drawingml/2006/main" xmlns:r="http://schemas.openxmlformats.org/officeDocument/2006/relationships" xmlns:p="http://schemas.openxmlformats.org/presentationml/2006/main">
+  <p:cSld>
+    <p:spTree>
+      <p:nvGrpSpPr>
+        <p:cNvPr id="1" name=""/>
+        <p:cNvGrpSpPr/>
+        <p:nvPr/>
+      </p:nvGrpSpPr>
+      <p:grpSpPr>
+        <a:xfrm>
+          <a:off x="0" y="0"/>
+          <a:ext cx="0" cy="0"/>
+          <a:chOff x="0" y="0"/>
+          <a:chExt cx="0" cy="0"/>
+        </a:xfrm>
+      </p:grpSpPr>
+      <p:sp>
+        <p:nvSpPr>
+          <p:cNvPr id="2" name="Título 1">
+            <a:extLst>
+              <a:ext uri="{FF2B5EF4-FFF2-40B4-BE49-F238E27FC236}">
+                <a16:creationId xmlns:a16="http://schemas.microsoft.com/office/drawing/2014/main" id="{F65DA5B8-8819-4BD1-A550-1A2E5797CDB7}"/>
+              </a:ext>
+            </a:extLst>
+          </p:cNvPr>
+          <p:cNvSpPr>
+            <a:spLocks noGrp="1"/>
+          </p:cNvSpPr>
+          <p:nvPr>
+            <p:ph type="title"/>
+          </p:nvPr>
+        </p:nvSpPr>
+        <p:spPr/>
+        <p:txBody>
+          <a:bodyPr>
+            <a:normAutofit/>
+          </a:bodyPr>
+          <a:lstStyle/>
+          <a:p>
+            <a:r>
+              <a:rPr lang="pt-BR" dirty="0"/>
+              <a:t>Mongo - Python</a:t>
+            </a:r>
+          </a:p>
+        </p:txBody>
+      </p:sp>
+      <p:graphicFrame>
+        <p:nvGraphicFramePr>
+          <p:cNvPr id="4" name="Espaço Reservado para Conteúdo 3">
+            <a:extLst>
+              <a:ext uri="{FF2B5EF4-FFF2-40B4-BE49-F238E27FC236}">
+                <a16:creationId xmlns:a16="http://schemas.microsoft.com/office/drawing/2014/main" id="{811A9608-5D71-4DE0-B070-39D6ABFDA51E}"/>
+              </a:ext>
+            </a:extLst>
+          </p:cNvPr>
+          <p:cNvGraphicFramePr>
+            <a:graphicFrameLocks noGrp="1"/>
+          </p:cNvGraphicFramePr>
+          <p:nvPr>
+            <p:ph idx="1"/>
+            <p:extLst>
+              <p:ext uri="{D42A27DB-BD31-4B8C-83A1-F6EECF244321}">
+                <p14:modId xmlns:p14="http://schemas.microsoft.com/office/powerpoint/2010/main" val="2487163016"/>
+              </p:ext>
+            </p:extLst>
+          </p:nvPr>
+        </p:nvGraphicFramePr>
+        <p:xfrm>
+          <a:off x="457200" y="1935163"/>
+          <a:ext cx="8229600" cy="3383280"/>
+        </p:xfrm>
+        <a:graphic>
+          <a:graphicData uri="http://schemas.openxmlformats.org/drawingml/2006/table">
+            <a:tbl>
+              <a:tblPr firstRow="1" bandRow="1">
+                <a:tableStyleId>{2D5ABB26-0587-4C30-8999-92F81FD0307C}</a:tableStyleId>
+              </a:tblPr>
+              <a:tblGrid>
+                <a:gridCol w="8229600">
+                  <a:extLst>
+                    <a:ext uri="{9D8B030D-6E8A-4147-A177-3AD203B41FA5}">
+                      <a16:colId xmlns:a16="http://schemas.microsoft.com/office/drawing/2014/main" val="3714351953"/>
+                    </a:ext>
+                  </a:extLst>
+                </a:gridCol>
+              </a:tblGrid>
+              <a:tr h="370840">
+                <a:tc>
+                  <a:txBody>
+                    <a:bodyPr/>
+                    <a:lstStyle/>
+                    <a:p>
+                      <a:r>
+                        <a:rPr kumimoji="0" lang="pt-BR" b="0" kern="1200" dirty="0" err="1">
+                          <a:solidFill>
+                            <a:schemeClr val="tx1"/>
+                          </a:solidFill>
+                          <a:effectLst/>
+                          <a:latin typeface="+mn-lt"/>
+                          <a:ea typeface="+mn-ea"/>
+                          <a:cs typeface="+mn-cs"/>
+                        </a:rPr>
+                        <a:t>import</a:t>
+                      </a:r>
+                      <a:r>
+                        <a:rPr kumimoji="0" lang="pt-BR" b="0" kern="1200" dirty="0">
+                          <a:solidFill>
+                            <a:schemeClr val="tx1"/>
+                          </a:solidFill>
+                          <a:effectLst/>
+                          <a:latin typeface="+mn-lt"/>
+                          <a:ea typeface="+mn-ea"/>
+                          <a:cs typeface="+mn-cs"/>
+                        </a:rPr>
+                        <a:t> </a:t>
+                      </a:r>
+                      <a:r>
+                        <a:rPr kumimoji="0" lang="pt-BR" b="0" kern="1200" dirty="0" err="1">
+                          <a:solidFill>
+                            <a:schemeClr val="tx1"/>
+                          </a:solidFill>
+                          <a:effectLst/>
+                          <a:latin typeface="+mn-lt"/>
+                          <a:ea typeface="+mn-ea"/>
+                          <a:cs typeface="+mn-cs"/>
+                        </a:rPr>
+                        <a:t>pymongo</a:t>
+                      </a:r>
+                      <a:endParaRPr kumimoji="0" lang="pt-BR" b="0" kern="1200" dirty="0">
+                        <a:solidFill>
+                          <a:schemeClr val="tx1"/>
+                        </a:solidFill>
+                        <a:effectLst/>
+                        <a:latin typeface="+mn-lt"/>
+                        <a:ea typeface="+mn-ea"/>
+                        <a:cs typeface="+mn-cs"/>
+                      </a:endParaRPr>
+                    </a:p>
+                    <a:p>
+                      <a:br>
+                        <a:rPr kumimoji="0" lang="pt-BR" b="0" kern="1200" dirty="0">
+                          <a:solidFill>
+                            <a:schemeClr val="tx1"/>
+                          </a:solidFill>
+                          <a:effectLst/>
+                          <a:latin typeface="+mn-lt"/>
+                          <a:ea typeface="+mn-ea"/>
+                          <a:cs typeface="+mn-cs"/>
+                        </a:rPr>
+                      </a:br>
+                      <a:r>
+                        <a:rPr kumimoji="0" lang="pt-BR" b="0" kern="1200" dirty="0" err="1">
+                          <a:solidFill>
+                            <a:schemeClr val="tx1"/>
+                          </a:solidFill>
+                          <a:effectLst/>
+                          <a:latin typeface="+mn-lt"/>
+                          <a:ea typeface="+mn-ea"/>
+                          <a:cs typeface="+mn-cs"/>
+                        </a:rPr>
+                        <a:t>myclient</a:t>
+                      </a:r>
+                      <a:r>
+                        <a:rPr kumimoji="0" lang="pt-BR" b="0" kern="1200" dirty="0">
+                          <a:solidFill>
+                            <a:schemeClr val="tx1"/>
+                          </a:solidFill>
+                          <a:effectLst/>
+                          <a:latin typeface="+mn-lt"/>
+                          <a:ea typeface="+mn-ea"/>
+                          <a:cs typeface="+mn-cs"/>
+                        </a:rPr>
+                        <a:t> = </a:t>
+                      </a:r>
+                      <a:r>
+                        <a:rPr kumimoji="0" lang="pt-BR" b="0" kern="1200" dirty="0" err="1">
+                          <a:solidFill>
+                            <a:schemeClr val="tx1"/>
+                          </a:solidFill>
+                          <a:effectLst/>
+                          <a:latin typeface="+mn-lt"/>
+                          <a:ea typeface="+mn-ea"/>
+                          <a:cs typeface="+mn-cs"/>
+                        </a:rPr>
+                        <a:t>pymongo.MongoClient</a:t>
+                      </a:r>
+                      <a:r>
+                        <a:rPr kumimoji="0" lang="pt-BR" b="0" kern="1200" dirty="0">
+                          <a:solidFill>
+                            <a:schemeClr val="tx1"/>
+                          </a:solidFill>
+                          <a:effectLst/>
+                          <a:latin typeface="+mn-lt"/>
+                          <a:ea typeface="+mn-ea"/>
+                          <a:cs typeface="+mn-cs"/>
+                        </a:rPr>
+                        <a:t>("</a:t>
+                      </a:r>
+                      <a:r>
+                        <a:rPr kumimoji="0" lang="pt-BR" b="0" kern="1200" dirty="0" err="1">
+                          <a:solidFill>
+                            <a:schemeClr val="tx1"/>
+                          </a:solidFill>
+                          <a:effectLst/>
+                          <a:latin typeface="+mn-lt"/>
+                          <a:ea typeface="+mn-ea"/>
+                          <a:cs typeface="+mn-cs"/>
+                        </a:rPr>
+                        <a:t>mongodb</a:t>
+                      </a:r>
+                      <a:r>
+                        <a:rPr kumimoji="0" lang="pt-BR" b="0" kern="1200" dirty="0">
+                          <a:solidFill>
+                            <a:schemeClr val="tx1"/>
+                          </a:solidFill>
+                          <a:effectLst/>
+                          <a:latin typeface="+mn-lt"/>
+                          <a:ea typeface="+mn-ea"/>
+                          <a:cs typeface="+mn-cs"/>
+                        </a:rPr>
+                        <a:t>://localhost:27017/")</a:t>
+                      </a:r>
+                    </a:p>
+                    <a:p>
+                      <a:br>
+                        <a:rPr kumimoji="0" lang="pt-BR" b="0" kern="1200" dirty="0">
+                          <a:solidFill>
+                            <a:schemeClr val="tx1"/>
+                          </a:solidFill>
+                          <a:effectLst/>
+                          <a:latin typeface="+mn-lt"/>
+                          <a:ea typeface="+mn-ea"/>
+                          <a:cs typeface="+mn-cs"/>
+                        </a:rPr>
+                      </a:br>
+                      <a:r>
+                        <a:rPr kumimoji="0" lang="pt-BR" b="0" kern="1200" dirty="0" err="1">
+                          <a:solidFill>
+                            <a:schemeClr val="tx1"/>
+                          </a:solidFill>
+                          <a:effectLst/>
+                          <a:latin typeface="+mn-lt"/>
+                          <a:ea typeface="+mn-ea"/>
+                          <a:cs typeface="+mn-cs"/>
+                        </a:rPr>
+                        <a:t>mydb</a:t>
+                      </a:r>
+                      <a:r>
+                        <a:rPr kumimoji="0" lang="pt-BR" b="0" kern="1200" dirty="0">
+                          <a:solidFill>
+                            <a:schemeClr val="tx1"/>
+                          </a:solidFill>
+                          <a:effectLst/>
+                          <a:latin typeface="+mn-lt"/>
+                          <a:ea typeface="+mn-ea"/>
+                          <a:cs typeface="+mn-cs"/>
+                        </a:rPr>
+                        <a:t> = </a:t>
+                      </a:r>
+                      <a:r>
+                        <a:rPr kumimoji="0" lang="pt-BR" b="0" kern="1200" dirty="0" err="1">
+                          <a:solidFill>
+                            <a:schemeClr val="tx1"/>
+                          </a:solidFill>
+                          <a:effectLst/>
+                          <a:latin typeface="+mn-lt"/>
+                          <a:ea typeface="+mn-ea"/>
+                          <a:cs typeface="+mn-cs"/>
+                        </a:rPr>
+                        <a:t>myclient</a:t>
+                      </a:r>
+                      <a:r>
+                        <a:rPr kumimoji="0" lang="pt-BR" b="0" kern="1200" dirty="0">
+                          <a:solidFill>
+                            <a:schemeClr val="tx1"/>
+                          </a:solidFill>
+                          <a:effectLst/>
+                          <a:latin typeface="+mn-lt"/>
+                          <a:ea typeface="+mn-ea"/>
+                          <a:cs typeface="+mn-cs"/>
+                        </a:rPr>
+                        <a:t>["</a:t>
+                      </a:r>
+                      <a:r>
+                        <a:rPr kumimoji="0" lang="pt-BR" b="0" kern="1200" dirty="0" err="1">
+                          <a:solidFill>
+                            <a:schemeClr val="tx1"/>
+                          </a:solidFill>
+                          <a:effectLst/>
+                          <a:latin typeface="+mn-lt"/>
+                          <a:ea typeface="+mn-ea"/>
+                          <a:cs typeface="+mn-cs"/>
+                        </a:rPr>
+                        <a:t>ceiot_aula</a:t>
+                      </a:r>
+                      <a:r>
+                        <a:rPr kumimoji="0" lang="pt-BR" b="0" kern="1200" dirty="0">
+                          <a:solidFill>
+                            <a:schemeClr val="tx1"/>
+                          </a:solidFill>
+                          <a:effectLst/>
+                          <a:latin typeface="+mn-lt"/>
+                          <a:ea typeface="+mn-ea"/>
+                          <a:cs typeface="+mn-cs"/>
+                        </a:rPr>
+                        <a:t>"]</a:t>
+                      </a:r>
+                    </a:p>
+                    <a:p>
+                      <a:br>
+                        <a:rPr kumimoji="0" lang="pt-BR" b="0" kern="1200" dirty="0">
+                          <a:solidFill>
+                            <a:schemeClr val="tx1"/>
+                          </a:solidFill>
+                          <a:effectLst/>
+                          <a:latin typeface="+mn-lt"/>
+                          <a:ea typeface="+mn-ea"/>
+                          <a:cs typeface="+mn-cs"/>
+                        </a:rPr>
+                      </a:br>
+                      <a:r>
+                        <a:rPr kumimoji="0" lang="pt-BR" b="0" kern="1200" dirty="0" err="1">
+                          <a:solidFill>
+                            <a:schemeClr val="tx1"/>
+                          </a:solidFill>
+                          <a:effectLst/>
+                          <a:latin typeface="+mn-lt"/>
+                          <a:ea typeface="+mn-ea"/>
+                          <a:cs typeface="+mn-cs"/>
+                        </a:rPr>
+                        <a:t>mycollection</a:t>
+                      </a:r>
+                      <a:r>
+                        <a:rPr kumimoji="0" lang="pt-BR" b="0" kern="1200" dirty="0">
+                          <a:solidFill>
+                            <a:schemeClr val="tx1"/>
+                          </a:solidFill>
+                          <a:effectLst/>
+                          <a:latin typeface="+mn-lt"/>
+                          <a:ea typeface="+mn-ea"/>
+                          <a:cs typeface="+mn-cs"/>
+                        </a:rPr>
+                        <a:t> = </a:t>
+                      </a:r>
+                      <a:r>
+                        <a:rPr kumimoji="0" lang="pt-BR" b="0" kern="1200" dirty="0" err="1">
+                          <a:solidFill>
+                            <a:schemeClr val="tx1"/>
+                          </a:solidFill>
+                          <a:effectLst/>
+                          <a:latin typeface="+mn-lt"/>
+                          <a:ea typeface="+mn-ea"/>
+                          <a:cs typeface="+mn-cs"/>
+                        </a:rPr>
+                        <a:t>mydb</a:t>
+                      </a:r>
+                      <a:r>
+                        <a:rPr kumimoji="0" lang="pt-BR" b="0" kern="1200" dirty="0">
+                          <a:solidFill>
+                            <a:schemeClr val="tx1"/>
+                          </a:solidFill>
+                          <a:effectLst/>
+                          <a:latin typeface="+mn-lt"/>
+                          <a:ea typeface="+mn-ea"/>
+                          <a:cs typeface="+mn-cs"/>
+                        </a:rPr>
+                        <a:t>["aluno"]</a:t>
+                      </a:r>
+                    </a:p>
+                    <a:p>
+                      <a:br>
+                        <a:rPr kumimoji="0" lang="pt-BR" b="0" kern="1200" dirty="0">
+                          <a:solidFill>
+                            <a:schemeClr val="tx1"/>
+                          </a:solidFill>
+                          <a:effectLst/>
+                          <a:latin typeface="+mn-lt"/>
+                          <a:ea typeface="+mn-ea"/>
+                          <a:cs typeface="+mn-cs"/>
+                        </a:rPr>
+                      </a:br>
+                      <a:r>
+                        <a:rPr kumimoji="0" lang="pt-BR" b="0" kern="1200" dirty="0">
+                          <a:solidFill>
+                            <a:schemeClr val="tx1"/>
+                          </a:solidFill>
+                          <a:effectLst/>
+                          <a:latin typeface="+mn-lt"/>
+                          <a:ea typeface="+mn-ea"/>
+                          <a:cs typeface="+mn-cs"/>
+                        </a:rPr>
+                        <a:t>aluno = { "nome": "Aluno1", "dataNascimento":"05/11/1985" }</a:t>
+                      </a:r>
+                    </a:p>
+                    <a:p>
+                      <a:br>
+                        <a:rPr kumimoji="0" lang="pt-BR" b="0" kern="1200" dirty="0">
+                          <a:solidFill>
+                            <a:schemeClr val="tx1"/>
+                          </a:solidFill>
+                          <a:effectLst/>
+                          <a:latin typeface="+mn-lt"/>
+                          <a:ea typeface="+mn-ea"/>
+                          <a:cs typeface="+mn-cs"/>
+                        </a:rPr>
+                      </a:br>
+                      <a:r>
+                        <a:rPr kumimoji="0" lang="pt-BR" b="0" kern="1200" dirty="0">
+                          <a:solidFill>
+                            <a:schemeClr val="tx1"/>
+                          </a:solidFill>
+                          <a:effectLst/>
+                          <a:latin typeface="+mn-lt"/>
+                          <a:ea typeface="+mn-ea"/>
+                          <a:cs typeface="+mn-cs"/>
+                        </a:rPr>
+                        <a:t>x = </a:t>
+                      </a:r>
+                      <a:r>
+                        <a:rPr kumimoji="0" lang="pt-BR" b="0" kern="1200" dirty="0" err="1">
+                          <a:solidFill>
+                            <a:schemeClr val="tx1"/>
+                          </a:solidFill>
+                          <a:effectLst/>
+                          <a:latin typeface="+mn-lt"/>
+                          <a:ea typeface="+mn-ea"/>
+                          <a:cs typeface="+mn-cs"/>
+                        </a:rPr>
+                        <a:t>mycollection.insert_one</a:t>
+                      </a:r>
+                      <a:r>
+                        <a:rPr kumimoji="0" lang="pt-BR" b="0" kern="1200" dirty="0">
+                          <a:solidFill>
+                            <a:schemeClr val="tx1"/>
+                          </a:solidFill>
+                          <a:effectLst/>
+                          <a:latin typeface="+mn-lt"/>
+                          <a:ea typeface="+mn-ea"/>
+                          <a:cs typeface="+mn-cs"/>
+                        </a:rPr>
+                        <a:t>(aluno)</a:t>
+                      </a:r>
+                    </a:p>
+                    <a:p>
+                      <a:r>
+                        <a:rPr kumimoji="0" lang="pt-BR" b="0" kern="1200" dirty="0">
+                          <a:solidFill>
+                            <a:schemeClr val="tx1"/>
+                          </a:solidFill>
+                          <a:effectLst/>
+                          <a:latin typeface="+mn-lt"/>
+                          <a:ea typeface="+mn-ea"/>
+                          <a:cs typeface="+mn-cs"/>
+                        </a:rPr>
+                        <a:t>print(x)</a:t>
+                      </a:r>
+                    </a:p>
+                  </a:txBody>
+                  <a:tcPr>
+                    <a:lnL w="12700" cap="flat" cmpd="sng" algn="ctr">
+                      <a:solidFill>
+                        <a:schemeClr val="tx1"/>
+                      </a:solidFill>
+                      <a:prstDash val="solid"/>
+                      <a:round/>
+                      <a:headEnd type="none" w="med" len="med"/>
+                      <a:tailEnd type="none" w="med" len="med"/>
+                    </a:lnL>
+                    <a:lnR w="12700" cap="flat" cmpd="sng" algn="ctr">
+                      <a:solidFill>
+                        <a:schemeClr val="tx1"/>
+                      </a:solidFill>
+                      <a:prstDash val="solid"/>
+                      <a:round/>
+                      <a:headEnd type="none" w="med" len="med"/>
+                      <a:tailEnd type="none" w="med" len="med"/>
+                    </a:lnR>
+                    <a:lnT w="12700" cap="flat" cmpd="sng" algn="ctr">
+                      <a:solidFill>
+                        <a:schemeClr val="tx1"/>
+                      </a:solidFill>
+                      <a:prstDash val="solid"/>
+                      <a:round/>
+                      <a:headEnd type="none" w="med" len="med"/>
+                      <a:tailEnd type="none" w="med" len="med"/>
+                    </a:lnT>
+                    <a:lnB w="12700" cap="flat" cmpd="sng" algn="ctr">
+                      <a:solidFill>
+                        <a:schemeClr val="tx1"/>
+                      </a:solidFill>
+                      <a:prstDash val="solid"/>
+                      <a:round/>
+                      <a:headEnd type="none" w="med" len="med"/>
+                      <a:tailEnd type="none" w="med" len="med"/>
+                    </a:lnB>
+                  </a:tcPr>
+                </a:tc>
+                <a:extLst>
+                  <a:ext uri="{0D108BD9-81ED-4DB2-BD59-A6C34878D82A}">
+                    <a16:rowId xmlns:a16="http://schemas.microsoft.com/office/drawing/2014/main" val="1298364011"/>
+                  </a:ext>
+                </a:extLst>
+              </a:tr>
+            </a:tbl>
+          </a:graphicData>
+        </a:graphic>
+      </p:graphicFrame>
+    </p:spTree>
+    <p:extLst>
+      <p:ext uri="{BB962C8B-B14F-4D97-AF65-F5344CB8AC3E}">
+        <p14:creationId xmlns:p14="http://schemas.microsoft.com/office/powerpoint/2010/main" val="3347127060"/>
+      </p:ext>
+    </p:extLst>
+  </p:cSld>
+  <p:clrMapOvr>
+    <a:masterClrMapping/>
+  </p:clrMapOvr>
+</p:sld>
+</file>
+
+<file path=ppt/slides/slide17.xml><?xml version="1.0" encoding="utf-8"?>
+<p:sld xmlns:a="http://schemas.openxmlformats.org/drawingml/2006/main" xmlns:r="http://schemas.openxmlformats.org/officeDocument/2006/relationships" xmlns:p="http://schemas.openxmlformats.org/presentationml/2006/main">
+  <p:cSld>
+    <p:spTree>
+      <p:nvGrpSpPr>
+        <p:cNvPr id="1" name=""/>
+        <p:cNvGrpSpPr/>
+        <p:nvPr/>
+      </p:nvGrpSpPr>
+      <p:grpSpPr>
+        <a:xfrm>
+          <a:off x="0" y="0"/>
+          <a:ext cx="0" cy="0"/>
+          <a:chOff x="0" y="0"/>
+          <a:chExt cx="0" cy="0"/>
+        </a:xfrm>
+      </p:grpSpPr>
+      <p:sp>
+        <p:nvSpPr>
+          <p:cNvPr id="2" name="Título 1">
+            <a:extLst>
+              <a:ext uri="{FF2B5EF4-FFF2-40B4-BE49-F238E27FC236}">
+                <a16:creationId xmlns:a16="http://schemas.microsoft.com/office/drawing/2014/main" id="{03120088-3E9F-4F64-8E6E-BD1D35F745BC}"/>
+              </a:ext>
+            </a:extLst>
+          </p:cNvPr>
+          <p:cNvSpPr>
+            <a:spLocks noGrp="1"/>
+          </p:cNvSpPr>
+          <p:nvPr>
+            <p:ph type="title"/>
+          </p:nvPr>
+        </p:nvSpPr>
+        <p:spPr/>
+        <p:txBody>
+          <a:bodyPr/>
+          <a:lstStyle/>
+          <a:p>
+            <a:r>
+              <a:rPr lang="pt-BR" dirty="0"/>
+              <a:t>Mongo - Python</a:t>
+            </a:r>
+          </a:p>
+        </p:txBody>
+      </p:sp>
+      <p:graphicFrame>
+        <p:nvGraphicFramePr>
+          <p:cNvPr id="4" name="Espaço Reservado para Conteúdo 3">
+            <a:extLst>
+              <a:ext uri="{FF2B5EF4-FFF2-40B4-BE49-F238E27FC236}">
+                <a16:creationId xmlns:a16="http://schemas.microsoft.com/office/drawing/2014/main" id="{AA89A43B-D940-421E-B5B6-F01FB118320B}"/>
+              </a:ext>
+            </a:extLst>
+          </p:cNvPr>
+          <p:cNvGraphicFramePr>
+            <a:graphicFrameLocks noGrp="1"/>
+          </p:cNvGraphicFramePr>
+          <p:nvPr>
+            <p:ph idx="1"/>
+            <p:extLst>
+              <p:ext uri="{D42A27DB-BD31-4B8C-83A1-F6EECF244321}">
+                <p14:modId xmlns:p14="http://schemas.microsoft.com/office/powerpoint/2010/main" val="1839929016"/>
+              </p:ext>
+            </p:extLst>
+          </p:nvPr>
+        </p:nvGraphicFramePr>
+        <p:xfrm>
+          <a:off x="457200" y="1935163"/>
+          <a:ext cx="8229600" cy="2834640"/>
+        </p:xfrm>
+        <a:graphic>
+          <a:graphicData uri="http://schemas.openxmlformats.org/drawingml/2006/table">
+            <a:tbl>
+              <a:tblPr firstRow="1" bandRow="1">
+                <a:tableStyleId>{2D5ABB26-0587-4C30-8999-92F81FD0307C}</a:tableStyleId>
+              </a:tblPr>
+              <a:tblGrid>
+                <a:gridCol w="8229600">
+                  <a:extLst>
+                    <a:ext uri="{9D8B030D-6E8A-4147-A177-3AD203B41FA5}">
+                      <a16:colId xmlns:a16="http://schemas.microsoft.com/office/drawing/2014/main" val="325132123"/>
+                    </a:ext>
+                  </a:extLst>
+                </a:gridCol>
+              </a:tblGrid>
+              <a:tr h="370840">
+                <a:tc>
+                  <a:txBody>
+                    <a:bodyPr/>
+                    <a:lstStyle/>
+                    <a:p>
+                      <a:r>
+                        <a:rPr kumimoji="0" lang="pt-BR" b="0" kern="1200" dirty="0" err="1">
+                          <a:solidFill>
+                            <a:schemeClr val="tx1"/>
+                          </a:solidFill>
+                          <a:effectLst/>
+                          <a:latin typeface="+mn-lt"/>
+                          <a:ea typeface="+mn-ea"/>
+                          <a:cs typeface="+mn-cs"/>
+                        </a:rPr>
+                        <a:t>import</a:t>
+                      </a:r>
+                      <a:r>
+                        <a:rPr kumimoji="0" lang="pt-BR" b="0" kern="1200" dirty="0">
+                          <a:solidFill>
+                            <a:schemeClr val="tx1"/>
+                          </a:solidFill>
+                          <a:effectLst/>
+                          <a:latin typeface="+mn-lt"/>
+                          <a:ea typeface="+mn-ea"/>
+                          <a:cs typeface="+mn-cs"/>
+                        </a:rPr>
+                        <a:t> </a:t>
+                      </a:r>
+                      <a:r>
+                        <a:rPr kumimoji="0" lang="pt-BR" b="0" kern="1200" dirty="0" err="1">
+                          <a:solidFill>
+                            <a:schemeClr val="tx1"/>
+                          </a:solidFill>
+                          <a:effectLst/>
+                          <a:latin typeface="+mn-lt"/>
+                          <a:ea typeface="+mn-ea"/>
+                          <a:cs typeface="+mn-cs"/>
+                        </a:rPr>
+                        <a:t>pymongo</a:t>
+                      </a:r>
+                      <a:endParaRPr kumimoji="0" lang="pt-BR" b="0" kern="1200" dirty="0">
+                        <a:solidFill>
+                          <a:schemeClr val="tx1"/>
+                        </a:solidFill>
+                        <a:effectLst/>
+                        <a:latin typeface="+mn-lt"/>
+                        <a:ea typeface="+mn-ea"/>
+                        <a:cs typeface="+mn-cs"/>
+                      </a:endParaRPr>
+                    </a:p>
+                    <a:p>
+                      <a:br>
+                        <a:rPr kumimoji="0" lang="pt-BR" b="0" kern="1200" dirty="0">
+                          <a:solidFill>
+                            <a:schemeClr val="tx1"/>
+                          </a:solidFill>
+                          <a:effectLst/>
+                          <a:latin typeface="+mn-lt"/>
+                          <a:ea typeface="+mn-ea"/>
+                          <a:cs typeface="+mn-cs"/>
+                        </a:rPr>
+                      </a:br>
+                      <a:r>
+                        <a:rPr kumimoji="0" lang="pt-BR" b="0" kern="1200" dirty="0" err="1">
+                          <a:solidFill>
+                            <a:schemeClr val="tx1"/>
+                          </a:solidFill>
+                          <a:effectLst/>
+                          <a:latin typeface="+mn-lt"/>
+                          <a:ea typeface="+mn-ea"/>
+                          <a:cs typeface="+mn-cs"/>
+                        </a:rPr>
+                        <a:t>myclient</a:t>
+                      </a:r>
+                      <a:r>
+                        <a:rPr kumimoji="0" lang="pt-BR" b="0" kern="1200" dirty="0">
+                          <a:solidFill>
+                            <a:schemeClr val="tx1"/>
+                          </a:solidFill>
+                          <a:effectLst/>
+                          <a:latin typeface="+mn-lt"/>
+                          <a:ea typeface="+mn-ea"/>
+                          <a:cs typeface="+mn-cs"/>
+                        </a:rPr>
+                        <a:t> = </a:t>
+                      </a:r>
+                      <a:r>
+                        <a:rPr kumimoji="0" lang="pt-BR" b="0" kern="1200" dirty="0" err="1">
+                          <a:solidFill>
+                            <a:schemeClr val="tx1"/>
+                          </a:solidFill>
+                          <a:effectLst/>
+                          <a:latin typeface="+mn-lt"/>
+                          <a:ea typeface="+mn-ea"/>
+                          <a:cs typeface="+mn-cs"/>
+                        </a:rPr>
+                        <a:t>pymongo.MongoClient</a:t>
+                      </a:r>
+                      <a:r>
+                        <a:rPr kumimoji="0" lang="pt-BR" b="0" kern="1200" dirty="0">
+                          <a:solidFill>
+                            <a:schemeClr val="tx1"/>
+                          </a:solidFill>
+                          <a:effectLst/>
+                          <a:latin typeface="+mn-lt"/>
+                          <a:ea typeface="+mn-ea"/>
+                          <a:cs typeface="+mn-cs"/>
+                        </a:rPr>
+                        <a:t>("</a:t>
+                      </a:r>
+                      <a:r>
+                        <a:rPr kumimoji="0" lang="pt-BR" b="0" kern="1200" dirty="0" err="1">
+                          <a:solidFill>
+                            <a:schemeClr val="tx1"/>
+                          </a:solidFill>
+                          <a:effectLst/>
+                          <a:latin typeface="+mn-lt"/>
+                          <a:ea typeface="+mn-ea"/>
+                          <a:cs typeface="+mn-cs"/>
+                        </a:rPr>
+                        <a:t>mongodb</a:t>
+                      </a:r>
+                      <a:r>
+                        <a:rPr kumimoji="0" lang="pt-BR" b="0" kern="1200" dirty="0">
+                          <a:solidFill>
+                            <a:schemeClr val="tx1"/>
+                          </a:solidFill>
+                          <a:effectLst/>
+                          <a:latin typeface="+mn-lt"/>
+                          <a:ea typeface="+mn-ea"/>
+                          <a:cs typeface="+mn-cs"/>
+                        </a:rPr>
+                        <a:t>://localhost:27017/")</a:t>
+                      </a:r>
+                    </a:p>
+                    <a:p>
+                      <a:r>
+                        <a:rPr kumimoji="0" lang="pt-BR" b="0" kern="1200" dirty="0" err="1">
+                          <a:solidFill>
+                            <a:schemeClr val="tx1"/>
+                          </a:solidFill>
+                          <a:effectLst/>
+                          <a:latin typeface="+mn-lt"/>
+                          <a:ea typeface="+mn-ea"/>
+                          <a:cs typeface="+mn-cs"/>
+                        </a:rPr>
+                        <a:t>mydb</a:t>
+                      </a:r>
+                      <a:r>
+                        <a:rPr kumimoji="0" lang="pt-BR" b="0" kern="1200" dirty="0">
+                          <a:solidFill>
+                            <a:schemeClr val="tx1"/>
+                          </a:solidFill>
+                          <a:effectLst/>
+                          <a:latin typeface="+mn-lt"/>
+                          <a:ea typeface="+mn-ea"/>
+                          <a:cs typeface="+mn-cs"/>
+                        </a:rPr>
+                        <a:t> = </a:t>
+                      </a:r>
+                      <a:r>
+                        <a:rPr kumimoji="0" lang="pt-BR" b="0" kern="1200" dirty="0" err="1">
+                          <a:solidFill>
+                            <a:schemeClr val="tx1"/>
+                          </a:solidFill>
+                          <a:effectLst/>
+                          <a:latin typeface="+mn-lt"/>
+                          <a:ea typeface="+mn-ea"/>
+                          <a:cs typeface="+mn-cs"/>
+                        </a:rPr>
+                        <a:t>myclient</a:t>
+                      </a:r>
+                      <a:r>
+                        <a:rPr kumimoji="0" lang="pt-BR" b="0" kern="1200" dirty="0">
+                          <a:solidFill>
+                            <a:schemeClr val="tx1"/>
+                          </a:solidFill>
+                          <a:effectLst/>
+                          <a:latin typeface="+mn-lt"/>
+                          <a:ea typeface="+mn-ea"/>
+                          <a:cs typeface="+mn-cs"/>
+                        </a:rPr>
+                        <a:t>["</a:t>
+                      </a:r>
+                      <a:r>
+                        <a:rPr kumimoji="0" lang="pt-BR" b="0" kern="1200" dirty="0" err="1">
+                          <a:solidFill>
+                            <a:schemeClr val="tx1"/>
+                          </a:solidFill>
+                          <a:effectLst/>
+                          <a:latin typeface="+mn-lt"/>
+                          <a:ea typeface="+mn-ea"/>
+                          <a:cs typeface="+mn-cs"/>
+                        </a:rPr>
+                        <a:t>ceiot_aula</a:t>
+                      </a:r>
+                      <a:r>
+                        <a:rPr kumimoji="0" lang="pt-BR" b="0" kern="1200" dirty="0">
+                          <a:solidFill>
+                            <a:schemeClr val="tx1"/>
+                          </a:solidFill>
+                          <a:effectLst/>
+                          <a:latin typeface="+mn-lt"/>
+                          <a:ea typeface="+mn-ea"/>
+                          <a:cs typeface="+mn-cs"/>
+                        </a:rPr>
+                        <a:t>"]</a:t>
+                      </a:r>
+                    </a:p>
+                    <a:p>
+                      <a:r>
+                        <a:rPr kumimoji="0" lang="pt-BR" b="0" kern="1200" dirty="0" err="1">
+                          <a:solidFill>
+                            <a:schemeClr val="tx1"/>
+                          </a:solidFill>
+                          <a:effectLst/>
+                          <a:latin typeface="+mn-lt"/>
+                          <a:ea typeface="+mn-ea"/>
+                          <a:cs typeface="+mn-cs"/>
+                        </a:rPr>
+                        <a:t>mycollection</a:t>
+                      </a:r>
+                      <a:r>
+                        <a:rPr kumimoji="0" lang="pt-BR" b="0" kern="1200" dirty="0">
+                          <a:solidFill>
+                            <a:schemeClr val="tx1"/>
+                          </a:solidFill>
+                          <a:effectLst/>
+                          <a:latin typeface="+mn-lt"/>
+                          <a:ea typeface="+mn-ea"/>
+                          <a:cs typeface="+mn-cs"/>
+                        </a:rPr>
+                        <a:t> = </a:t>
+                      </a:r>
+                      <a:r>
+                        <a:rPr kumimoji="0" lang="pt-BR" b="0" kern="1200" dirty="0" err="1">
+                          <a:solidFill>
+                            <a:schemeClr val="tx1"/>
+                          </a:solidFill>
+                          <a:effectLst/>
+                          <a:latin typeface="+mn-lt"/>
+                          <a:ea typeface="+mn-ea"/>
+                          <a:cs typeface="+mn-cs"/>
+                        </a:rPr>
+                        <a:t>mydb</a:t>
+                      </a:r>
+                      <a:r>
+                        <a:rPr kumimoji="0" lang="pt-BR" b="0" kern="1200" dirty="0">
+                          <a:solidFill>
+                            <a:schemeClr val="tx1"/>
+                          </a:solidFill>
+                          <a:effectLst/>
+                          <a:latin typeface="+mn-lt"/>
+                          <a:ea typeface="+mn-ea"/>
+                          <a:cs typeface="+mn-cs"/>
+                        </a:rPr>
+                        <a:t>["aluno"]</a:t>
+                      </a:r>
+                    </a:p>
+                    <a:p>
+                      <a:br>
+                        <a:rPr kumimoji="0" lang="pt-BR" b="0" kern="1200" dirty="0">
+                          <a:solidFill>
+                            <a:schemeClr val="tx1"/>
+                          </a:solidFill>
+                          <a:effectLst/>
+                          <a:latin typeface="+mn-lt"/>
+                          <a:ea typeface="+mn-ea"/>
+                          <a:cs typeface="+mn-cs"/>
+                        </a:rPr>
+                      </a:br>
+                      <a:r>
+                        <a:rPr kumimoji="0" lang="pt-BR" b="0" kern="1200" dirty="0">
+                          <a:solidFill>
+                            <a:schemeClr val="tx1"/>
+                          </a:solidFill>
+                          <a:effectLst/>
+                          <a:latin typeface="+mn-lt"/>
+                          <a:ea typeface="+mn-ea"/>
+                          <a:cs typeface="+mn-cs"/>
+                        </a:rPr>
+                        <a:t>print("Busca tudo")</a:t>
+                      </a:r>
+                    </a:p>
+                    <a:p>
+                      <a:r>
+                        <a:rPr kumimoji="0" lang="pt-BR" b="0" kern="1200" dirty="0">
+                          <a:solidFill>
+                            <a:schemeClr val="tx1"/>
+                          </a:solidFill>
+                          <a:effectLst/>
+                          <a:latin typeface="+mn-lt"/>
+                          <a:ea typeface="+mn-ea"/>
+                          <a:cs typeface="+mn-cs"/>
+                        </a:rPr>
+                        <a:t>for x in </a:t>
+                      </a:r>
+                      <a:r>
+                        <a:rPr kumimoji="0" lang="pt-BR" b="0" kern="1200" dirty="0" err="1">
+                          <a:solidFill>
+                            <a:schemeClr val="tx1"/>
+                          </a:solidFill>
+                          <a:effectLst/>
+                          <a:latin typeface="+mn-lt"/>
+                          <a:ea typeface="+mn-ea"/>
+                          <a:cs typeface="+mn-cs"/>
+                        </a:rPr>
+                        <a:t>mycollection.find</a:t>
+                      </a:r>
+                      <a:r>
+                        <a:rPr kumimoji="0" lang="pt-BR" b="0" kern="1200" dirty="0">
+                          <a:solidFill>
+                            <a:schemeClr val="tx1"/>
+                          </a:solidFill>
+                          <a:effectLst/>
+                          <a:latin typeface="+mn-lt"/>
+                          <a:ea typeface="+mn-ea"/>
+                          <a:cs typeface="+mn-cs"/>
+                        </a:rPr>
+                        <a:t>():</a:t>
+                      </a:r>
+                    </a:p>
+                    <a:p>
+                      <a:r>
+                        <a:rPr kumimoji="0" lang="pt-BR" b="0" kern="1200" dirty="0">
+                          <a:solidFill>
+                            <a:schemeClr val="tx1"/>
+                          </a:solidFill>
+                          <a:effectLst/>
+                          <a:latin typeface="+mn-lt"/>
+                          <a:ea typeface="+mn-ea"/>
+                          <a:cs typeface="+mn-cs"/>
+                        </a:rPr>
+                        <a:t>print(x)</a:t>
+                      </a:r>
+                    </a:p>
+                    <a:p>
+                      <a:endParaRPr lang="pt-BR" dirty="0"/>
+                    </a:p>
+                  </a:txBody>
+                  <a:tcPr>
+                    <a:lnL w="12700" cap="flat" cmpd="sng" algn="ctr">
+                      <a:solidFill>
+                        <a:schemeClr val="tx1"/>
+                      </a:solidFill>
+                      <a:prstDash val="solid"/>
+                      <a:round/>
+                      <a:headEnd type="none" w="med" len="med"/>
+                      <a:tailEnd type="none" w="med" len="med"/>
+                    </a:lnL>
+                    <a:lnR w="12700" cap="flat" cmpd="sng" algn="ctr">
+                      <a:solidFill>
+                        <a:schemeClr val="tx1"/>
+                      </a:solidFill>
+                      <a:prstDash val="solid"/>
+                      <a:round/>
+                      <a:headEnd type="none" w="med" len="med"/>
+                      <a:tailEnd type="none" w="med" len="med"/>
+                    </a:lnR>
+                    <a:lnT w="12700" cap="flat" cmpd="sng" algn="ctr">
+                      <a:solidFill>
+                        <a:schemeClr val="tx1"/>
+                      </a:solidFill>
+                      <a:prstDash val="solid"/>
+                      <a:round/>
+                      <a:headEnd type="none" w="med" len="med"/>
+                      <a:tailEnd type="none" w="med" len="med"/>
+                    </a:lnT>
+                    <a:lnB w="12700" cap="flat" cmpd="sng" algn="ctr">
+                      <a:solidFill>
+                        <a:schemeClr val="tx1"/>
+                      </a:solidFill>
+                      <a:prstDash val="solid"/>
+                      <a:round/>
+                      <a:headEnd type="none" w="med" len="med"/>
+                      <a:tailEnd type="none" w="med" len="med"/>
+                    </a:lnB>
+                  </a:tcPr>
+                </a:tc>
+                <a:extLst>
+                  <a:ext uri="{0D108BD9-81ED-4DB2-BD59-A6C34878D82A}">
+                    <a16:rowId xmlns:a16="http://schemas.microsoft.com/office/drawing/2014/main" val="3368358193"/>
+                  </a:ext>
+                </a:extLst>
+              </a:tr>
+            </a:tbl>
+          </a:graphicData>
+        </a:graphic>
+      </p:graphicFrame>
+    </p:spTree>
+    <p:extLst>
+      <p:ext uri="{BB962C8B-B14F-4D97-AF65-F5344CB8AC3E}">
+        <p14:creationId xmlns:p14="http://schemas.microsoft.com/office/powerpoint/2010/main" val="346345631"/>
+      </p:ext>
+    </p:extLst>
+  </p:cSld>
+  <p:clrMapOvr>
+    <a:masterClrMapping/>
+  </p:clrMapOvr>
+</p:sld>
+</file>
+
+<file path=ppt/slides/slide18.xml><?xml version="1.0" encoding="utf-8"?>
+<p:sld xmlns:a="http://schemas.openxmlformats.org/drawingml/2006/main" xmlns:r="http://schemas.openxmlformats.org/officeDocument/2006/relationships" xmlns:p="http://schemas.openxmlformats.org/presentationml/2006/main">
+  <p:cSld>
+    <p:spTree>
+      <p:nvGrpSpPr>
+        <p:cNvPr id="1" name=""/>
+        <p:cNvGrpSpPr/>
+        <p:nvPr/>
+      </p:nvGrpSpPr>
+      <p:grpSpPr>
+        <a:xfrm>
+          <a:off x="0" y="0"/>
+          <a:ext cx="0" cy="0"/>
+          <a:chOff x="0" y="0"/>
+          <a:chExt cx="0" cy="0"/>
+        </a:xfrm>
+      </p:grpSpPr>
+      <p:sp>
+        <p:nvSpPr>
+          <p:cNvPr id="2" name="Título 1">
+            <a:extLst>
+              <a:ext uri="{FF2B5EF4-FFF2-40B4-BE49-F238E27FC236}">
+                <a16:creationId xmlns:a16="http://schemas.microsoft.com/office/drawing/2014/main" id="{0E69E5FE-D87B-4C61-BDE2-ADE87ADC782D}"/>
+              </a:ext>
+            </a:extLst>
+          </p:cNvPr>
+          <p:cNvSpPr>
+            <a:spLocks noGrp="1"/>
+          </p:cNvSpPr>
+          <p:nvPr>
+            <p:ph type="title"/>
+          </p:nvPr>
+        </p:nvSpPr>
+        <p:spPr/>
+        <p:txBody>
+          <a:bodyPr/>
+          <a:lstStyle/>
+          <a:p>
+            <a:r>
+              <a:rPr lang="pt-BR" dirty="0" err="1"/>
+              <a:t>Firebase</a:t>
+            </a:r>
+            <a:endParaRPr lang="pt-BR" dirty="0"/>
+          </a:p>
+        </p:txBody>
+      </p:sp>
+      <p:sp>
+        <p:nvSpPr>
+          <p:cNvPr id="3" name="Espaço Reservado para Conteúdo 2">
+            <a:extLst>
+              <a:ext uri="{FF2B5EF4-FFF2-40B4-BE49-F238E27FC236}">
+                <a16:creationId xmlns:a16="http://schemas.microsoft.com/office/drawing/2014/main" id="{4540F15E-C72B-4254-9950-AE7DC9005AD2}"/>
+              </a:ext>
+            </a:extLst>
+          </p:cNvPr>
+          <p:cNvSpPr>
+            <a:spLocks noGrp="1"/>
+          </p:cNvSpPr>
+          <p:nvPr>
+            <p:ph idx="1"/>
+          </p:nvPr>
+        </p:nvSpPr>
+        <p:spPr/>
+        <p:txBody>
+          <a:bodyPr/>
+          <a:lstStyle/>
+          <a:p>
+            <a:r>
+              <a:rPr lang="pt-BR" dirty="0"/>
+              <a:t>Conjunto de Aplicações</a:t>
+            </a:r>
+          </a:p>
+          <a:p>
+            <a:pPr lvl="1"/>
+            <a:r>
+              <a:rPr lang="pt-BR" dirty="0"/>
+              <a:t>Desenvolvimento Mobile</a:t>
+            </a:r>
+          </a:p>
+          <a:p>
+            <a:pPr lvl="1"/>
+            <a:r>
+              <a:rPr lang="pt-BR" dirty="0"/>
+              <a:t>Google</a:t>
+            </a:r>
+          </a:p>
+          <a:p>
+            <a:pPr lvl="1"/>
+            <a:r>
+              <a:rPr lang="pt-BR" dirty="0"/>
+              <a:t>https://firebase.google.com/?hl=pt-br</a:t>
+            </a:r>
+          </a:p>
+          <a:p>
+            <a:endParaRPr lang="pt-BR" dirty="0"/>
+          </a:p>
+          <a:p>
+            <a:r>
+              <a:rPr lang="pt-BR" dirty="0" err="1"/>
+              <a:t>Firebase</a:t>
+            </a:r>
+            <a:r>
+              <a:rPr lang="pt-BR" dirty="0"/>
+              <a:t> </a:t>
+            </a:r>
+            <a:r>
+              <a:rPr lang="pt-BR" dirty="0" err="1"/>
+              <a:t>Realtime</a:t>
+            </a:r>
+            <a:r>
+              <a:rPr lang="pt-BR" dirty="0"/>
+              <a:t> </a:t>
+            </a:r>
+            <a:r>
+              <a:rPr lang="pt-BR" dirty="0" err="1"/>
+              <a:t>Database</a:t>
+            </a:r>
+            <a:r>
+              <a:rPr lang="pt-BR" dirty="0"/>
+              <a:t>;</a:t>
+            </a:r>
+          </a:p>
+          <a:p>
+            <a:pPr lvl="1"/>
+            <a:r>
+              <a:rPr lang="pt-BR" dirty="0" err="1"/>
+              <a:t>NoSQL</a:t>
+            </a:r>
+            <a:r>
+              <a:rPr lang="pt-BR" dirty="0"/>
+              <a:t> em nuvem</a:t>
+            </a:r>
+          </a:p>
+          <a:p>
+            <a:pPr lvl="1"/>
+            <a:r>
+              <a:rPr lang="pt-BR" dirty="0" err="1"/>
+              <a:t>Document</a:t>
+            </a:r>
+            <a:endParaRPr lang="pt-BR" dirty="0"/>
+          </a:p>
+          <a:p>
+            <a:pPr lvl="1"/>
+            <a:r>
+              <a:rPr lang="pt-BR" dirty="0"/>
+              <a:t>Android/IOS/Web</a:t>
+            </a:r>
+          </a:p>
+        </p:txBody>
+      </p:sp>
+    </p:spTree>
+    <p:extLst>
+      <p:ext uri="{BB962C8B-B14F-4D97-AF65-F5344CB8AC3E}">
+        <p14:creationId xmlns:p14="http://schemas.microsoft.com/office/powerpoint/2010/main" val="108751742"/>
+      </p:ext>
+    </p:extLst>
+  </p:cSld>
+  <p:clrMapOvr>
+    <a:masterClrMapping/>
+  </p:clrMapOvr>
+</p:sld>
+</file>
+
+<file path=ppt/slides/slide19.xml><?xml version="1.0" encoding="utf-8"?>
+<p:sld xmlns:a="http://schemas.openxmlformats.org/drawingml/2006/main" xmlns:r="http://schemas.openxmlformats.org/officeDocument/2006/relationships" xmlns:p="http://schemas.openxmlformats.org/presentationml/2006/main">
+  <p:cSld>
+    <p:spTree>
+      <p:nvGrpSpPr>
+        <p:cNvPr id="1" name=""/>
+        <p:cNvGrpSpPr/>
+        <p:nvPr/>
+      </p:nvGrpSpPr>
+      <p:grpSpPr>
+        <a:xfrm>
+          <a:off x="0" y="0"/>
+          <a:ext cx="0" cy="0"/>
+          <a:chOff x="0" y="0"/>
+          <a:chExt cx="0" cy="0"/>
+        </a:xfrm>
+      </p:grpSpPr>
+      <p:sp>
+        <p:nvSpPr>
+          <p:cNvPr id="2" name="Título 1">
+            <a:extLst>
+              <a:ext uri="{FF2B5EF4-FFF2-40B4-BE49-F238E27FC236}">
+                <a16:creationId xmlns:a16="http://schemas.microsoft.com/office/drawing/2014/main" id="{C80D4339-29D4-4AE1-8B43-6465EB842874}"/>
+              </a:ext>
+            </a:extLst>
+          </p:cNvPr>
+          <p:cNvSpPr>
+            <a:spLocks noGrp="1"/>
+          </p:cNvSpPr>
+          <p:nvPr>
+            <p:ph type="title"/>
+          </p:nvPr>
+        </p:nvSpPr>
+        <p:spPr/>
+        <p:txBody>
+          <a:bodyPr>
+            <a:normAutofit/>
+          </a:bodyPr>
+          <a:lstStyle/>
+          <a:p>
+            <a:r>
+              <a:rPr lang="pt-BR" dirty="0" err="1"/>
+              <a:t>Firebase</a:t>
+            </a:r>
+            <a:r>
+              <a:rPr lang="pt-BR" dirty="0"/>
+              <a:t> </a:t>
+            </a:r>
+            <a:r>
+              <a:rPr lang="pt-BR" dirty="0" err="1"/>
+              <a:t>Realtime</a:t>
+            </a:r>
+            <a:r>
+              <a:rPr lang="pt-BR" dirty="0"/>
+              <a:t> </a:t>
+            </a:r>
+            <a:r>
+              <a:rPr lang="pt-BR" dirty="0" err="1"/>
+              <a:t>Database</a:t>
+            </a:r>
+            <a:r>
+              <a:rPr lang="pt-BR" dirty="0"/>
+              <a:t>;</a:t>
+            </a:r>
+          </a:p>
+        </p:txBody>
+      </p:sp>
+      <p:sp>
+        <p:nvSpPr>
+          <p:cNvPr id="3" name="Espaço Reservado para Conteúdo 2">
+            <a:extLst>
+              <a:ext uri="{FF2B5EF4-FFF2-40B4-BE49-F238E27FC236}">
+                <a16:creationId xmlns:a16="http://schemas.microsoft.com/office/drawing/2014/main" id="{E54EA083-6501-4557-99B7-9EF572B92B11}"/>
+              </a:ext>
+            </a:extLst>
+          </p:cNvPr>
+          <p:cNvSpPr>
+            <a:spLocks noGrp="1"/>
+          </p:cNvSpPr>
+          <p:nvPr>
+            <p:ph idx="1"/>
+          </p:nvPr>
+        </p:nvSpPr>
+        <p:spPr/>
+        <p:txBody>
+          <a:bodyPr/>
+          <a:lstStyle/>
+          <a:p>
+            <a:r>
+              <a:rPr lang="pt-BR" dirty="0"/>
+              <a:t>Gravar:</a:t>
+            </a:r>
+          </a:p>
+          <a:p>
+            <a:pPr lvl="1"/>
+            <a:r>
+              <a:rPr lang="pt-BR" dirty="0"/>
+              <a:t>POST - </a:t>
+            </a:r>
+            <a:r>
+              <a:rPr lang="pt-BR" dirty="0">
+                <a:hlinkClick r:id="rId2"/>
+              </a:rPr>
+              <a:t>https://ceiot-bd.firebaseio.com/alunos.json</a:t>
+            </a:r>
+            <a:endParaRPr lang="pt-BR" dirty="0"/>
+          </a:p>
+          <a:p>
+            <a:pPr lvl="1"/>
+            <a:endParaRPr lang="pt-BR" dirty="0"/>
+          </a:p>
+          <a:p>
+            <a:pPr marL="0" indent="0">
+              <a:buNone/>
+            </a:pPr>
+            <a:endParaRPr lang="pt-BR" dirty="0"/>
+          </a:p>
+          <a:p>
+            <a:endParaRPr lang="pt-BR" dirty="0"/>
+          </a:p>
+          <a:p>
+            <a:r>
+              <a:rPr lang="pt-BR" dirty="0"/>
+              <a:t>Ler:</a:t>
+            </a:r>
+          </a:p>
+          <a:p>
+            <a:pPr lvl="1"/>
+            <a:r>
+              <a:rPr lang="pt-BR" dirty="0"/>
+              <a:t>GET - </a:t>
+            </a:r>
+            <a:r>
+              <a:rPr lang="pt-BR" dirty="0">
+                <a:hlinkClick r:id="rId2"/>
+              </a:rPr>
+              <a:t>https://ceiot-bd.firebaseio.com/alunos.json</a:t>
+            </a:r>
+            <a:r>
+              <a:rPr lang="pt-BR" dirty="0"/>
+              <a:t>?</a:t>
+            </a:r>
+          </a:p>
+          <a:p>
+            <a:pPr lvl="1"/>
+            <a:endParaRPr lang="pt-BR" dirty="0"/>
+          </a:p>
+        </p:txBody>
+      </p:sp>
+      <p:graphicFrame>
+        <p:nvGraphicFramePr>
+          <p:cNvPr id="4" name="Tabela 3">
+            <a:extLst>
+              <a:ext uri="{FF2B5EF4-FFF2-40B4-BE49-F238E27FC236}">
+                <a16:creationId xmlns:a16="http://schemas.microsoft.com/office/drawing/2014/main" id="{292F9BB8-4834-4E4C-846E-53C4330CEF4E}"/>
+              </a:ext>
+            </a:extLst>
+          </p:cNvPr>
+          <p:cNvGraphicFramePr>
+            <a:graphicFrameLocks noGrp="1"/>
+          </p:cNvGraphicFramePr>
+          <p:nvPr>
+            <p:extLst>
+              <p:ext uri="{D42A27DB-BD31-4B8C-83A1-F6EECF244321}">
+                <p14:modId xmlns:p14="http://schemas.microsoft.com/office/powerpoint/2010/main" val="1207585350"/>
+              </p:ext>
+            </p:extLst>
+          </p:nvPr>
+        </p:nvGraphicFramePr>
+        <p:xfrm>
+          <a:off x="1259632" y="2924944"/>
+          <a:ext cx="6096000" cy="914400"/>
+        </p:xfrm>
+        <a:graphic>
+          <a:graphicData uri="http://schemas.openxmlformats.org/drawingml/2006/table">
+            <a:tbl>
+              <a:tblPr firstRow="1" bandRow="1">
+                <a:tableStyleId>{2D5ABB26-0587-4C30-8999-92F81FD0307C}</a:tableStyleId>
+              </a:tblPr>
+              <a:tblGrid>
+                <a:gridCol w="6096000">
+                  <a:extLst>
+                    <a:ext uri="{9D8B030D-6E8A-4147-A177-3AD203B41FA5}">
+                      <a16:colId xmlns:a16="http://schemas.microsoft.com/office/drawing/2014/main" val="2084086019"/>
+                    </a:ext>
+                  </a:extLst>
+                </a:gridCol>
+              </a:tblGrid>
+              <a:tr h="370840">
+                <a:tc>
+                  <a:txBody>
+                    <a:bodyPr/>
+                    <a:lstStyle/>
+                    <a:p>
+                      <a:r>
+                        <a:rPr lang="pt-BR" dirty="0"/>
+                        <a:t>{</a:t>
+                      </a:r>
+                    </a:p>
+                    <a:p>
+                      <a:r>
+                        <a:rPr lang="pt-BR" dirty="0"/>
+                        <a:t>    "</a:t>
+                      </a:r>
+                      <a:r>
+                        <a:rPr lang="pt-BR" dirty="0" err="1"/>
+                        <a:t>nome":"Leonardo</a:t>
+                      </a:r>
+                      <a:r>
+                        <a:rPr lang="pt-BR" dirty="0"/>
+                        <a:t>“</a:t>
+                      </a:r>
+                    </a:p>
+                    <a:p>
+                      <a:r>
+                        <a:rPr lang="pt-BR" dirty="0"/>
+                        <a:t>}</a:t>
+                      </a:r>
+                    </a:p>
+                  </a:txBody>
+                  <a:tcPr>
+                    <a:lnL w="12700" cap="flat" cmpd="sng" algn="ctr">
+                      <a:solidFill>
+                        <a:schemeClr val="tx1"/>
+                      </a:solidFill>
+                      <a:prstDash val="solid"/>
+                      <a:round/>
+                      <a:headEnd type="none" w="med" len="med"/>
+                      <a:tailEnd type="none" w="med" len="med"/>
+                    </a:lnL>
+                    <a:lnR w="12700" cap="flat" cmpd="sng" algn="ctr">
+                      <a:solidFill>
+                        <a:schemeClr val="tx1"/>
+                      </a:solidFill>
+                      <a:prstDash val="solid"/>
+                      <a:round/>
+                      <a:headEnd type="none" w="med" len="med"/>
+                      <a:tailEnd type="none" w="med" len="med"/>
+                    </a:lnR>
+                    <a:lnT w="12700" cap="flat" cmpd="sng" algn="ctr">
+                      <a:solidFill>
+                        <a:schemeClr val="tx1"/>
+                      </a:solidFill>
+                      <a:prstDash val="solid"/>
+                      <a:round/>
+                      <a:headEnd type="none" w="med" len="med"/>
+                      <a:tailEnd type="none" w="med" len="med"/>
+                    </a:lnT>
+                    <a:lnB w="12700" cap="flat" cmpd="sng" algn="ctr">
+                      <a:solidFill>
+                        <a:schemeClr val="tx1"/>
+                      </a:solidFill>
+                      <a:prstDash val="solid"/>
+                      <a:round/>
+                      <a:headEnd type="none" w="med" len="med"/>
+                      <a:tailEnd type="none" w="med" len="med"/>
+                    </a:lnB>
+                  </a:tcPr>
+                </a:tc>
+                <a:extLst>
+                  <a:ext uri="{0D108BD9-81ED-4DB2-BD59-A6C34878D82A}">
+                    <a16:rowId xmlns:a16="http://schemas.microsoft.com/office/drawing/2014/main" val="2277701635"/>
+                  </a:ext>
+                </a:extLst>
+              </a:tr>
+            </a:tbl>
+          </a:graphicData>
+        </a:graphic>
+      </p:graphicFrame>
+    </p:spTree>
+    <p:extLst>
+      <p:ext uri="{BB962C8B-B14F-4D97-AF65-F5344CB8AC3E}">
+        <p14:creationId xmlns:p14="http://schemas.microsoft.com/office/powerpoint/2010/main" val="1590166187"/>
+      </p:ext>
+    </p:extLst>
+  </p:cSld>
+  <p:clrMapOvr>
+    <a:masterClrMapping/>
+  </p:clrMapOvr>
+</p:sld>
+</file>
+
+<file path=ppt/slides/slide2.xml><?xml version="1.0" encoding="utf-8"?>
+<p:sld xmlns:a="http://schemas.openxmlformats.org/drawingml/2006/main" xmlns:r="http://schemas.openxmlformats.org/officeDocument/2006/relationships" xmlns:p="http://schemas.openxmlformats.org/presentationml/2006/main">
+  <p:cSld>
+    <p:spTree>
+      <p:nvGrpSpPr>
+        <p:cNvPr id="1" name=""/>
+        <p:cNvGrpSpPr/>
+        <p:nvPr/>
+      </p:nvGrpSpPr>
+      <p:grpSpPr>
+        <a:xfrm>
+          <a:off x="0" y="0"/>
+          <a:ext cx="0" cy="0"/>
+          <a:chOff x="0" y="0"/>
+          <a:chExt cx="0" cy="0"/>
+        </a:xfrm>
+      </p:grpSpPr>
+      <p:sp>
+        <p:nvSpPr>
+          <p:cNvPr id="2" name="Título 1"/>
+          <p:cNvSpPr>
+            <a:spLocks noGrp="1"/>
+          </p:cNvSpPr>
+          <p:nvPr>
+            <p:ph type="title"/>
+          </p:nvPr>
+        </p:nvSpPr>
+        <p:spPr/>
+        <p:txBody>
+          <a:bodyPr/>
+          <a:lstStyle/>
+          <a:p>
+            <a:r>
+              <a:rPr lang="pt-BR" dirty="0"/>
+              <a:t>Armazenar e Consumir Dados</a:t>
+            </a:r>
+          </a:p>
+        </p:txBody>
+      </p:sp>
+      <p:pic>
+        <p:nvPicPr>
+          <p:cNvPr id="1026" name="Picture 2" descr="Resultado de imagem para Oracle Rest"/>
+          <p:cNvPicPr>
+            <a:picLocks noChangeAspect="1" noChangeArrowheads="1"/>
+          </p:cNvPicPr>
+          <p:nvPr/>
+        </p:nvPicPr>
+        <p:blipFill>
+          <a:blip r:embed="rId2">
+            <a:extLst>
+              <a:ext uri="{28A0092B-C50C-407E-A947-70E740481C1C}">
+                <a14:useLocalDpi xmlns:a14="http://schemas.microsoft.com/office/drawing/2010/main" val="0"/>
+              </a:ext>
+            </a:extLst>
+          </a:blip>
+          <a:srcRect/>
+          <a:stretch>
+            <a:fillRect/>
+          </a:stretch>
+        </p:blipFill>
+        <p:spPr bwMode="auto">
+          <a:xfrm>
+            <a:off x="971600" y="2348880"/>
+            <a:ext cx="7143750" cy="3600451"/>
+          </a:xfrm>
+          <a:prstGeom prst="rect">
+            <a:avLst/>
+          </a:prstGeom>
+          <a:noFill/>
+          <a:extLst>
+            <a:ext uri="{909E8E84-426E-40DD-AFC4-6F175D3DCCD1}">
+              <a14:hiddenFill xmlns:a14="http://schemas.microsoft.com/office/drawing/2010/main">
+                <a:solidFill>
+                  <a:srgbClr val="FFFFFF"/>
+                </a:solidFill>
+              </a14:hiddenFill>
+            </a:ext>
+          </a:extLst>
+        </p:spPr>
+      </p:pic>
+    </p:spTree>
+    <p:extLst>
+      <p:ext uri="{BB962C8B-B14F-4D97-AF65-F5344CB8AC3E}">
+        <p14:creationId xmlns:p14="http://schemas.microsoft.com/office/powerpoint/2010/main" val="658012376"/>
+      </p:ext>
+    </p:extLst>
+  </p:cSld>
+  <p:clrMapOvr>
+    <a:masterClrMapping/>
+  </p:clrMapOvr>
+</p:sld>
+</file>
+
+<file path=ppt/slides/slide20.xml><?xml version="1.0" encoding="utf-8"?>
+<p:sld xmlns:a="http://schemas.openxmlformats.org/drawingml/2006/main" xmlns:r="http://schemas.openxmlformats.org/officeDocument/2006/relationships" xmlns:p="http://schemas.openxmlformats.org/presentationml/2006/main">
+  <p:cSld>
+    <p:spTree>
+      <p:nvGrpSpPr>
+        <p:cNvPr id="1" name=""/>
+        <p:cNvGrpSpPr/>
+        <p:nvPr/>
+      </p:nvGrpSpPr>
+      <p:grpSpPr>
+        <a:xfrm>
+          <a:off x="0" y="0"/>
+          <a:ext cx="0" cy="0"/>
+          <a:chOff x="0" y="0"/>
+          <a:chExt cx="0" cy="0"/>
+        </a:xfrm>
+      </p:grpSpPr>
+      <p:sp>
+        <p:nvSpPr>
+          <p:cNvPr id="2" name="Título 1"/>
+          <p:cNvSpPr>
+            <a:spLocks noGrp="1"/>
+          </p:cNvSpPr>
+          <p:nvPr>
+            <p:ph type="title"/>
+          </p:nvPr>
+        </p:nvSpPr>
+        <p:spPr/>
+        <p:txBody>
+          <a:bodyPr/>
+          <a:lstStyle/>
+          <a:p>
+            <a:r>
+              <a:rPr lang="pt-BR" dirty="0" err="1"/>
+              <a:t>CouchDB</a:t>
+            </a:r>
+            <a:endParaRPr lang="pt-BR" dirty="0"/>
+          </a:p>
+        </p:txBody>
+      </p:sp>
+      <p:sp>
+        <p:nvSpPr>
+          <p:cNvPr id="3" name="Espaço Reservado para Conteúdo 2"/>
+          <p:cNvSpPr>
+            <a:spLocks noGrp="1"/>
+          </p:cNvSpPr>
+          <p:nvPr>
+            <p:ph idx="1"/>
+          </p:nvPr>
+        </p:nvSpPr>
+        <p:spPr/>
+        <p:txBody>
+          <a:bodyPr/>
+          <a:lstStyle/>
+          <a:p>
+            <a:r>
+              <a:rPr lang="pt-BR" dirty="0" err="1"/>
+              <a:t>Document</a:t>
+            </a:r>
+            <a:r>
+              <a:rPr lang="pt-BR" dirty="0"/>
+              <a:t> </a:t>
+            </a:r>
+            <a:r>
+              <a:rPr lang="pt-BR" dirty="0" err="1"/>
+              <a:t>Based</a:t>
+            </a:r>
+            <a:r>
+              <a:rPr lang="pt-BR" dirty="0"/>
+              <a:t>:</a:t>
+            </a:r>
+          </a:p>
+          <a:p>
+            <a:pPr lvl="1"/>
+            <a:r>
+              <a:rPr lang="pt-BR" dirty="0"/>
+              <a:t>JSON;</a:t>
+            </a:r>
+          </a:p>
+          <a:p>
+            <a:endParaRPr lang="pt-BR" dirty="0"/>
+          </a:p>
+          <a:p>
+            <a:r>
+              <a:rPr lang="pt-BR" dirty="0"/>
+              <a:t>REST;</a:t>
+            </a:r>
+          </a:p>
+          <a:p>
+            <a:endParaRPr lang="pt-BR" dirty="0"/>
+          </a:p>
+          <a:p>
+            <a:r>
+              <a:rPr lang="pt-BR" dirty="0"/>
+              <a:t>http://couchdb.apache.org/</a:t>
+            </a:r>
+          </a:p>
+        </p:txBody>
+      </p:sp>
+    </p:spTree>
+    <p:extLst>
+      <p:ext uri="{BB962C8B-B14F-4D97-AF65-F5344CB8AC3E}">
+        <p14:creationId xmlns:p14="http://schemas.microsoft.com/office/powerpoint/2010/main" val="977149170"/>
+      </p:ext>
+    </p:extLst>
+  </p:cSld>
+  <p:clrMapOvr>
+    <a:masterClrMapping/>
+  </p:clrMapOvr>
+</p:sld>
+</file>
+
+<file path=ppt/slides/slide21.xml><?xml version="1.0" encoding="utf-8"?>
+<p:sld xmlns:a="http://schemas.openxmlformats.org/drawingml/2006/main" xmlns:r="http://schemas.openxmlformats.org/officeDocument/2006/relationships" xmlns:p="http://schemas.openxmlformats.org/presentationml/2006/main">
+  <p:cSld>
+    <p:spTree>
+      <p:nvGrpSpPr>
+        <p:cNvPr id="1" name=""/>
+        <p:cNvGrpSpPr/>
+        <p:nvPr/>
+      </p:nvGrpSpPr>
+      <p:grpSpPr>
+        <a:xfrm>
+          <a:off x="0" y="0"/>
+          <a:ext cx="0" cy="0"/>
+          <a:chOff x="0" y="0"/>
+          <a:chExt cx="0" cy="0"/>
+        </a:xfrm>
+      </p:grpSpPr>
+      <p:sp>
+        <p:nvSpPr>
+          <p:cNvPr id="2" name="Título 1">
+            <a:extLst>
+              <a:ext uri="{FF2B5EF4-FFF2-40B4-BE49-F238E27FC236}">
+                <a16:creationId xmlns:a16="http://schemas.microsoft.com/office/drawing/2014/main" id="{8A0D1AFC-9F46-4AC9-96E6-8F933E403C86}"/>
+              </a:ext>
+            </a:extLst>
+          </p:cNvPr>
+          <p:cNvSpPr>
+            <a:spLocks noGrp="1"/>
+          </p:cNvSpPr>
+          <p:nvPr>
+            <p:ph type="title"/>
+          </p:nvPr>
+        </p:nvSpPr>
+        <p:spPr/>
+        <p:txBody>
+          <a:bodyPr/>
+          <a:lstStyle/>
+          <a:p>
+            <a:r>
+              <a:rPr lang="pt-BR" dirty="0"/>
+              <a:t>Redis</a:t>
+            </a:r>
+          </a:p>
+        </p:txBody>
+      </p:sp>
+      <p:sp>
+        <p:nvSpPr>
+          <p:cNvPr id="3" name="Espaço Reservado para Conteúdo 2">
+            <a:extLst>
+              <a:ext uri="{FF2B5EF4-FFF2-40B4-BE49-F238E27FC236}">
+                <a16:creationId xmlns:a16="http://schemas.microsoft.com/office/drawing/2014/main" id="{F373C983-438E-4057-8FEF-DDE93CBD2629}"/>
+              </a:ext>
+            </a:extLst>
+          </p:cNvPr>
+          <p:cNvSpPr>
+            <a:spLocks noGrp="1"/>
+          </p:cNvSpPr>
+          <p:nvPr>
+            <p:ph idx="1"/>
+          </p:nvPr>
+        </p:nvSpPr>
+        <p:spPr/>
+        <p:txBody>
+          <a:bodyPr>
+            <a:normAutofit fontScale="92500" lnSpcReduction="20000"/>
+          </a:bodyPr>
+          <a:lstStyle/>
+          <a:p>
+            <a:r>
+              <a:rPr lang="pt-BR" dirty="0"/>
+              <a:t>Banco de dados em memória</a:t>
+            </a:r>
+          </a:p>
+          <a:p>
+            <a:pPr lvl="1"/>
+            <a:r>
+              <a:rPr lang="pt-BR" dirty="0"/>
+              <a:t>Cache</a:t>
+            </a:r>
+          </a:p>
+          <a:p>
+            <a:pPr lvl="1"/>
+            <a:r>
+              <a:rPr lang="pt-BR" dirty="0"/>
+              <a:t>Chat, sistemas de mensagens e filas</a:t>
+            </a:r>
+          </a:p>
+          <a:p>
+            <a:pPr lvl="1"/>
+            <a:r>
+              <a:rPr lang="pt-BR" dirty="0"/>
+              <a:t>Armazenamento de sessões</a:t>
+            </a:r>
+          </a:p>
+          <a:p>
+            <a:pPr lvl="1"/>
+            <a:r>
+              <a:rPr lang="pt-BR" dirty="0"/>
+              <a:t>Análise em tempo real</a:t>
+            </a:r>
+          </a:p>
+          <a:p>
+            <a:pPr lvl="1"/>
+            <a:endParaRPr lang="pt-BR" dirty="0"/>
+          </a:p>
+          <a:p>
+            <a:r>
+              <a:rPr lang="pt-BR" dirty="0"/>
+              <a:t>Chave-Valor</a:t>
+            </a:r>
+          </a:p>
+          <a:p>
+            <a:pPr lvl="1"/>
+            <a:r>
+              <a:rPr lang="pt-BR" dirty="0"/>
+              <a:t>Durabilidade Opcional</a:t>
+            </a:r>
+          </a:p>
+          <a:p>
+            <a:endParaRPr lang="pt-BR" dirty="0"/>
+          </a:p>
+          <a:p>
+            <a:r>
+              <a:rPr lang="pt-BR" dirty="0"/>
+              <a:t>Backup para disco.</a:t>
+            </a:r>
+          </a:p>
+          <a:p>
+            <a:endParaRPr lang="pt-BR" dirty="0"/>
+          </a:p>
+          <a:p>
+            <a:r>
+              <a:rPr lang="pt-BR" dirty="0"/>
+              <a:t>http://try.redis.io/</a:t>
+            </a:r>
+          </a:p>
+        </p:txBody>
+      </p:sp>
+    </p:spTree>
+    <p:extLst>
+      <p:ext uri="{BB962C8B-B14F-4D97-AF65-F5344CB8AC3E}">
+        <p14:creationId xmlns:p14="http://schemas.microsoft.com/office/powerpoint/2010/main" val="3478162901"/>
+      </p:ext>
+    </p:extLst>
+  </p:cSld>
+  <p:clrMapOvr>
+    <a:masterClrMapping/>
+  </p:clrMapOvr>
+</p:sld>
+</file>
+
+<file path=ppt/slides/slide22.xml><?xml version="1.0" encoding="utf-8"?>
+<p:sld xmlns:a="http://schemas.openxmlformats.org/drawingml/2006/main" xmlns:r="http://schemas.openxmlformats.org/officeDocument/2006/relationships" xmlns:p="http://schemas.openxmlformats.org/presentationml/2006/main">
+  <p:cSld>
+    <p:spTree>
+      <p:nvGrpSpPr>
+        <p:cNvPr id="1" name=""/>
+        <p:cNvGrpSpPr/>
+        <p:nvPr/>
+      </p:nvGrpSpPr>
+      <p:grpSpPr>
+        <a:xfrm>
+          <a:off x="0" y="0"/>
+          <a:ext cx="0" cy="0"/>
+          <a:chOff x="0" y="0"/>
+          <a:chExt cx="0" cy="0"/>
+        </a:xfrm>
+      </p:grpSpPr>
+      <p:sp>
+        <p:nvSpPr>
+          <p:cNvPr id="2" name="Título 1">
+            <a:extLst>
+              <a:ext uri="{FF2B5EF4-FFF2-40B4-BE49-F238E27FC236}">
+                <a16:creationId xmlns:a16="http://schemas.microsoft.com/office/drawing/2014/main" id="{637EACD4-5F59-4F3E-8B7C-2F7605AFCB73}"/>
+              </a:ext>
+            </a:extLst>
+          </p:cNvPr>
+          <p:cNvSpPr>
+            <a:spLocks noGrp="1"/>
+          </p:cNvSpPr>
+          <p:nvPr>
+            <p:ph type="title"/>
+          </p:nvPr>
+        </p:nvSpPr>
+        <p:spPr/>
+        <p:txBody>
+          <a:bodyPr/>
+          <a:lstStyle/>
+          <a:p>
+            <a:r>
+              <a:rPr lang="pt-BR" dirty="0"/>
+              <a:t>Projeto</a:t>
+            </a:r>
+          </a:p>
+        </p:txBody>
+      </p:sp>
+      <p:sp>
+        <p:nvSpPr>
+          <p:cNvPr id="3" name="Espaço Reservado para Conteúdo 2">
+            <a:extLst>
+              <a:ext uri="{FF2B5EF4-FFF2-40B4-BE49-F238E27FC236}">
+                <a16:creationId xmlns:a16="http://schemas.microsoft.com/office/drawing/2014/main" id="{C21E997A-EEAF-4A01-936C-5A8CAE18BACA}"/>
+              </a:ext>
+            </a:extLst>
+          </p:cNvPr>
+          <p:cNvSpPr>
+            <a:spLocks noGrp="1"/>
+          </p:cNvSpPr>
+          <p:nvPr>
+            <p:ph idx="1"/>
+          </p:nvPr>
+        </p:nvSpPr>
+        <p:spPr/>
+        <p:txBody>
+          <a:bodyPr>
+            <a:normAutofit lnSpcReduction="10000"/>
+          </a:bodyPr>
+          <a:lstStyle/>
+          <a:p>
+            <a:r>
+              <a:rPr lang="pt-BR" dirty="0"/>
+              <a:t>Projeto do banco de dados;</a:t>
+            </a:r>
+          </a:p>
+          <a:p>
+            <a:endParaRPr lang="pt-BR" dirty="0"/>
+          </a:p>
+          <a:p>
+            <a:r>
+              <a:rPr lang="pt-BR" dirty="0"/>
+              <a:t>Implementar um banco de dados;</a:t>
+            </a:r>
+          </a:p>
+          <a:p>
+            <a:endParaRPr lang="pt-BR" dirty="0"/>
+          </a:p>
+          <a:p>
+            <a:r>
+              <a:rPr lang="pt-BR" dirty="0"/>
+              <a:t>Inserir dados fictícios;</a:t>
+            </a:r>
+          </a:p>
+          <a:p>
+            <a:endParaRPr lang="pt-BR" dirty="0"/>
+          </a:p>
+          <a:p>
+            <a:r>
+              <a:rPr lang="pt-BR" dirty="0"/>
+              <a:t>Criar consultas para extrair informações do banco (Fazendo uso de JOIN, HAVING, ...);</a:t>
+            </a:r>
+          </a:p>
+          <a:p>
+            <a:endParaRPr lang="pt-BR" dirty="0"/>
+          </a:p>
+          <a:p>
+            <a:r>
+              <a:rPr lang="pt-BR" dirty="0"/>
+              <a:t>Aplicação WEB com REST para consumir os dados;</a:t>
+            </a:r>
+          </a:p>
+          <a:p>
+            <a:endParaRPr lang="pt-BR" dirty="0"/>
+          </a:p>
+        </p:txBody>
+      </p:sp>
+    </p:spTree>
+    <p:extLst>
+      <p:ext uri="{BB962C8B-B14F-4D97-AF65-F5344CB8AC3E}">
+        <p14:creationId xmlns:p14="http://schemas.microsoft.com/office/powerpoint/2010/main" val="2036509588"/>
+      </p:ext>
+    </p:extLst>
+  </p:cSld>
+  <p:clrMapOvr>
+    <a:masterClrMapping/>
+  </p:clrMapOvr>
+</p:sld>
+</file>
+
+<file path=ppt/slides/slide3.xml><?xml version="1.0" encoding="utf-8"?>
+<p:sld xmlns:a="http://schemas.openxmlformats.org/drawingml/2006/main" xmlns:r="http://schemas.openxmlformats.org/officeDocument/2006/relationships" xmlns:p="http://schemas.openxmlformats.org/presentationml/2006/main">
+  <p:cSld>
+    <p:spTree>
+      <p:nvGrpSpPr>
+        <p:cNvPr id="1" name=""/>
+        <p:cNvGrpSpPr/>
+        <p:nvPr/>
+      </p:nvGrpSpPr>
+      <p:grpSpPr>
+        <a:xfrm>
+          <a:off x="0" y="0"/>
+          <a:ext cx="0" cy="0"/>
+          <a:chOff x="0" y="0"/>
+          <a:chExt cx="0" cy="0"/>
+        </a:xfrm>
+      </p:grpSpPr>
+      <p:sp>
+        <p:nvSpPr>
+          <p:cNvPr id="2" name="Título 1"/>
+          <p:cNvSpPr>
+            <a:spLocks noGrp="1"/>
+          </p:cNvSpPr>
+          <p:nvPr>
+            <p:ph type="title"/>
+          </p:nvPr>
+        </p:nvSpPr>
+        <p:spPr/>
+        <p:txBody>
+          <a:bodyPr/>
+          <a:lstStyle/>
+          <a:p>
+            <a:r>
+              <a:rPr lang="pt-BR" dirty="0"/>
+              <a:t>Armazenar e Consumir Dados</a:t>
+            </a:r>
+          </a:p>
+        </p:txBody>
+      </p:sp>
+      <p:pic>
+        <p:nvPicPr>
+          <p:cNvPr id="4" name="Picture 2" descr="Resultado de imagem"/>
+          <p:cNvPicPr>
+            <a:picLocks noChangeAspect="1" noChangeArrowheads="1"/>
+          </p:cNvPicPr>
+          <p:nvPr/>
+        </p:nvPicPr>
+        <p:blipFill>
+          <a:blip r:embed="rId2">
+            <a:extLst>
+              <a:ext uri="{28A0092B-C50C-407E-A947-70E740481C1C}">
+                <a14:useLocalDpi xmlns:a14="http://schemas.microsoft.com/office/drawing/2010/main" val="0"/>
+              </a:ext>
+            </a:extLst>
+          </a:blip>
+          <a:srcRect/>
+          <a:stretch>
+            <a:fillRect/>
+          </a:stretch>
+        </p:blipFill>
+        <p:spPr bwMode="auto">
+          <a:xfrm>
+            <a:off x="1800137" y="1724025"/>
+            <a:ext cx="5572125" cy="5133975"/>
+          </a:xfrm>
+          <a:prstGeom prst="rect">
+            <a:avLst/>
+          </a:prstGeom>
+          <a:noFill/>
+          <a:extLst>
+            <a:ext uri="{909E8E84-426E-40DD-AFC4-6F175D3DCCD1}">
+              <a14:hiddenFill xmlns:a14="http://schemas.microsoft.com/office/drawing/2010/main">
+                <a:solidFill>
+                  <a:srgbClr val="FFFFFF"/>
+                </a:solidFill>
+              </a14:hiddenFill>
+            </a:ext>
+          </a:extLst>
+        </p:spPr>
+      </p:pic>
+    </p:spTree>
+    <p:extLst>
+      <p:ext uri="{BB962C8B-B14F-4D97-AF65-F5344CB8AC3E}">
+        <p14:creationId xmlns:p14="http://schemas.microsoft.com/office/powerpoint/2010/main" val="2928780596"/>
+      </p:ext>
+    </p:extLst>
+  </p:cSld>
+  <p:clrMapOvr>
+    <a:masterClrMapping/>
+  </p:clrMapOvr>
+</p:sld>
+</file>
+
+<file path=ppt/slides/slide4.xml><?xml version="1.0" encoding="utf-8"?>
+<p:sld xmlns:a="http://schemas.openxmlformats.org/drawingml/2006/main" xmlns:r="http://schemas.openxmlformats.org/officeDocument/2006/relationships" xmlns:p="http://schemas.openxmlformats.org/presentationml/2006/main">
+  <p:cSld>
+    <p:spTree>
+      <p:nvGrpSpPr>
+        <p:cNvPr id="1" name=""/>
+        <p:cNvGrpSpPr/>
+        <p:nvPr/>
+      </p:nvGrpSpPr>
+      <p:grpSpPr>
+        <a:xfrm>
+          <a:off x="0" y="0"/>
+          <a:ext cx="0" cy="0"/>
+          <a:chOff x="0" y="0"/>
+          <a:chExt cx="0" cy="0"/>
+        </a:xfrm>
+      </p:grpSpPr>
+      <p:sp>
+        <p:nvSpPr>
+          <p:cNvPr id="6" name="Título 5"/>
+          <p:cNvSpPr>
+            <a:spLocks noGrp="1"/>
+          </p:cNvSpPr>
+          <p:nvPr>
+            <p:ph type="title"/>
+          </p:nvPr>
+        </p:nvSpPr>
+        <p:spPr/>
+        <p:txBody>
+          <a:bodyPr/>
+          <a:lstStyle/>
+          <a:p>
+            <a:r>
+              <a:rPr lang="pt-BR" dirty="0" err="1"/>
+              <a:t>NoSQL</a:t>
+            </a:r>
+            <a:r>
+              <a:rPr lang="pt-BR" dirty="0"/>
+              <a:t> – </a:t>
+            </a:r>
+            <a:r>
+              <a:rPr lang="pt-BR" dirty="0" err="1"/>
+              <a:t>Not</a:t>
+            </a:r>
+            <a:r>
+              <a:rPr lang="pt-BR" dirty="0"/>
+              <a:t> </a:t>
+            </a:r>
+            <a:r>
+              <a:rPr lang="pt-BR" dirty="0" err="1"/>
+              <a:t>Only</a:t>
+            </a:r>
+            <a:r>
+              <a:rPr lang="pt-BR" dirty="0"/>
+              <a:t> SQL</a:t>
+            </a:r>
+          </a:p>
+        </p:txBody>
+      </p:sp>
+      <p:pic>
+        <p:nvPicPr>
+          <p:cNvPr id="3074" name="Picture 2" descr="Resultado de imagem para NoSQL"/>
+          <p:cNvPicPr>
+            <a:picLocks noChangeAspect="1" noChangeArrowheads="1"/>
+          </p:cNvPicPr>
+          <p:nvPr/>
+        </p:nvPicPr>
+        <p:blipFill>
+          <a:blip r:embed="rId2">
+            <a:extLst>
+              <a:ext uri="{28A0092B-C50C-407E-A947-70E740481C1C}">
+                <a14:useLocalDpi xmlns:a14="http://schemas.microsoft.com/office/drawing/2010/main" val="0"/>
+              </a:ext>
+            </a:extLst>
+          </a:blip>
+          <a:srcRect/>
+          <a:stretch>
+            <a:fillRect/>
+          </a:stretch>
+        </p:blipFill>
+        <p:spPr bwMode="auto">
+          <a:xfrm>
+            <a:off x="611560" y="2238350"/>
+            <a:ext cx="7620000" cy="2990850"/>
+          </a:xfrm>
+          <a:prstGeom prst="rect">
+            <a:avLst/>
+          </a:prstGeom>
+          <a:noFill/>
+          <a:extLst>
+            <a:ext uri="{909E8E84-426E-40DD-AFC4-6F175D3DCCD1}">
+              <a14:hiddenFill xmlns:a14="http://schemas.microsoft.com/office/drawing/2010/main">
+                <a:solidFill>
+                  <a:srgbClr val="FFFFFF"/>
+                </a:solidFill>
+              </a14:hiddenFill>
+            </a:ext>
+          </a:extLst>
+        </p:spPr>
+      </p:pic>
+    </p:spTree>
+    <p:extLst>
+      <p:ext uri="{BB962C8B-B14F-4D97-AF65-F5344CB8AC3E}">
+        <p14:creationId xmlns:p14="http://schemas.microsoft.com/office/powerpoint/2010/main" val="532276137"/>
+      </p:ext>
+    </p:extLst>
+  </p:cSld>
+  <p:clrMapOvr>
+    <a:masterClrMapping/>
+  </p:clrMapOvr>
+</p:sld>
+</file>
+
+<file path=ppt/slides/slide5.xml><?xml version="1.0" encoding="utf-8"?>
+<p:sld xmlns:a="http://schemas.openxmlformats.org/drawingml/2006/main" xmlns:r="http://schemas.openxmlformats.org/officeDocument/2006/relationships" xmlns:p="http://schemas.openxmlformats.org/presentationml/2006/main">
+  <p:cSld>
+    <p:spTree>
+      <p:nvGrpSpPr>
+        <p:cNvPr id="1" name=""/>
+        <p:cNvGrpSpPr/>
+        <p:nvPr/>
+      </p:nvGrpSpPr>
+      <p:grpSpPr>
+        <a:xfrm>
+          <a:off x="0" y="0"/>
+          <a:ext cx="0" cy="0"/>
+          <a:chOff x="0" y="0"/>
+          <a:chExt cx="0" cy="0"/>
+        </a:xfrm>
+      </p:grpSpPr>
+      <p:sp>
+        <p:nvSpPr>
+          <p:cNvPr id="2" name="Título 1">
+            <a:extLst>
+              <a:ext uri="{FF2B5EF4-FFF2-40B4-BE49-F238E27FC236}">
+                <a16:creationId xmlns:a16="http://schemas.microsoft.com/office/drawing/2014/main" id="{3C30239B-795D-458D-8DD2-EEB6880372BA}"/>
+              </a:ext>
+            </a:extLst>
+          </p:cNvPr>
+          <p:cNvSpPr>
+            <a:spLocks noGrp="1"/>
+          </p:cNvSpPr>
+          <p:nvPr>
+            <p:ph type="title"/>
+          </p:nvPr>
+        </p:nvSpPr>
+        <p:spPr/>
+        <p:txBody>
+          <a:bodyPr/>
+          <a:lstStyle/>
+          <a:p>
+            <a:r>
+              <a:rPr lang="pt-BR" dirty="0"/>
+              <a:t>Porque </a:t>
+            </a:r>
+            <a:r>
+              <a:rPr lang="pt-BR" dirty="0" err="1"/>
+              <a:t>NoSQL</a:t>
+            </a:r>
+            <a:r>
+              <a:rPr lang="pt-BR" dirty="0"/>
+              <a:t>?</a:t>
+            </a:r>
+          </a:p>
+        </p:txBody>
+      </p:sp>
+      <p:sp>
+        <p:nvSpPr>
+          <p:cNvPr id="3" name="Espaço Reservado para Conteúdo 2">
+            <a:extLst>
+              <a:ext uri="{FF2B5EF4-FFF2-40B4-BE49-F238E27FC236}">
+                <a16:creationId xmlns:a16="http://schemas.microsoft.com/office/drawing/2014/main" id="{EE12D5A4-B931-4BBB-806C-86CCE8FD590F}"/>
+              </a:ext>
+            </a:extLst>
+          </p:cNvPr>
+          <p:cNvSpPr>
+            <a:spLocks noGrp="1"/>
+          </p:cNvSpPr>
+          <p:nvPr>
+            <p:ph idx="1"/>
+          </p:nvPr>
+        </p:nvSpPr>
+        <p:spPr/>
+        <p:txBody>
+          <a:bodyPr>
+            <a:normAutofit fontScale="85000" lnSpcReduction="20000"/>
+          </a:bodyPr>
+          <a:lstStyle/>
+          <a:p>
+            <a:r>
+              <a:rPr lang="pt-BR" dirty="0"/>
+              <a:t>Variedade de dados:</a:t>
+            </a:r>
+          </a:p>
+          <a:p>
+            <a:pPr lvl="1"/>
+            <a:r>
+              <a:rPr lang="pt-BR" dirty="0"/>
+              <a:t>Diferentes estruturas;</a:t>
+            </a:r>
+          </a:p>
+          <a:p>
+            <a:pPr lvl="1"/>
+            <a:r>
+              <a:rPr lang="pt-BR" dirty="0"/>
+              <a:t>JSON, XML, Imagens, </a:t>
+            </a:r>
+            <a:r>
+              <a:rPr lang="pt-BR" dirty="0" err="1"/>
+              <a:t>Videos</a:t>
+            </a:r>
+            <a:r>
+              <a:rPr lang="pt-BR" dirty="0"/>
+              <a:t>,...</a:t>
+            </a:r>
+          </a:p>
+          <a:p>
+            <a:endParaRPr lang="pt-BR" dirty="0"/>
+          </a:p>
+          <a:p>
+            <a:r>
+              <a:rPr lang="pt-BR" dirty="0"/>
+              <a:t>Crescimento da Quantidade de Dados:</a:t>
+            </a:r>
+          </a:p>
+          <a:p>
+            <a:pPr lvl="1"/>
+            <a:r>
+              <a:rPr lang="pt-BR" dirty="0"/>
+              <a:t>Escalabilidade;</a:t>
+            </a:r>
+          </a:p>
+          <a:p>
+            <a:pPr lvl="1"/>
+            <a:endParaRPr lang="pt-BR" dirty="0"/>
+          </a:p>
+          <a:p>
+            <a:r>
+              <a:rPr lang="pt-BR" dirty="0"/>
+              <a:t>Velocidade:</a:t>
+            </a:r>
+          </a:p>
+          <a:p>
+            <a:pPr lvl="1"/>
+            <a:r>
+              <a:rPr lang="pt-BR" dirty="0"/>
+              <a:t>Análise de dados em tempo real;</a:t>
+            </a:r>
+          </a:p>
+          <a:p>
+            <a:pPr lvl="1"/>
+            <a:endParaRPr lang="pt-BR" dirty="0"/>
+          </a:p>
+          <a:p>
+            <a:r>
+              <a:rPr lang="pt-BR" dirty="0"/>
+              <a:t>Veracidade:</a:t>
+            </a:r>
+          </a:p>
+          <a:p>
+            <a:pPr lvl="1"/>
+            <a:r>
+              <a:rPr lang="pt-BR" dirty="0"/>
+              <a:t>Os dados nem sempre são precisos;</a:t>
+            </a:r>
+          </a:p>
+          <a:p>
+            <a:pPr lvl="1"/>
+            <a:r>
+              <a:rPr lang="pt-BR" dirty="0"/>
+              <a:t>Eventual consistência;</a:t>
+            </a:r>
+          </a:p>
+          <a:p>
+            <a:pPr lvl="1"/>
+            <a:endParaRPr lang="pt-BR" dirty="0"/>
+          </a:p>
+        </p:txBody>
+      </p:sp>
+    </p:spTree>
+    <p:extLst>
+      <p:ext uri="{BB962C8B-B14F-4D97-AF65-F5344CB8AC3E}">
+        <p14:creationId xmlns:p14="http://schemas.microsoft.com/office/powerpoint/2010/main" val="1642181884"/>
+      </p:ext>
+    </p:extLst>
+  </p:cSld>
+  <p:clrMapOvr>
+    <a:masterClrMapping/>
+  </p:clrMapOvr>
+</p:sld>
+</file>
+
+<file path=ppt/slides/slide6.xml><?xml version="1.0" encoding="utf-8"?>
+<p:sld xmlns:a="http://schemas.openxmlformats.org/drawingml/2006/main" xmlns:r="http://schemas.openxmlformats.org/officeDocument/2006/relationships" xmlns:p="http://schemas.openxmlformats.org/presentationml/2006/main">
+  <p:cSld>
+    <p:spTree>
+      <p:nvGrpSpPr>
+        <p:cNvPr id="1" name=""/>
+        <p:cNvGrpSpPr/>
+        <p:nvPr/>
+      </p:nvGrpSpPr>
+      <p:grpSpPr>
+        <a:xfrm>
+          <a:off x="0" y="0"/>
+          <a:ext cx="0" cy="0"/>
+          <a:chOff x="0" y="0"/>
+          <a:chExt cx="0" cy="0"/>
+        </a:xfrm>
+      </p:grpSpPr>
+      <p:sp>
+        <p:nvSpPr>
+          <p:cNvPr id="2" name="Título 1">
+            <a:extLst>
+              <a:ext uri="{FF2B5EF4-FFF2-40B4-BE49-F238E27FC236}">
+                <a16:creationId xmlns:a16="http://schemas.microsoft.com/office/drawing/2014/main" id="{ED38A691-8457-4F93-AAB9-DA1CAD751D08}"/>
+              </a:ext>
+            </a:extLst>
+          </p:cNvPr>
+          <p:cNvSpPr>
+            <a:spLocks noGrp="1"/>
+          </p:cNvSpPr>
+          <p:nvPr>
+            <p:ph type="title"/>
+          </p:nvPr>
+        </p:nvSpPr>
+        <p:spPr/>
+        <p:txBody>
+          <a:bodyPr/>
+          <a:lstStyle/>
+          <a:p>
+            <a:r>
+              <a:rPr lang="pt-BR" dirty="0"/>
+              <a:t>Porque </a:t>
+            </a:r>
+            <a:r>
+              <a:rPr lang="pt-BR" dirty="0" err="1"/>
+              <a:t>NoSQL</a:t>
+            </a:r>
+            <a:r>
+              <a:rPr lang="pt-BR" dirty="0"/>
+              <a:t>?</a:t>
+            </a:r>
+          </a:p>
+        </p:txBody>
+      </p:sp>
+      <p:sp>
+        <p:nvSpPr>
+          <p:cNvPr id="3" name="Espaço Reservado para Conteúdo 2">
+            <a:extLst>
+              <a:ext uri="{FF2B5EF4-FFF2-40B4-BE49-F238E27FC236}">
+                <a16:creationId xmlns:a16="http://schemas.microsoft.com/office/drawing/2014/main" id="{B0F57C64-0FC6-4A09-BAB8-27B7B3EE34F8}"/>
+              </a:ext>
+            </a:extLst>
+          </p:cNvPr>
+          <p:cNvSpPr>
+            <a:spLocks noGrp="1"/>
+          </p:cNvSpPr>
+          <p:nvPr>
+            <p:ph idx="1"/>
+          </p:nvPr>
+        </p:nvSpPr>
+        <p:spPr/>
+        <p:txBody>
+          <a:bodyPr>
+            <a:normAutofit/>
+          </a:bodyPr>
+          <a:lstStyle/>
+          <a:p>
+            <a:r>
+              <a:rPr lang="pt-BR" dirty="0"/>
+              <a:t>Bancos de dados Relacionais:</a:t>
+            </a:r>
+          </a:p>
+          <a:p>
+            <a:pPr lvl="1"/>
+            <a:r>
+              <a:rPr lang="pt-BR" dirty="0"/>
+              <a:t>Decremento de performance com o aumento “exponencial” da quantidade de dados;</a:t>
+            </a:r>
+          </a:p>
+          <a:p>
+            <a:pPr lvl="1"/>
+            <a:r>
+              <a:rPr lang="pt-BR" dirty="0"/>
+              <a:t>Difícil distribuição;</a:t>
+            </a:r>
+          </a:p>
+          <a:p>
+            <a:pPr lvl="1"/>
+            <a:r>
+              <a:rPr lang="pt-BR" dirty="0"/>
+              <a:t>Difícil escalabilidade;</a:t>
+            </a:r>
+          </a:p>
+          <a:p>
+            <a:pPr lvl="1"/>
+            <a:r>
+              <a:rPr lang="pt-BR" dirty="0"/>
+              <a:t>Preciso conhecer o esquema antes;</a:t>
+            </a:r>
+          </a:p>
+          <a:p>
+            <a:pPr marL="393192" lvl="1" indent="0">
+              <a:buNone/>
+            </a:pPr>
+            <a:endParaRPr lang="pt-BR" dirty="0"/>
+          </a:p>
+          <a:p>
+            <a:pPr lvl="1"/>
+            <a:endParaRPr lang="pt-BR" dirty="0"/>
+          </a:p>
+        </p:txBody>
+      </p:sp>
+    </p:spTree>
+    <p:extLst>
+      <p:ext uri="{BB962C8B-B14F-4D97-AF65-F5344CB8AC3E}">
+        <p14:creationId xmlns:p14="http://schemas.microsoft.com/office/powerpoint/2010/main" val="2417182047"/>
+      </p:ext>
+    </p:extLst>
+  </p:cSld>
+  <p:clrMapOvr>
+    <a:masterClrMapping/>
+  </p:clrMapOvr>
+</p:sld>
+</file>
+
+<file path=ppt/slides/slide7.xml><?xml version="1.0" encoding="utf-8"?>
+<p:sld xmlns:a="http://schemas.openxmlformats.org/drawingml/2006/main" xmlns:r="http://schemas.openxmlformats.org/officeDocument/2006/relationships" xmlns:p="http://schemas.openxmlformats.org/presentationml/2006/main">
+  <p:cSld>
+    <p:spTree>
+      <p:nvGrpSpPr>
+        <p:cNvPr id="1" name=""/>
+        <p:cNvGrpSpPr/>
+        <p:nvPr/>
+      </p:nvGrpSpPr>
+      <p:grpSpPr>
+        <a:xfrm>
+          <a:off x="0" y="0"/>
+          <a:ext cx="0" cy="0"/>
+          <a:chOff x="0" y="0"/>
+          <a:chExt cx="0" cy="0"/>
+        </a:xfrm>
+      </p:grpSpPr>
+      <p:sp>
+        <p:nvSpPr>
+          <p:cNvPr id="2" name="Título 1">
+            <a:extLst>
+              <a:ext uri="{FF2B5EF4-FFF2-40B4-BE49-F238E27FC236}">
+                <a16:creationId xmlns:a16="http://schemas.microsoft.com/office/drawing/2014/main" id="{3BBE0421-BB06-4A0B-AF52-1A815220301B}"/>
+              </a:ext>
+            </a:extLst>
+          </p:cNvPr>
+          <p:cNvSpPr>
+            <a:spLocks noGrp="1"/>
+          </p:cNvSpPr>
+          <p:nvPr>
+            <p:ph type="title"/>
+          </p:nvPr>
+        </p:nvSpPr>
+        <p:spPr/>
+        <p:txBody>
+          <a:bodyPr/>
+          <a:lstStyle/>
+          <a:p>
+            <a:r>
+              <a:rPr lang="pt-BR" dirty="0"/>
+              <a:t>Porque </a:t>
+            </a:r>
+            <a:r>
+              <a:rPr lang="pt-BR" dirty="0" err="1"/>
+              <a:t>NoSQL</a:t>
+            </a:r>
+            <a:r>
+              <a:rPr lang="pt-BR" dirty="0"/>
+              <a:t>?</a:t>
+            </a:r>
+          </a:p>
+        </p:txBody>
+      </p:sp>
+      <p:sp>
+        <p:nvSpPr>
+          <p:cNvPr id="3" name="Espaço Reservado para Conteúdo 2">
+            <a:extLst>
+              <a:ext uri="{FF2B5EF4-FFF2-40B4-BE49-F238E27FC236}">
+                <a16:creationId xmlns:a16="http://schemas.microsoft.com/office/drawing/2014/main" id="{8ACB44DE-93DB-4E5A-8A21-056087FCD62A}"/>
+              </a:ext>
+            </a:extLst>
+          </p:cNvPr>
+          <p:cNvSpPr>
+            <a:spLocks noGrp="1"/>
+          </p:cNvSpPr>
+          <p:nvPr>
+            <p:ph idx="1"/>
+          </p:nvPr>
+        </p:nvSpPr>
+        <p:spPr/>
+        <p:txBody>
+          <a:bodyPr>
+            <a:normAutofit lnSpcReduction="10000"/>
+          </a:bodyPr>
+          <a:lstStyle/>
+          <a:p>
+            <a:r>
+              <a:rPr lang="pt-BR" dirty="0"/>
+              <a:t>ACID</a:t>
+            </a:r>
+          </a:p>
+          <a:p>
+            <a:pPr lvl="1"/>
+            <a:r>
+              <a:rPr lang="pt-BR" dirty="0"/>
+              <a:t>Atomicidade;</a:t>
+            </a:r>
+          </a:p>
+          <a:p>
+            <a:pPr lvl="2"/>
+            <a:r>
+              <a:rPr lang="pt-BR" dirty="0"/>
+              <a:t>Tudo ou nada;</a:t>
+            </a:r>
+          </a:p>
+          <a:p>
+            <a:pPr lvl="1"/>
+            <a:r>
+              <a:rPr lang="pt-BR" dirty="0"/>
+              <a:t>Consistência:</a:t>
+            </a:r>
+          </a:p>
+          <a:p>
+            <a:pPr lvl="2"/>
+            <a:r>
+              <a:rPr lang="pt-BR" dirty="0"/>
+              <a:t>Uma transação deve respeitar as regras de integridade dos dados (Chaves e restrições, ...).</a:t>
+            </a:r>
+          </a:p>
+          <a:p>
+            <a:pPr lvl="1"/>
+            <a:r>
+              <a:rPr lang="pt-BR" dirty="0"/>
+              <a:t>Isolamento:</a:t>
+            </a:r>
+          </a:p>
+          <a:p>
+            <a:pPr lvl="2"/>
+            <a:r>
+              <a:rPr lang="pt-BR" dirty="0"/>
+              <a:t>Os dados de uma transação não interferem em outra;</a:t>
+            </a:r>
+          </a:p>
+          <a:p>
+            <a:pPr lvl="1"/>
+            <a:r>
+              <a:rPr lang="pt-BR" dirty="0"/>
+              <a:t>Durabilidade:</a:t>
+            </a:r>
+          </a:p>
+          <a:p>
+            <a:pPr lvl="2"/>
+            <a:r>
+              <a:rPr lang="pt-BR" dirty="0"/>
+              <a:t> Em caso de falha e/ou reinício do sistema, os dados estão disponíveis em seu estado correto.</a:t>
+            </a:r>
+          </a:p>
+        </p:txBody>
+      </p:sp>
+    </p:spTree>
+    <p:extLst>
+      <p:ext uri="{BB962C8B-B14F-4D97-AF65-F5344CB8AC3E}">
+        <p14:creationId xmlns:p14="http://schemas.microsoft.com/office/powerpoint/2010/main" val="1941876485"/>
+      </p:ext>
+    </p:extLst>
+  </p:cSld>
+  <p:clrMapOvr>
+    <a:masterClrMapping/>
+  </p:clrMapOvr>
+</p:sld>
+</file>
+
+<file path=ppt/slides/slide8.xml><?xml version="1.0" encoding="utf-8"?>
+<p:sld xmlns:a="http://schemas.openxmlformats.org/drawingml/2006/main" xmlns:r="http://schemas.openxmlformats.org/officeDocument/2006/relationships" xmlns:p="http://schemas.openxmlformats.org/presentationml/2006/main">
+  <p:cSld>
+    <p:spTree>
+      <p:nvGrpSpPr>
+        <p:cNvPr id="1" name=""/>
+        <p:cNvGrpSpPr/>
+        <p:nvPr/>
+      </p:nvGrpSpPr>
+      <p:grpSpPr>
+        <a:xfrm>
+          <a:off x="0" y="0"/>
+          <a:ext cx="0" cy="0"/>
+          <a:chOff x="0" y="0"/>
+          <a:chExt cx="0" cy="0"/>
+        </a:xfrm>
+      </p:grpSpPr>
+      <p:sp>
+        <p:nvSpPr>
+          <p:cNvPr id="2" name="Título 1"/>
+          <p:cNvSpPr>
+            <a:spLocks noGrp="1"/>
+          </p:cNvSpPr>
+          <p:nvPr>
+            <p:ph type="title"/>
+          </p:nvPr>
+        </p:nvSpPr>
+        <p:spPr/>
+        <p:txBody>
+          <a:bodyPr/>
+          <a:lstStyle/>
+          <a:p>
+            <a:r>
+              <a:rPr lang="pt-BR" dirty="0" err="1"/>
+              <a:t>NoSQL</a:t>
+            </a:r>
+            <a:r>
+              <a:rPr lang="pt-BR" dirty="0"/>
+              <a:t> - Vantagens</a:t>
+            </a:r>
+          </a:p>
+        </p:txBody>
+      </p:sp>
+      <p:sp>
+        <p:nvSpPr>
+          <p:cNvPr id="3" name="Espaço Reservado para Conteúdo 2"/>
+          <p:cNvSpPr>
+            <a:spLocks noGrp="1"/>
+          </p:cNvSpPr>
+          <p:nvPr>
+            <p:ph idx="1"/>
+          </p:nvPr>
+        </p:nvSpPr>
+        <p:spPr/>
+        <p:txBody>
+          <a:bodyPr>
+            <a:normAutofit lnSpcReduction="10000"/>
+          </a:bodyPr>
+          <a:lstStyle/>
+          <a:p>
+            <a:r>
+              <a:rPr lang="pt-BR" dirty="0"/>
+              <a:t>Flexibilidade:</a:t>
+            </a:r>
+          </a:p>
+          <a:p>
+            <a:pPr lvl="1"/>
+            <a:r>
+              <a:rPr lang="pt-BR" dirty="0"/>
+              <a:t>Dados </a:t>
+            </a:r>
+            <a:r>
+              <a:rPr lang="pt-BR" dirty="0" err="1"/>
+              <a:t>semi-estruturados</a:t>
+            </a:r>
+            <a:r>
+              <a:rPr lang="pt-BR" dirty="0"/>
+              <a:t>;</a:t>
+            </a:r>
+          </a:p>
+          <a:p>
+            <a:pPr lvl="1"/>
+            <a:r>
+              <a:rPr lang="pt-BR" dirty="0"/>
+              <a:t>Esquema dinâmico;</a:t>
+            </a:r>
+          </a:p>
+          <a:p>
+            <a:pPr lvl="1"/>
+            <a:r>
+              <a:rPr lang="pt-BR" dirty="0"/>
+              <a:t>Fácil adicionar novos campos;</a:t>
+            </a:r>
+          </a:p>
+          <a:p>
+            <a:pPr lvl="1"/>
+            <a:r>
+              <a:rPr lang="pt-BR" dirty="0"/>
+              <a:t>Operações mais rápidas</a:t>
+            </a:r>
+          </a:p>
+          <a:p>
+            <a:pPr lvl="1"/>
+            <a:endParaRPr lang="pt-BR" dirty="0"/>
+          </a:p>
+          <a:p>
+            <a:r>
+              <a:rPr lang="pt-BR" dirty="0"/>
+              <a:t>Distribuição:</a:t>
+            </a:r>
+          </a:p>
+          <a:p>
+            <a:pPr lvl="1"/>
+            <a:r>
+              <a:rPr lang="pt-BR" dirty="0"/>
+              <a:t>Escalável - Horizontalmente;</a:t>
+            </a:r>
+          </a:p>
+          <a:p>
+            <a:pPr lvl="1"/>
+            <a:endParaRPr lang="pt-BR" dirty="0"/>
+          </a:p>
+          <a:p>
+            <a:r>
+              <a:rPr lang="pt-BR" dirty="0"/>
+              <a:t>Novos modelos de armazenamento;</a:t>
+            </a:r>
+          </a:p>
+          <a:p>
+            <a:pPr lvl="1"/>
+            <a:endParaRPr lang="pt-BR" dirty="0"/>
+          </a:p>
+        </p:txBody>
+      </p:sp>
+    </p:spTree>
+    <p:extLst>
+      <p:ext uri="{BB962C8B-B14F-4D97-AF65-F5344CB8AC3E}">
+        <p14:creationId xmlns:p14="http://schemas.microsoft.com/office/powerpoint/2010/main" val="1913361062"/>
+      </p:ext>
+    </p:extLst>
+  </p:cSld>
+  <p:clrMapOvr>
+    <a:masterClrMapping/>
+  </p:clrMapOvr>
+</p:sld>
+</file>
+
+<file path=ppt/slides/slide9.xml><?xml version="1.0" encoding="utf-8"?>
+<p:sld xmlns:a="http://schemas.openxmlformats.org/drawingml/2006/main" xmlns:r="http://schemas.openxmlformats.org/officeDocument/2006/relationships" xmlns:p="http://schemas.openxmlformats.org/presentationml/2006/main">
+  <p:cSld>
+    <p:spTree>
+      <p:nvGrpSpPr>
+        <p:cNvPr id="1" name=""/>
+        <p:cNvGrpSpPr/>
+        <p:nvPr/>
+      </p:nvGrpSpPr>
+      <p:grpSpPr>
+        <a:xfrm>
+          <a:off x="0" y="0"/>
+          <a:ext cx="0" cy="0"/>
+          <a:chOff x="0" y="0"/>
+          <a:chExt cx="0" cy="0"/>
+        </a:xfrm>
+      </p:grpSpPr>
+      <p:sp>
+        <p:nvSpPr>
+          <p:cNvPr id="2" name="Título 1"/>
+          <p:cNvSpPr>
+            <a:spLocks noGrp="1"/>
+          </p:cNvSpPr>
+          <p:nvPr>
+            <p:ph type="title"/>
+          </p:nvPr>
+        </p:nvSpPr>
+        <p:spPr/>
+        <p:txBody>
+          <a:bodyPr/>
+          <a:lstStyle/>
+          <a:p>
+            <a:r>
+              <a:rPr lang="pt-BR" dirty="0" err="1"/>
+              <a:t>NoSQL</a:t>
+            </a:r>
+            <a:r>
+              <a:rPr lang="pt-BR" dirty="0"/>
+              <a:t> - Desvantagens</a:t>
+            </a:r>
+          </a:p>
+        </p:txBody>
+      </p:sp>
+      <p:sp>
+        <p:nvSpPr>
+          <p:cNvPr id="3" name="Espaço Reservado para Conteúdo 2"/>
+          <p:cNvSpPr>
+            <a:spLocks noGrp="1"/>
+          </p:cNvSpPr>
+          <p:nvPr>
+            <p:ph idx="1"/>
+          </p:nvPr>
+        </p:nvSpPr>
+        <p:spPr/>
+        <p:txBody>
+          <a:bodyPr>
+            <a:normAutofit/>
+          </a:bodyPr>
+          <a:lstStyle/>
+          <a:p>
+            <a:r>
+              <a:rPr lang="pt-BR" dirty="0"/>
+              <a:t>Esquemas fracos:</a:t>
+            </a:r>
+          </a:p>
+          <a:p>
+            <a:pPr lvl="1"/>
+            <a:r>
+              <a:rPr lang="pt-BR" dirty="0"/>
+              <a:t>Código mais complexo;</a:t>
+            </a:r>
+          </a:p>
+          <a:p>
+            <a:pPr lvl="1"/>
+            <a:r>
+              <a:rPr lang="pt-BR" dirty="0"/>
+              <a:t>Inconsistências;</a:t>
+            </a:r>
+          </a:p>
+          <a:p>
+            <a:pPr lvl="1"/>
+            <a:r>
+              <a:rPr lang="pt-BR" dirty="0"/>
+              <a:t>Degradação de performance;</a:t>
+            </a:r>
+          </a:p>
+          <a:p>
+            <a:pPr lvl="1"/>
+            <a:r>
+              <a:rPr lang="pt-BR" dirty="0"/>
+              <a:t>Redundância;</a:t>
+            </a:r>
+          </a:p>
+          <a:p>
+            <a:endParaRPr lang="pt-BR" dirty="0"/>
+          </a:p>
+          <a:p>
+            <a:r>
+              <a:rPr lang="pt-BR" dirty="0" err="1"/>
+              <a:t>APIs</a:t>
+            </a:r>
+            <a:r>
+              <a:rPr lang="pt-BR" dirty="0"/>
+              <a:t> não seguem um padrão;</a:t>
+            </a:r>
+          </a:p>
+          <a:p>
+            <a:endParaRPr lang="pt-BR" dirty="0"/>
+          </a:p>
+        </p:txBody>
+      </p:sp>
+    </p:spTree>
+    <p:extLst>
+      <p:ext uri="{BB962C8B-B14F-4D97-AF65-F5344CB8AC3E}">
+        <p14:creationId xmlns:p14="http://schemas.microsoft.com/office/powerpoint/2010/main" val="2742852890"/>
+      </p:ext>
+    </p:extLst>
+  </p:cSld>
+  <p:clrMapOvr>
+    <a:masterClrMapping/>
+  </p:clrMapOvr>
 </p:sld>
 </file>
 

--- a/Aula04.pptx
+++ b/Aula04.pptx
@@ -14,19 +14,23 @@
     <p:sldId id="311" r:id="rId8"/>
     <p:sldId id="294" r:id="rId9"/>
     <p:sldId id="301" r:id="rId10"/>
-    <p:sldId id="295" r:id="rId11"/>
-    <p:sldId id="297" r:id="rId12"/>
-    <p:sldId id="296" r:id="rId13"/>
-    <p:sldId id="298" r:id="rId14"/>
-    <p:sldId id="299" r:id="rId15"/>
-    <p:sldId id="300" r:id="rId16"/>
-    <p:sldId id="306" r:id="rId17"/>
-    <p:sldId id="307" r:id="rId18"/>
-    <p:sldId id="303" r:id="rId19"/>
-    <p:sldId id="308" r:id="rId20"/>
-    <p:sldId id="302" r:id="rId21"/>
-    <p:sldId id="305" r:id="rId22"/>
-    <p:sldId id="312" r:id="rId23"/>
+    <p:sldId id="313" r:id="rId11"/>
+    <p:sldId id="314" r:id="rId12"/>
+    <p:sldId id="315" r:id="rId13"/>
+    <p:sldId id="295" r:id="rId14"/>
+    <p:sldId id="297" r:id="rId15"/>
+    <p:sldId id="296" r:id="rId16"/>
+    <p:sldId id="298" r:id="rId17"/>
+    <p:sldId id="299" r:id="rId18"/>
+    <p:sldId id="300" r:id="rId19"/>
+    <p:sldId id="306" r:id="rId20"/>
+    <p:sldId id="307" r:id="rId21"/>
+    <p:sldId id="303" r:id="rId22"/>
+    <p:sldId id="308" r:id="rId23"/>
+    <p:sldId id="302" r:id="rId24"/>
+    <p:sldId id="305" r:id="rId25"/>
+    <p:sldId id="312" r:id="rId26"/>
+    <p:sldId id="316" r:id="rId27"/>
   </p:sldIdLst>
   <p:sldSz cx="9144000" cy="6858000" type="screen4x3"/>
   <p:notesSz cx="6858000" cy="9144000"/>
@@ -4061,6 +4065,473 @@
       </p:grpSpPr>
       <p:sp>
         <p:nvSpPr>
+          <p:cNvPr id="2" name="Título 1">
+            <a:extLst>
+              <a:ext uri="{FF2B5EF4-FFF2-40B4-BE49-F238E27FC236}">
+                <a16:creationId xmlns:a16="http://schemas.microsoft.com/office/drawing/2014/main" id="{E915016B-C6FD-4BE4-AA1A-87856B0BF62A}"/>
+              </a:ext>
+            </a:extLst>
+          </p:cNvPr>
+          <p:cNvSpPr>
+            <a:spLocks noGrp="1"/>
+          </p:cNvSpPr>
+          <p:nvPr>
+            <p:ph type="title"/>
+          </p:nvPr>
+        </p:nvSpPr>
+        <p:spPr/>
+        <p:txBody>
+          <a:bodyPr/>
+          <a:lstStyle/>
+          <a:p>
+            <a:r>
+              <a:rPr lang="pt-BR" dirty="0"/>
+              <a:t>Teorema de CAP</a:t>
+            </a:r>
+          </a:p>
+        </p:txBody>
+      </p:sp>
+      <p:sp>
+        <p:nvSpPr>
+          <p:cNvPr id="3" name="Espaço Reservado para Conteúdo 2">
+            <a:extLst>
+              <a:ext uri="{FF2B5EF4-FFF2-40B4-BE49-F238E27FC236}">
+                <a16:creationId xmlns:a16="http://schemas.microsoft.com/office/drawing/2014/main" id="{B43FAD8A-F955-40A9-9666-DF45357620F5}"/>
+              </a:ext>
+            </a:extLst>
+          </p:cNvPr>
+          <p:cNvSpPr>
+            <a:spLocks noGrp="1"/>
+          </p:cNvSpPr>
+          <p:nvPr>
+            <p:ph idx="1"/>
+          </p:nvPr>
+        </p:nvSpPr>
+        <p:spPr/>
+        <p:txBody>
+          <a:bodyPr/>
+          <a:lstStyle/>
+          <a:p>
+            <a:pPr algn="just"/>
+            <a:r>
+              <a:rPr lang="pt-BR" b="1" dirty="0"/>
+              <a:t>Teorema de </a:t>
+            </a:r>
+            <a:r>
+              <a:rPr lang="pt-BR" b="1" dirty="0" err="1"/>
+              <a:t>Brewer</a:t>
+            </a:r>
+            <a:r>
+              <a:rPr lang="pt-BR" dirty="0"/>
+              <a:t>, afirma que é impossível que o armazenamento de dados distribuído forneça simultaneamente mais de duas das três garantias seguintes;</a:t>
+            </a:r>
+          </a:p>
+          <a:p>
+            <a:pPr algn="just"/>
+            <a:endParaRPr lang="pt-BR" dirty="0"/>
+          </a:p>
+        </p:txBody>
+      </p:sp>
+      <p:pic>
+        <p:nvPicPr>
+          <p:cNvPr id="1026" name="Picture 2" descr="Resultado de imagem para Teorema de cap">
+            <a:extLst>
+              <a:ext uri="{FF2B5EF4-FFF2-40B4-BE49-F238E27FC236}">
+                <a16:creationId xmlns:a16="http://schemas.microsoft.com/office/drawing/2014/main" id="{12068BC4-9B00-48E7-B4EE-BF64F683F456}"/>
+              </a:ext>
+            </a:extLst>
+          </p:cNvPr>
+          <p:cNvPicPr>
+            <a:picLocks noChangeAspect="1" noChangeArrowheads="1"/>
+          </p:cNvPicPr>
+          <p:nvPr/>
+        </p:nvPicPr>
+        <p:blipFill>
+          <a:blip r:embed="rId2">
+            <a:extLst>
+              <a:ext uri="{28A0092B-C50C-407E-A947-70E740481C1C}">
+                <a14:useLocalDpi xmlns:a14="http://schemas.microsoft.com/office/drawing/2010/main" val="0"/>
+              </a:ext>
+            </a:extLst>
+          </a:blip>
+          <a:srcRect/>
+          <a:stretch>
+            <a:fillRect/>
+          </a:stretch>
+        </p:blipFill>
+        <p:spPr bwMode="auto">
+          <a:xfrm>
+            <a:off x="2699792" y="3140968"/>
+            <a:ext cx="3816424" cy="3816424"/>
+          </a:xfrm>
+          <a:prstGeom prst="rect">
+            <a:avLst/>
+          </a:prstGeom>
+          <a:noFill/>
+          <a:extLst>
+            <a:ext uri="{909E8E84-426E-40DD-AFC4-6F175D3DCCD1}">
+              <a14:hiddenFill xmlns:a14="http://schemas.microsoft.com/office/drawing/2010/main">
+                <a:solidFill>
+                  <a:srgbClr val="FFFFFF"/>
+                </a:solidFill>
+              </a14:hiddenFill>
+            </a:ext>
+          </a:extLst>
+        </p:spPr>
+      </p:pic>
+    </p:spTree>
+    <p:extLst>
+      <p:ext uri="{BB962C8B-B14F-4D97-AF65-F5344CB8AC3E}">
+        <p14:creationId xmlns:p14="http://schemas.microsoft.com/office/powerpoint/2010/main" val="3064433399"/>
+      </p:ext>
+    </p:extLst>
+  </p:cSld>
+  <p:clrMapOvr>
+    <a:masterClrMapping/>
+  </p:clrMapOvr>
+</p:sld>
+</file>
+
+<file path=ppt/slides/slide11.xml><?xml version="1.0" encoding="utf-8"?>
+<p:sld xmlns:a="http://schemas.openxmlformats.org/drawingml/2006/main" xmlns:r="http://schemas.openxmlformats.org/officeDocument/2006/relationships" xmlns:p="http://schemas.openxmlformats.org/presentationml/2006/main">
+  <p:cSld>
+    <p:spTree>
+      <p:nvGrpSpPr>
+        <p:cNvPr id="1" name=""/>
+        <p:cNvGrpSpPr/>
+        <p:nvPr/>
+      </p:nvGrpSpPr>
+      <p:grpSpPr>
+        <a:xfrm>
+          <a:off x="0" y="0"/>
+          <a:ext cx="0" cy="0"/>
+          <a:chOff x="0" y="0"/>
+          <a:chExt cx="0" cy="0"/>
+        </a:xfrm>
+      </p:grpSpPr>
+      <p:sp>
+        <p:nvSpPr>
+          <p:cNvPr id="2" name="Título 1">
+            <a:extLst>
+              <a:ext uri="{FF2B5EF4-FFF2-40B4-BE49-F238E27FC236}">
+                <a16:creationId xmlns:a16="http://schemas.microsoft.com/office/drawing/2014/main" id="{977A5A09-87F0-4167-BD7A-706B0E978B72}"/>
+              </a:ext>
+            </a:extLst>
+          </p:cNvPr>
+          <p:cNvSpPr>
+            <a:spLocks noGrp="1"/>
+          </p:cNvSpPr>
+          <p:nvPr>
+            <p:ph type="title"/>
+          </p:nvPr>
+        </p:nvSpPr>
+        <p:spPr/>
+        <p:txBody>
+          <a:bodyPr/>
+          <a:lstStyle/>
+          <a:p>
+            <a:r>
+              <a:rPr lang="pt-BR" dirty="0"/>
+              <a:t>Teorema de CAP</a:t>
+            </a:r>
+          </a:p>
+        </p:txBody>
+      </p:sp>
+      <p:sp>
+        <p:nvSpPr>
+          <p:cNvPr id="3" name="Espaço Reservado para Conteúdo 2">
+            <a:extLst>
+              <a:ext uri="{FF2B5EF4-FFF2-40B4-BE49-F238E27FC236}">
+                <a16:creationId xmlns:a16="http://schemas.microsoft.com/office/drawing/2014/main" id="{12275C92-48F8-44D5-B70F-4DE280C15CC3}"/>
+              </a:ext>
+            </a:extLst>
+          </p:cNvPr>
+          <p:cNvSpPr>
+            <a:spLocks noGrp="1"/>
+          </p:cNvSpPr>
+          <p:nvPr>
+            <p:ph idx="1"/>
+          </p:nvPr>
+        </p:nvSpPr>
+        <p:spPr/>
+        <p:txBody>
+          <a:bodyPr>
+            <a:normAutofit fontScale="92500" lnSpcReduction="20000"/>
+          </a:bodyPr>
+          <a:lstStyle/>
+          <a:p>
+            <a:pPr algn="just"/>
+            <a:r>
+              <a:rPr lang="pt-BR" dirty="0"/>
+              <a:t>Consistência:</a:t>
+            </a:r>
+          </a:p>
+          <a:p>
+            <a:pPr lvl="1" algn="just"/>
+            <a:r>
+              <a:rPr lang="pt-BR" dirty="0"/>
+              <a:t>Cada leitura recebe a escrita mais recente ou um erro;</a:t>
+            </a:r>
+          </a:p>
+          <a:p>
+            <a:pPr lvl="1" algn="just"/>
+            <a:r>
+              <a:rPr lang="pt-BR" dirty="0"/>
+              <a:t>Todos os nós visualizam os mesmos dados ao mesmo tempo;</a:t>
+            </a:r>
+          </a:p>
+          <a:p>
+            <a:pPr marL="393192" lvl="1" indent="0" algn="just">
+              <a:buNone/>
+            </a:pPr>
+            <a:endParaRPr lang="pt-BR" dirty="0"/>
+          </a:p>
+          <a:p>
+            <a:pPr algn="just"/>
+            <a:r>
+              <a:rPr lang="pt-BR" dirty="0"/>
+              <a:t>Disponibilidade (</a:t>
+            </a:r>
+            <a:r>
+              <a:rPr lang="pt-BR" dirty="0" err="1"/>
+              <a:t>Availability</a:t>
+            </a:r>
+            <a:r>
+              <a:rPr lang="pt-BR" dirty="0"/>
+              <a:t>):</a:t>
+            </a:r>
+          </a:p>
+          <a:p>
+            <a:pPr lvl="1" algn="just"/>
+            <a:r>
+              <a:rPr lang="pt-BR" dirty="0"/>
+              <a:t>Toda requisição recebe uma resposta de sucesso ou falha.</a:t>
+            </a:r>
+          </a:p>
+          <a:p>
+            <a:pPr lvl="1" algn="just"/>
+            <a:r>
+              <a:rPr lang="pt-BR" dirty="0"/>
+              <a:t>Sem garantia de que contém a escrita mais recente;</a:t>
+            </a:r>
+          </a:p>
+          <a:p>
+            <a:pPr lvl="1" algn="just"/>
+            <a:endParaRPr lang="pt-BR" dirty="0"/>
+          </a:p>
+          <a:p>
+            <a:pPr algn="just"/>
+            <a:r>
+              <a:rPr lang="pt-BR" dirty="0"/>
+              <a:t>Partição tolerante a falhas:</a:t>
+            </a:r>
+          </a:p>
+          <a:p>
+            <a:pPr lvl="1" algn="just"/>
+            <a:r>
+              <a:rPr lang="pt-BR" dirty="0"/>
+              <a:t>O sistema continua a funcionar apesar de um número arbitrário de mensagens serem descartadas (ou atrasadas) pela rede entre nós.</a:t>
+            </a:r>
+          </a:p>
+        </p:txBody>
+      </p:sp>
+    </p:spTree>
+    <p:extLst>
+      <p:ext uri="{BB962C8B-B14F-4D97-AF65-F5344CB8AC3E}">
+        <p14:creationId xmlns:p14="http://schemas.microsoft.com/office/powerpoint/2010/main" val="2410219468"/>
+      </p:ext>
+    </p:extLst>
+  </p:cSld>
+  <p:clrMapOvr>
+    <a:masterClrMapping/>
+  </p:clrMapOvr>
+</p:sld>
+</file>
+
+<file path=ppt/slides/slide12.xml><?xml version="1.0" encoding="utf-8"?>
+<p:sld xmlns:a="http://schemas.openxmlformats.org/drawingml/2006/main" xmlns:r="http://schemas.openxmlformats.org/officeDocument/2006/relationships" xmlns:p="http://schemas.openxmlformats.org/presentationml/2006/main">
+  <p:cSld>
+    <p:spTree>
+      <p:nvGrpSpPr>
+        <p:cNvPr id="1" name=""/>
+        <p:cNvGrpSpPr/>
+        <p:nvPr/>
+      </p:nvGrpSpPr>
+      <p:grpSpPr>
+        <a:xfrm>
+          <a:off x="0" y="0"/>
+          <a:ext cx="0" cy="0"/>
+          <a:chOff x="0" y="0"/>
+          <a:chExt cx="0" cy="0"/>
+        </a:xfrm>
+      </p:grpSpPr>
+      <p:sp>
+        <p:nvSpPr>
+          <p:cNvPr id="2" name="Título 1">
+            <a:extLst>
+              <a:ext uri="{FF2B5EF4-FFF2-40B4-BE49-F238E27FC236}">
+                <a16:creationId xmlns:a16="http://schemas.microsoft.com/office/drawing/2014/main" id="{12E876E3-A595-4C75-958A-B562C65BF711}"/>
+              </a:ext>
+            </a:extLst>
+          </p:cNvPr>
+          <p:cNvSpPr>
+            <a:spLocks noGrp="1"/>
+          </p:cNvSpPr>
+          <p:nvPr>
+            <p:ph type="title"/>
+          </p:nvPr>
+        </p:nvSpPr>
+        <p:spPr/>
+        <p:txBody>
+          <a:bodyPr/>
+          <a:lstStyle/>
+          <a:p>
+            <a:r>
+              <a:rPr lang="pt-BR" dirty="0"/>
+              <a:t>Teorema de CAP</a:t>
+            </a:r>
+          </a:p>
+        </p:txBody>
+      </p:sp>
+      <p:sp>
+        <p:nvSpPr>
+          <p:cNvPr id="3" name="Espaço Reservado para Conteúdo 2">
+            <a:extLst>
+              <a:ext uri="{FF2B5EF4-FFF2-40B4-BE49-F238E27FC236}">
+                <a16:creationId xmlns:a16="http://schemas.microsoft.com/office/drawing/2014/main" id="{E8584792-4AD9-49FA-B1C8-E5822BBBBF8A}"/>
+              </a:ext>
+            </a:extLst>
+          </p:cNvPr>
+          <p:cNvSpPr>
+            <a:spLocks noGrp="1"/>
+          </p:cNvSpPr>
+          <p:nvPr>
+            <p:ph idx="1"/>
+          </p:nvPr>
+        </p:nvSpPr>
+        <p:spPr/>
+        <p:txBody>
+          <a:bodyPr/>
+          <a:lstStyle/>
+          <a:p>
+            <a:endParaRPr lang="pt-BR"/>
+          </a:p>
+        </p:txBody>
+      </p:sp>
+      <p:pic>
+        <p:nvPicPr>
+          <p:cNvPr id="1026" name="Picture 2" descr="Resultado de imagem para cap theorem">
+            <a:extLst>
+              <a:ext uri="{FF2B5EF4-FFF2-40B4-BE49-F238E27FC236}">
+                <a16:creationId xmlns:a16="http://schemas.microsoft.com/office/drawing/2014/main" id="{1E108993-57C4-47C5-8BDA-E4FECB043ACA}"/>
+              </a:ext>
+            </a:extLst>
+          </p:cNvPr>
+          <p:cNvPicPr>
+            <a:picLocks noChangeAspect="1" noChangeArrowheads="1"/>
+          </p:cNvPicPr>
+          <p:nvPr/>
+        </p:nvPicPr>
+        <p:blipFill>
+          <a:blip r:embed="rId2">
+            <a:extLst>
+              <a:ext uri="{28A0092B-C50C-407E-A947-70E740481C1C}">
+                <a14:useLocalDpi xmlns:a14="http://schemas.microsoft.com/office/drawing/2010/main" val="0"/>
+              </a:ext>
+            </a:extLst>
+          </a:blip>
+          <a:srcRect/>
+          <a:stretch>
+            <a:fillRect/>
+          </a:stretch>
+        </p:blipFill>
+        <p:spPr bwMode="auto">
+          <a:xfrm>
+            <a:off x="1043608" y="1818184"/>
+            <a:ext cx="6078035" cy="4805888"/>
+          </a:xfrm>
+          <a:prstGeom prst="rect">
+            <a:avLst/>
+          </a:prstGeom>
+          <a:noFill/>
+          <a:extLst>
+            <a:ext uri="{909E8E84-426E-40DD-AFC4-6F175D3DCCD1}">
+              <a14:hiddenFill xmlns:a14="http://schemas.microsoft.com/office/drawing/2010/main">
+                <a:solidFill>
+                  <a:srgbClr val="FFFFFF"/>
+                </a:solidFill>
+              </a14:hiddenFill>
+            </a:ext>
+          </a:extLst>
+        </p:spPr>
+      </p:pic>
+      <p:sp>
+        <p:nvSpPr>
+          <p:cNvPr id="4" name="CaixaDeTexto 3">
+            <a:extLst>
+              <a:ext uri="{FF2B5EF4-FFF2-40B4-BE49-F238E27FC236}">
+                <a16:creationId xmlns:a16="http://schemas.microsoft.com/office/drawing/2014/main" id="{1C3EAD4E-3316-4A75-8F11-DBBC132BD5DD}"/>
+              </a:ext>
+            </a:extLst>
+          </p:cNvPr>
+          <p:cNvSpPr txBox="1"/>
+          <p:nvPr/>
+        </p:nvSpPr>
+        <p:spPr>
+          <a:xfrm>
+            <a:off x="5141423" y="6362462"/>
+            <a:ext cx="4248472" cy="523220"/>
+          </a:xfrm>
+          <a:prstGeom prst="rect">
+            <a:avLst/>
+          </a:prstGeom>
+          <a:noFill/>
+        </p:spPr>
+        <p:txBody>
+          <a:bodyPr wrap="square" rtlCol="0">
+            <a:spAutoFit/>
+          </a:bodyPr>
+          <a:lstStyle/>
+          <a:p>
+            <a:r>
+              <a:rPr lang="pt-BR" sz="1400" dirty="0"/>
+              <a:t>Lourenço, João &amp; Cabral, Bruno &amp; Carreiro, Paulo &amp; Vieira, Marco &amp; Bernardino, Jorge. (2015)</a:t>
+            </a:r>
+          </a:p>
+        </p:txBody>
+      </p:sp>
+    </p:spTree>
+    <p:extLst>
+      <p:ext uri="{BB962C8B-B14F-4D97-AF65-F5344CB8AC3E}">
+        <p14:creationId xmlns:p14="http://schemas.microsoft.com/office/powerpoint/2010/main" val="3248015446"/>
+      </p:ext>
+    </p:extLst>
+  </p:cSld>
+  <p:clrMapOvr>
+    <a:masterClrMapping/>
+  </p:clrMapOvr>
+</p:sld>
+</file>
+
+<file path=ppt/slides/slide13.xml><?xml version="1.0" encoding="utf-8"?>
+<p:sld xmlns:a="http://schemas.openxmlformats.org/drawingml/2006/main" xmlns:r="http://schemas.openxmlformats.org/officeDocument/2006/relationships" xmlns:p="http://schemas.openxmlformats.org/presentationml/2006/main">
+  <p:cSld>
+    <p:spTree>
+      <p:nvGrpSpPr>
+        <p:cNvPr id="1" name=""/>
+        <p:cNvGrpSpPr/>
+        <p:nvPr/>
+      </p:nvGrpSpPr>
+      <p:grpSpPr>
+        <a:xfrm>
+          <a:off x="0" y="0"/>
+          <a:ext cx="0" cy="0"/>
+          <a:chOff x="0" y="0"/>
+          <a:chExt cx="0" cy="0"/>
+        </a:xfrm>
+      </p:grpSpPr>
+      <p:sp>
+        <p:nvSpPr>
           <p:cNvPr id="2" name="Título 1"/>
           <p:cNvSpPr>
             <a:spLocks noGrp="1"/>
@@ -4135,7 +4606,7 @@
 </p:sld>
 </file>
 
-<file path=ppt/slides/slide11.xml><?xml version="1.0" encoding="utf-8"?>
+<file path=ppt/slides/slide14.xml><?xml version="1.0" encoding="utf-8"?>
 <p:sld xmlns:a="http://schemas.openxmlformats.org/drawingml/2006/main" xmlns:r="http://schemas.openxmlformats.org/officeDocument/2006/relationships" xmlns:p="http://schemas.openxmlformats.org/presentationml/2006/main">
   <p:cSld>
     <p:spTree>
@@ -4355,7 +4826,7 @@
 </p:sld>
 </file>
 
-<file path=ppt/slides/slide12.xml><?xml version="1.0" encoding="utf-8"?>
+<file path=ppt/slides/slide15.xml><?xml version="1.0" encoding="utf-8"?>
 <p:sld xmlns:a="http://schemas.openxmlformats.org/drawingml/2006/main" xmlns:r="http://schemas.openxmlformats.org/officeDocument/2006/relationships" xmlns:p="http://schemas.openxmlformats.org/presentationml/2006/main">
   <p:cSld>
     <p:spTree>
@@ -4545,7 +5016,7 @@
 </p:sld>
 </file>
 
-<file path=ppt/slides/slide13.xml><?xml version="1.0" encoding="utf-8"?>
+<file path=ppt/slides/slide16.xml><?xml version="1.0" encoding="utf-8"?>
 <p:sld xmlns:a="http://schemas.openxmlformats.org/drawingml/2006/main" xmlns:r="http://schemas.openxmlformats.org/officeDocument/2006/relationships" xmlns:p="http://schemas.openxmlformats.org/presentationml/2006/main">
   <p:cSld>
     <p:spTree>
@@ -4725,7 +5196,7 @@
 </p:sld>
 </file>
 
-<file path=ppt/slides/slide14.xml><?xml version="1.0" encoding="utf-8"?>
+<file path=ppt/slides/slide17.xml><?xml version="1.0" encoding="utf-8"?>
 <p:sld xmlns:a="http://schemas.openxmlformats.org/drawingml/2006/main" xmlns:r="http://schemas.openxmlformats.org/officeDocument/2006/relationships" xmlns:p="http://schemas.openxmlformats.org/presentationml/2006/main">
   <p:cSld>
     <p:spTree>
@@ -4859,7 +5330,7 @@
 </p:sld>
 </file>
 
-<file path=ppt/slides/slide15.xml><?xml version="1.0" encoding="utf-8"?>
+<file path=ppt/slides/slide18.xml><?xml version="1.0" encoding="utf-8"?>
 <p:sld xmlns:a="http://schemas.openxmlformats.org/drawingml/2006/main" xmlns:r="http://schemas.openxmlformats.org/officeDocument/2006/relationships" xmlns:p="http://schemas.openxmlformats.org/presentationml/2006/main">
   <p:cSld>
     <p:spTree>
@@ -5009,7 +5480,7 @@
 </p:sld>
 </file>
 
-<file path=ppt/slides/slide16.xml><?xml version="1.0" encoding="utf-8"?>
+<file path=ppt/slides/slide19.xml><?xml version="1.0" encoding="utf-8"?>
 <p:sld xmlns:a="http://schemas.openxmlformats.org/drawingml/2006/main" xmlns:r="http://schemas.openxmlformats.org/officeDocument/2006/relationships" xmlns:p="http://schemas.openxmlformats.org/presentationml/2006/main">
   <p:cSld>
     <p:spTree>
@@ -5530,7 +6001,100 @@
 </p:sld>
 </file>
 
-<file path=ppt/slides/slide17.xml><?xml version="1.0" encoding="utf-8"?>
+<file path=ppt/slides/slide2.xml><?xml version="1.0" encoding="utf-8"?>
+<p:sld xmlns:a="http://schemas.openxmlformats.org/drawingml/2006/main" xmlns:r="http://schemas.openxmlformats.org/officeDocument/2006/relationships" xmlns:p="http://schemas.openxmlformats.org/presentationml/2006/main">
+  <p:cSld>
+    <p:spTree>
+      <p:nvGrpSpPr>
+        <p:cNvPr id="1" name=""/>
+        <p:cNvGrpSpPr/>
+        <p:nvPr/>
+      </p:nvGrpSpPr>
+      <p:grpSpPr>
+        <a:xfrm>
+          <a:off x="0" y="0"/>
+          <a:ext cx="0" cy="0"/>
+          <a:chOff x="0" y="0"/>
+          <a:chExt cx="0" cy="0"/>
+        </a:xfrm>
+      </p:grpSpPr>
+      <p:sp>
+        <p:nvSpPr>
+          <p:cNvPr id="2" name="Título 1"/>
+          <p:cNvSpPr>
+            <a:spLocks noGrp="1"/>
+          </p:cNvSpPr>
+          <p:nvPr>
+            <p:ph type="title"/>
+          </p:nvPr>
+        </p:nvSpPr>
+        <p:spPr/>
+        <p:txBody>
+          <a:bodyPr/>
+          <a:lstStyle/>
+          <a:p>
+            <a:r>
+              <a:rPr lang="pt-BR" dirty="0"/>
+              <a:t>Armazenar e Consumir Dados</a:t>
+            </a:r>
+          </a:p>
+        </p:txBody>
+      </p:sp>
+      <p:pic>
+        <p:nvPicPr>
+          <p:cNvPr id="1026" name="Picture 2" descr="Resultado de imagem para Oracle Rest"/>
+          <p:cNvPicPr>
+            <a:picLocks noChangeAspect="1" noChangeArrowheads="1"/>
+          </p:cNvPicPr>
+          <p:nvPr/>
+        </p:nvPicPr>
+        <p:blipFill>
+          <a:blip r:embed="rId2">
+            <a:extLst>
+              <a:ext uri="{28A0092B-C50C-407E-A947-70E740481C1C}">
+                <a14:useLocalDpi xmlns:a14="http://schemas.microsoft.com/office/drawing/2010/main" val="0"/>
+              </a:ext>
+            </a:extLst>
+          </a:blip>
+          <a:srcRect/>
+          <a:stretch>
+            <a:fillRect/>
+          </a:stretch>
+        </p:blipFill>
+        <p:spPr bwMode="auto">
+          <a:xfrm>
+            <a:off x="971600" y="2348880"/>
+            <a:ext cx="7143750" cy="3600451"/>
+          </a:xfrm>
+          <a:prstGeom prst="rect">
+            <a:avLst/>
+          </a:prstGeom>
+          <a:noFill/>
+          <a:extLst>
+            <a:ext uri="{909E8E84-426E-40DD-AFC4-6F175D3DCCD1}">
+              <a14:hiddenFill xmlns:a14="http://schemas.microsoft.com/office/drawing/2010/main">
+                <a:solidFill>
+                  <a:srgbClr val="FFFFFF"/>
+                </a:solidFill>
+              </a14:hiddenFill>
+            </a:ext>
+          </a:extLst>
+        </p:spPr>
+      </p:pic>
+    </p:spTree>
+    <p:extLst>
+      <p:ext uri="{BB962C8B-B14F-4D97-AF65-F5344CB8AC3E}">
+        <p14:creationId xmlns:p14="http://schemas.microsoft.com/office/powerpoint/2010/main" val="658012376"/>
+      </p:ext>
+    </p:extLst>
+  </p:cSld>
+  <p:clrMapOvr>
+    <a:masterClrMapping/>
+  </p:clrMapOvr>
+</p:sld>
+</file>
+
+<file path=ppt/slides/slide20.xml><?xml version="1.0" encoding="utf-8"?>
 <p:sld xmlns:a="http://schemas.openxmlformats.org/drawingml/2006/main" xmlns:r="http://schemas.openxmlformats.org/officeDocument/2006/relationships" xmlns:p="http://schemas.openxmlformats.org/presentationml/2006/main">
   <p:cSld>
     <p:spTree>
@@ -6019,7 +6583,7 @@
 </p:sld>
 </file>
 
-<file path=ppt/slides/slide18.xml><?xml version="1.0" encoding="utf-8"?>
+<file path=ppt/slides/slide21.xml><?xml version="1.0" encoding="utf-8"?>
 <p:sld xmlns:a="http://schemas.openxmlformats.org/drawingml/2006/main" xmlns:r="http://schemas.openxmlformats.org/officeDocument/2006/relationships" xmlns:p="http://schemas.openxmlformats.org/presentationml/2006/main">
   <p:cSld>
     <p:spTree>
@@ -6182,7 +6746,7 @@
 </p:sld>
 </file>
 
-<file path=ppt/slides/slide19.xml><?xml version="1.0" encoding="utf-8"?>
+<file path=ppt/slides/slide22.xml><?xml version="1.0" encoding="utf-8"?>
 <p:sld xmlns:a="http://schemas.openxmlformats.org/drawingml/2006/main" xmlns:r="http://schemas.openxmlformats.org/officeDocument/2006/relationships" xmlns:p="http://schemas.openxmlformats.org/presentationml/2006/main">
   <p:cSld>
     <p:spTree>
@@ -6464,7 +7028,7 @@
 </p:sld>
 </file>
 
-<file path=ppt/slides/slide2.xml><?xml version="1.0" encoding="utf-8"?>
+<file path=ppt/slides/slide23.xml><?xml version="1.0" encoding="utf-8"?>
 <p:sld xmlns:a="http://schemas.openxmlformats.org/drawingml/2006/main" xmlns:r="http://schemas.openxmlformats.org/officeDocument/2006/relationships" xmlns:p="http://schemas.openxmlformats.org/presentationml/2006/main">
   <p:cSld>
     <p:spTree>
@@ -6497,57 +7061,76 @@
           <a:lstStyle/>
           <a:p>
             <a:r>
-              <a:rPr lang="pt-BR" dirty="0"/>
-              <a:t>Armazenar e Consumir Dados</a:t>
-            </a:r>
-          </a:p>
-        </p:txBody>
-      </p:sp>
-      <p:pic>
-        <p:nvPicPr>
-          <p:cNvPr id="1026" name="Picture 2" descr="Resultado de imagem para Oracle Rest"/>
-          <p:cNvPicPr>
-            <a:picLocks noChangeAspect="1" noChangeArrowheads="1"/>
-          </p:cNvPicPr>
-          <p:nvPr/>
-        </p:nvPicPr>
-        <p:blipFill>
-          <a:blip r:embed="rId2">
-            <a:extLst>
-              <a:ext uri="{28A0092B-C50C-407E-A947-70E740481C1C}">
-                <a14:useLocalDpi xmlns:a14="http://schemas.microsoft.com/office/drawing/2010/main" val="0"/>
-              </a:ext>
-            </a:extLst>
-          </a:blip>
-          <a:srcRect/>
-          <a:stretch>
-            <a:fillRect/>
-          </a:stretch>
-        </p:blipFill>
-        <p:spPr bwMode="auto">
-          <a:xfrm>
-            <a:off x="971600" y="2348880"/>
-            <a:ext cx="7143750" cy="3600451"/>
-          </a:xfrm>
-          <a:prstGeom prst="rect">
-            <a:avLst/>
-          </a:prstGeom>
-          <a:noFill/>
-          <a:extLst>
-            <a:ext uri="{909E8E84-426E-40DD-AFC4-6F175D3DCCD1}">
-              <a14:hiddenFill xmlns:a14="http://schemas.microsoft.com/office/drawing/2010/main">
-                <a:solidFill>
-                  <a:srgbClr val="FFFFFF"/>
-                </a:solidFill>
-              </a14:hiddenFill>
-            </a:ext>
-          </a:extLst>
-        </p:spPr>
-      </p:pic>
+              <a:rPr lang="pt-BR" dirty="0" err="1"/>
+              <a:t>CouchDB</a:t>
+            </a:r>
+            <a:endParaRPr lang="pt-BR" dirty="0"/>
+          </a:p>
+        </p:txBody>
+      </p:sp>
+      <p:sp>
+        <p:nvSpPr>
+          <p:cNvPr id="3" name="Espaço Reservado para Conteúdo 2"/>
+          <p:cNvSpPr>
+            <a:spLocks noGrp="1"/>
+          </p:cNvSpPr>
+          <p:nvPr>
+            <p:ph idx="1"/>
+          </p:nvPr>
+        </p:nvSpPr>
+        <p:spPr/>
+        <p:txBody>
+          <a:bodyPr/>
+          <a:lstStyle/>
+          <a:p>
+            <a:r>
+              <a:rPr lang="pt-BR" dirty="0" err="1"/>
+              <a:t>Document</a:t>
+            </a:r>
+            <a:r>
+              <a:rPr lang="pt-BR" dirty="0"/>
+              <a:t> </a:t>
+            </a:r>
+            <a:r>
+              <a:rPr lang="pt-BR" dirty="0" err="1"/>
+              <a:t>Based</a:t>
+            </a:r>
+            <a:r>
+              <a:rPr lang="pt-BR" dirty="0"/>
+              <a:t>:</a:t>
+            </a:r>
+          </a:p>
+          <a:p>
+            <a:pPr lvl="1"/>
+            <a:r>
+              <a:rPr lang="pt-BR" dirty="0"/>
+              <a:t>JSON;</a:t>
+            </a:r>
+          </a:p>
+          <a:p>
+            <a:endParaRPr lang="pt-BR" dirty="0"/>
+          </a:p>
+          <a:p>
+            <a:r>
+              <a:rPr lang="pt-BR" dirty="0"/>
+              <a:t>REST;</a:t>
+            </a:r>
+          </a:p>
+          <a:p>
+            <a:endParaRPr lang="pt-BR" dirty="0"/>
+          </a:p>
+          <a:p>
+            <a:r>
+              <a:rPr lang="pt-BR" dirty="0"/>
+              <a:t>http://couchdb.apache.org/</a:t>
+            </a:r>
+          </a:p>
+        </p:txBody>
+      </p:sp>
     </p:spTree>
     <p:extLst>
       <p:ext uri="{BB962C8B-B14F-4D97-AF65-F5344CB8AC3E}">
-        <p14:creationId xmlns:p14="http://schemas.microsoft.com/office/powerpoint/2010/main" val="658012376"/>
+        <p14:creationId xmlns:p14="http://schemas.microsoft.com/office/powerpoint/2010/main" val="977149170"/>
       </p:ext>
     </p:extLst>
   </p:cSld>
@@ -6557,7 +7140,7 @@
 </p:sld>
 </file>
 
-<file path=ppt/slides/slide20.xml><?xml version="1.0" encoding="utf-8"?>
+<file path=ppt/slides/slide24.xml><?xml version="1.0" encoding="utf-8"?>
 <p:sld xmlns:a="http://schemas.openxmlformats.org/drawingml/2006/main" xmlns:r="http://schemas.openxmlformats.org/officeDocument/2006/relationships" xmlns:p="http://schemas.openxmlformats.org/presentationml/2006/main">
   <p:cSld>
     <p:spTree>
@@ -6576,7 +7159,13 @@
       </p:grpSpPr>
       <p:sp>
         <p:nvSpPr>
-          <p:cNvPr id="2" name="Título 1"/>
+          <p:cNvPr id="2" name="Título 1">
+            <a:extLst>
+              <a:ext uri="{FF2B5EF4-FFF2-40B4-BE49-F238E27FC236}">
+                <a16:creationId xmlns:a16="http://schemas.microsoft.com/office/drawing/2014/main" id="{8A0D1AFC-9F46-4AC9-96E6-8F933E403C86}"/>
+              </a:ext>
+            </a:extLst>
+          </p:cNvPr>
           <p:cNvSpPr>
             <a:spLocks noGrp="1"/>
           </p:cNvSpPr>
@@ -6590,50 +7179,83 @@
           <a:lstStyle/>
           <a:p>
             <a:r>
-              <a:rPr lang="pt-BR" dirty="0" err="1"/>
-              <a:t>CouchDB</a:t>
-            </a:r>
+              <a:rPr lang="pt-BR" dirty="0"/>
+              <a:t>Redis</a:t>
+            </a:r>
+          </a:p>
+        </p:txBody>
+      </p:sp>
+      <p:sp>
+        <p:nvSpPr>
+          <p:cNvPr id="3" name="Espaço Reservado para Conteúdo 2">
+            <a:extLst>
+              <a:ext uri="{FF2B5EF4-FFF2-40B4-BE49-F238E27FC236}">
+                <a16:creationId xmlns:a16="http://schemas.microsoft.com/office/drawing/2014/main" id="{F373C983-438E-4057-8FEF-DDE93CBD2629}"/>
+              </a:ext>
+            </a:extLst>
+          </p:cNvPr>
+          <p:cNvSpPr>
+            <a:spLocks noGrp="1"/>
+          </p:cNvSpPr>
+          <p:nvPr>
+            <p:ph idx="1"/>
+          </p:nvPr>
+        </p:nvSpPr>
+        <p:spPr/>
+        <p:txBody>
+          <a:bodyPr>
+            <a:normAutofit fontScale="92500" lnSpcReduction="20000"/>
+          </a:bodyPr>
+          <a:lstStyle/>
+          <a:p>
+            <a:r>
+              <a:rPr lang="pt-BR" dirty="0"/>
+              <a:t>Banco de dados em memória</a:t>
+            </a:r>
+          </a:p>
+          <a:p>
+            <a:pPr lvl="1"/>
+            <a:r>
+              <a:rPr lang="pt-BR" dirty="0"/>
+              <a:t>Cache</a:t>
+            </a:r>
+          </a:p>
+          <a:p>
+            <a:pPr lvl="1"/>
+            <a:r>
+              <a:rPr lang="pt-BR" dirty="0"/>
+              <a:t>Chat, sistemas de mensagens e filas</a:t>
+            </a:r>
+          </a:p>
+          <a:p>
+            <a:pPr lvl="1"/>
+            <a:r>
+              <a:rPr lang="pt-BR" dirty="0"/>
+              <a:t>Armazenamento de sessões</a:t>
+            </a:r>
+          </a:p>
+          <a:p>
+            <a:pPr lvl="1"/>
+            <a:r>
+              <a:rPr lang="pt-BR" dirty="0"/>
+              <a:t>Análise em tempo real</a:t>
+            </a:r>
+          </a:p>
+          <a:p>
+            <a:pPr lvl="1"/>
             <a:endParaRPr lang="pt-BR" dirty="0"/>
           </a:p>
-        </p:txBody>
-      </p:sp>
-      <p:sp>
-        <p:nvSpPr>
-          <p:cNvPr id="3" name="Espaço Reservado para Conteúdo 2"/>
-          <p:cNvSpPr>
-            <a:spLocks noGrp="1"/>
-          </p:cNvSpPr>
-          <p:nvPr>
-            <p:ph idx="1"/>
-          </p:nvPr>
-        </p:nvSpPr>
-        <p:spPr/>
-        <p:txBody>
-          <a:bodyPr/>
-          <a:lstStyle/>
-          <a:p>
-            <a:r>
-              <a:rPr lang="pt-BR" dirty="0" err="1"/>
-              <a:t>Document</a:t>
-            </a:r>
-            <a:r>
-              <a:rPr lang="pt-BR" dirty="0"/>
-              <a:t> </a:t>
-            </a:r>
-            <a:r>
-              <a:rPr lang="pt-BR" dirty="0" err="1"/>
-              <a:t>Based</a:t>
-            </a:r>
-            <a:r>
-              <a:rPr lang="pt-BR" dirty="0"/>
-              <a:t>:</a:t>
+          <a:p>
+            <a:r>
+              <a:rPr lang="pt-BR" dirty="0"/>
+              <a:t>Chave-Valor</a:t>
             </a:r>
           </a:p>
           <a:p>
             <a:pPr lvl="1"/>
             <a:r>
               <a:rPr lang="pt-BR" dirty="0"/>
-              <a:t>JSON;</a:t>
+              <a:t>Durabilidade Opcional</a:t>
             </a:r>
           </a:p>
           <a:p>
@@ -6642,7 +7264,7 @@
           <a:p>
             <a:r>
               <a:rPr lang="pt-BR" dirty="0"/>
-              <a:t>REST;</a:t>
+              <a:t>Backup para disco.</a:t>
             </a:r>
           </a:p>
           <a:p>
@@ -6651,7 +7273,7 @@
           <a:p>
             <a:r>
               <a:rPr lang="pt-BR" dirty="0"/>
-              <a:t>http://couchdb.apache.org/</a:t>
+              <a:t>http://try.redis.io/</a:t>
             </a:r>
           </a:p>
         </p:txBody>
@@ -6659,7 +7281,7 @@
     </p:spTree>
     <p:extLst>
       <p:ext uri="{BB962C8B-B14F-4D97-AF65-F5344CB8AC3E}">
-        <p14:creationId xmlns:p14="http://schemas.microsoft.com/office/powerpoint/2010/main" val="977149170"/>
+        <p14:creationId xmlns:p14="http://schemas.microsoft.com/office/powerpoint/2010/main" val="3478162901"/>
       </p:ext>
     </p:extLst>
   </p:cSld>
@@ -6669,7 +7291,7 @@
 </p:sld>
 </file>
 
-<file path=ppt/slides/slide21.xml><?xml version="1.0" encoding="utf-8"?>
+<file path=ppt/slides/slide25.xml><?xml version="1.0" encoding="utf-8"?>
 <p:sld xmlns:a="http://schemas.openxmlformats.org/drawingml/2006/main" xmlns:r="http://schemas.openxmlformats.org/officeDocument/2006/relationships" xmlns:p="http://schemas.openxmlformats.org/presentationml/2006/main">
   <p:cSld>
     <p:spTree>
@@ -6691,7 +7313,7 @@
           <p:cNvPr id="2" name="Título 1">
             <a:extLst>
               <a:ext uri="{FF2B5EF4-FFF2-40B4-BE49-F238E27FC236}">
-                <a16:creationId xmlns:a16="http://schemas.microsoft.com/office/drawing/2014/main" id="{8A0D1AFC-9F46-4AC9-96E6-8F933E403C86}"/>
+                <a16:creationId xmlns:a16="http://schemas.microsoft.com/office/drawing/2014/main" id="{637EACD4-5F59-4F3E-8B7C-2F7605AFCB73}"/>
               </a:ext>
             </a:extLst>
           </p:cNvPr>
@@ -6709,7 +7331,7 @@
           <a:p>
             <a:r>
               <a:rPr lang="pt-BR" dirty="0"/>
-              <a:t>Redis</a:t>
+              <a:t>Projeto</a:t>
             </a:r>
           </a:p>
         </p:txBody>
@@ -6719,7 +7341,7 @@
           <p:cNvPr id="3" name="Espaço Reservado para Conteúdo 2">
             <a:extLst>
               <a:ext uri="{FF2B5EF4-FFF2-40B4-BE49-F238E27FC236}">
-                <a16:creationId xmlns:a16="http://schemas.microsoft.com/office/drawing/2014/main" id="{F373C983-438E-4057-8FEF-DDE93CBD2629}"/>
+                <a16:creationId xmlns:a16="http://schemas.microsoft.com/office/drawing/2014/main" id="{C21E997A-EEAF-4A01-936C-5A8CAE18BACA}"/>
               </a:ext>
             </a:extLst>
           </p:cNvPr>
@@ -6733,58 +7355,22 @@
         <p:spPr/>
         <p:txBody>
           <a:bodyPr>
-            <a:normAutofit fontScale="92500" lnSpcReduction="20000"/>
+            <a:normAutofit lnSpcReduction="10000"/>
           </a:bodyPr>
           <a:lstStyle/>
           <a:p>
             <a:r>
               <a:rPr lang="pt-BR" dirty="0"/>
-              <a:t>Banco de dados em memória</a:t>
-            </a:r>
-          </a:p>
-          <a:p>
-            <a:pPr lvl="1"/>
-            <a:r>
-              <a:rPr lang="pt-BR" dirty="0"/>
-              <a:t>Cache</a:t>
-            </a:r>
-          </a:p>
-          <a:p>
-            <a:pPr lvl="1"/>
-            <a:r>
-              <a:rPr lang="pt-BR" dirty="0"/>
-              <a:t>Chat, sistemas de mensagens e filas</a:t>
-            </a:r>
-          </a:p>
-          <a:p>
-            <a:pPr lvl="1"/>
-            <a:r>
-              <a:rPr lang="pt-BR" dirty="0"/>
-              <a:t>Armazenamento de sessões</a:t>
-            </a:r>
-          </a:p>
-          <a:p>
-            <a:pPr lvl="1"/>
-            <a:r>
-              <a:rPr lang="pt-BR" dirty="0"/>
-              <a:t>Análise em tempo real</a:t>
-            </a:r>
-          </a:p>
-          <a:p>
-            <a:pPr lvl="1"/>
+              <a:t>Projeto do banco de dados;</a:t>
+            </a:r>
+          </a:p>
+          <a:p>
             <a:endParaRPr lang="pt-BR" dirty="0"/>
           </a:p>
           <a:p>
             <a:r>
               <a:rPr lang="pt-BR" dirty="0"/>
-              <a:t>Chave-Valor</a:t>
-            </a:r>
-          </a:p>
-          <a:p>
-            <a:pPr lvl="1"/>
-            <a:r>
-              <a:rPr lang="pt-BR" dirty="0"/>
-              <a:t>Durabilidade Opcional</a:t>
+              <a:t>Implementar um banco de dados;</a:t>
             </a:r>
           </a:p>
           <a:p>
@@ -6793,7 +7379,7 @@
           <a:p>
             <a:r>
               <a:rPr lang="pt-BR" dirty="0"/>
-              <a:t>Backup para disco.</a:t>
+              <a:t>Inserir dados fictícios;</a:t>
             </a:r>
           </a:p>
           <a:p>
@@ -6802,15 +7388,27 @@
           <a:p>
             <a:r>
               <a:rPr lang="pt-BR" dirty="0"/>
-              <a:t>http://try.redis.io/</a:t>
-            </a:r>
+              <a:t>Criar consultas para extrair informações do banco (Fazendo uso de JOIN, HAVING, ...);</a:t>
+            </a:r>
+          </a:p>
+          <a:p>
+            <a:endParaRPr lang="pt-BR" dirty="0"/>
+          </a:p>
+          <a:p>
+            <a:r>
+              <a:rPr lang="pt-BR" dirty="0"/>
+              <a:t>Aplicação WEB com REST para consumir os dados;</a:t>
+            </a:r>
+          </a:p>
+          <a:p>
+            <a:endParaRPr lang="pt-BR" dirty="0"/>
           </a:p>
         </p:txBody>
       </p:sp>
     </p:spTree>
     <p:extLst>
       <p:ext uri="{BB962C8B-B14F-4D97-AF65-F5344CB8AC3E}">
-        <p14:creationId xmlns:p14="http://schemas.microsoft.com/office/powerpoint/2010/main" val="3478162901"/>
+        <p14:creationId xmlns:p14="http://schemas.microsoft.com/office/powerpoint/2010/main" val="2036509588"/>
       </p:ext>
     </p:extLst>
   </p:cSld>
@@ -6820,7 +7418,7 @@
 </p:sld>
 </file>
 
-<file path=ppt/slides/slide22.xml><?xml version="1.0" encoding="utf-8"?>
+<file path=ppt/slides/slide26.xml><?xml version="1.0" encoding="utf-8"?>
 <p:sld xmlns:a="http://schemas.openxmlformats.org/drawingml/2006/main" xmlns:r="http://schemas.openxmlformats.org/officeDocument/2006/relationships" xmlns:p="http://schemas.openxmlformats.org/presentationml/2006/main">
   <p:cSld>
     <p:spTree>
@@ -6842,7 +7440,7 @@
           <p:cNvPr id="2" name="Título 1">
             <a:extLst>
               <a:ext uri="{FF2B5EF4-FFF2-40B4-BE49-F238E27FC236}">
-                <a16:creationId xmlns:a16="http://schemas.microsoft.com/office/drawing/2014/main" id="{637EACD4-5F59-4F3E-8B7C-2F7605AFCB73}"/>
+                <a16:creationId xmlns:a16="http://schemas.microsoft.com/office/drawing/2014/main" id="{1D9EB2B1-57FB-4B70-823C-5748DF7F3B3B}"/>
               </a:ext>
             </a:extLst>
           </p:cNvPr>
@@ -6860,7 +7458,7 @@
           <a:p>
             <a:r>
               <a:rPr lang="pt-BR" dirty="0"/>
-              <a:t>Projeto</a:t>
+              <a:t>Referências</a:t>
             </a:r>
           </a:p>
         </p:txBody>
@@ -6870,7 +7468,7 @@
           <p:cNvPr id="3" name="Espaço Reservado para Conteúdo 2">
             <a:extLst>
               <a:ext uri="{FF2B5EF4-FFF2-40B4-BE49-F238E27FC236}">
-                <a16:creationId xmlns:a16="http://schemas.microsoft.com/office/drawing/2014/main" id="{C21E997A-EEAF-4A01-936C-5A8CAE18BACA}"/>
+                <a16:creationId xmlns:a16="http://schemas.microsoft.com/office/drawing/2014/main" id="{D79CAE9E-743D-4562-8097-D112E0D3F4B9}"/>
               </a:ext>
             </a:extLst>
           </p:cNvPr>
@@ -6884,50 +7482,191 @@
         <p:spPr/>
         <p:txBody>
           <a:bodyPr>
-            <a:normAutofit lnSpcReduction="10000"/>
+            <a:normAutofit/>
           </a:bodyPr>
           <a:lstStyle/>
           <a:p>
             <a:r>
-              <a:rPr lang="pt-BR" dirty="0"/>
-              <a:t>Projeto do banco de dados;</a:t>
-            </a:r>
+              <a:rPr lang="pt-BR" sz="2000" dirty="0"/>
+              <a:t>SILBERSCHATZ, A.; KORTH, H. F., SUDARSHAN, S. Sistema de Banco de Dados, 6 ed., </a:t>
+            </a:r>
+            <a:r>
+              <a:rPr lang="pt-BR" sz="2000" dirty="0" err="1"/>
+              <a:t>Elservier</a:t>
+            </a:r>
+            <a:r>
+              <a:rPr lang="pt-BR" sz="2000" dirty="0"/>
+              <a:t>, 2012;</a:t>
+            </a:r>
+          </a:p>
+          <a:p>
+            <a:pPr lvl="1"/>
+            <a:r>
+              <a:rPr lang="pt-BR" sz="1800" dirty="0">
+                <a:hlinkClick r:id="rId2"/>
+              </a:rPr>
+              <a:t>http://www.db-book.com/</a:t>
+            </a:r>
+            <a:r>
+              <a:rPr lang="pt-BR" sz="1800" dirty="0"/>
+              <a:t>;</a:t>
+            </a:r>
+          </a:p>
+          <a:p>
+            <a:r>
+              <a:rPr lang="pt-BR" sz="2000" dirty="0"/>
+              <a:t>Lourenço, João &amp; Cabral, Bruno &amp; Carreiro, Paulo &amp; Vieira, Marco &amp; Bernardino, Jorge. (2015). </a:t>
+            </a:r>
+            <a:r>
+              <a:rPr lang="pt-BR" sz="2000" dirty="0" err="1"/>
+              <a:t>Choosing</a:t>
+            </a:r>
+            <a:r>
+              <a:rPr lang="pt-BR" sz="2000" dirty="0"/>
+              <a:t> </a:t>
+            </a:r>
+            <a:r>
+              <a:rPr lang="pt-BR" sz="2000" dirty="0" err="1"/>
+              <a:t>the</a:t>
+            </a:r>
+            <a:r>
+              <a:rPr lang="pt-BR" sz="2000" dirty="0"/>
+              <a:t> </a:t>
+            </a:r>
+            <a:r>
+              <a:rPr lang="pt-BR" sz="2000" dirty="0" err="1"/>
+              <a:t>right</a:t>
+            </a:r>
+            <a:r>
+              <a:rPr lang="pt-BR" sz="2000" dirty="0"/>
+              <a:t> </a:t>
+            </a:r>
+            <a:r>
+              <a:rPr lang="pt-BR" sz="2000" dirty="0" err="1"/>
+              <a:t>NoSQL</a:t>
+            </a:r>
+            <a:r>
+              <a:rPr lang="pt-BR" sz="2000" dirty="0"/>
+              <a:t> </a:t>
+            </a:r>
+            <a:r>
+              <a:rPr lang="pt-BR" sz="2000" dirty="0" err="1"/>
+              <a:t>database</a:t>
+            </a:r>
+            <a:r>
+              <a:rPr lang="pt-BR" sz="2000" dirty="0"/>
+              <a:t> for </a:t>
+            </a:r>
+            <a:r>
+              <a:rPr lang="pt-BR" sz="2000" dirty="0" err="1"/>
+              <a:t>the</a:t>
+            </a:r>
+            <a:r>
+              <a:rPr lang="pt-BR" sz="2000" dirty="0"/>
+              <a:t> </a:t>
+            </a:r>
+            <a:r>
+              <a:rPr lang="pt-BR" sz="2000" dirty="0" err="1"/>
+              <a:t>job</a:t>
+            </a:r>
+            <a:r>
+              <a:rPr lang="pt-BR" sz="2000" dirty="0"/>
+              <a:t>: a </a:t>
+            </a:r>
+            <a:r>
+              <a:rPr lang="pt-BR" sz="2000" dirty="0" err="1"/>
+              <a:t>quality</a:t>
+            </a:r>
+            <a:r>
+              <a:rPr lang="pt-BR" sz="2000" dirty="0"/>
+              <a:t> </a:t>
+            </a:r>
+            <a:r>
+              <a:rPr lang="pt-BR" sz="2000" dirty="0" err="1"/>
+              <a:t>attribute</a:t>
+            </a:r>
+            <a:r>
+              <a:rPr lang="pt-BR" sz="2000" dirty="0"/>
+              <a:t> </a:t>
+            </a:r>
+            <a:r>
+              <a:rPr lang="pt-BR" sz="2000" dirty="0" err="1"/>
+              <a:t>evaluation</a:t>
+            </a:r>
+            <a:r>
+              <a:rPr lang="pt-BR" sz="2000" dirty="0"/>
+              <a:t>. </a:t>
+            </a:r>
+            <a:r>
+              <a:rPr lang="pt-BR" sz="2000" dirty="0" err="1"/>
+              <a:t>Journal</a:t>
+            </a:r>
+            <a:r>
+              <a:rPr lang="pt-BR" sz="2000" dirty="0"/>
+              <a:t> </a:t>
+            </a:r>
+            <a:r>
+              <a:rPr lang="pt-BR" sz="2000" dirty="0" err="1"/>
+              <a:t>of</a:t>
+            </a:r>
+            <a:r>
+              <a:rPr lang="pt-BR" sz="2000" dirty="0"/>
+              <a:t> Big Data.</a:t>
+            </a:r>
+          </a:p>
+          <a:p>
+            <a:r>
+              <a:rPr lang="pt-BR" sz="2000" dirty="0">
+                <a:hlinkClick r:id="rId3"/>
+              </a:rPr>
+              <a:t>https://www.w3schools.com/</a:t>
+            </a:r>
+            <a:r>
+              <a:rPr lang="pt-BR" sz="2000" dirty="0" err="1">
+                <a:hlinkClick r:id="rId3"/>
+              </a:rPr>
+              <a:t>sql</a:t>
+            </a:r>
+            <a:r>
+              <a:rPr lang="pt-BR" sz="2000" dirty="0">
+                <a:hlinkClick r:id="rId3"/>
+              </a:rPr>
+              <a:t>/</a:t>
+            </a:r>
+            <a:r>
+              <a:rPr lang="pt-BR" sz="2000" dirty="0"/>
+              <a:t>;</a:t>
+            </a:r>
+          </a:p>
+          <a:p>
+            <a:r>
+              <a:rPr lang="pt-BR" sz="2000" dirty="0">
+                <a:hlinkClick r:id="rId4"/>
+              </a:rPr>
+              <a:t>https://aws.amazon.com/pt/nosql/</a:t>
+            </a:r>
+            <a:endParaRPr lang="pt-BR" sz="2000" dirty="0"/>
+          </a:p>
+          <a:p>
+            <a:r>
+              <a:rPr lang="pt-BR" sz="2000" dirty="0">
+                <a:hlinkClick r:id="rId5"/>
+              </a:rPr>
+              <a:t>http://api.mongodb.com/python/current/tutorial.html</a:t>
+            </a:r>
+            <a:endParaRPr lang="pt-BR" sz="2000" dirty="0"/>
+          </a:p>
+          <a:p>
+            <a:r>
+              <a:rPr lang="pt-BR" sz="2000" dirty="0"/>
+              <a:t>https://firebase.google.com/?hl=pt-br</a:t>
+            </a:r>
+          </a:p>
+          <a:p>
+            <a:endParaRPr lang="pt-BR" sz="2000" dirty="0"/>
           </a:p>
           <a:p>
             <a:endParaRPr lang="pt-BR" dirty="0"/>
-          </a:p>
-          <a:p>
-            <a:r>
-              <a:rPr lang="pt-BR" dirty="0"/>
-              <a:t>Implementar um banco de dados;</a:t>
-            </a:r>
-          </a:p>
-          <a:p>
-            <a:endParaRPr lang="pt-BR" dirty="0"/>
-          </a:p>
-          <a:p>
-            <a:r>
-              <a:rPr lang="pt-BR" dirty="0"/>
-              <a:t>Inserir dados fictícios;</a:t>
-            </a:r>
-          </a:p>
-          <a:p>
-            <a:endParaRPr lang="pt-BR" dirty="0"/>
-          </a:p>
-          <a:p>
-            <a:r>
-              <a:rPr lang="pt-BR" dirty="0"/>
-              <a:t>Criar consultas para extrair informações do banco (Fazendo uso de JOIN, HAVING, ...);</a:t>
-            </a:r>
-          </a:p>
-          <a:p>
-            <a:endParaRPr lang="pt-BR" dirty="0"/>
-          </a:p>
-          <a:p>
-            <a:r>
-              <a:rPr lang="pt-BR" dirty="0"/>
-              <a:t>Aplicação WEB com REST para consumir os dados;</a:t>
-            </a:r>
           </a:p>
           <a:p>
             <a:endParaRPr lang="pt-BR" dirty="0"/>
@@ -6937,7 +7676,7 @@
     </p:spTree>
     <p:extLst>
       <p:ext uri="{BB962C8B-B14F-4D97-AF65-F5344CB8AC3E}">
-        <p14:creationId xmlns:p14="http://schemas.microsoft.com/office/powerpoint/2010/main" val="2036509588"/>
+        <p14:creationId xmlns:p14="http://schemas.microsoft.com/office/powerpoint/2010/main" val="2948825348"/>
       </p:ext>
     </p:extLst>
   </p:cSld>
@@ -7422,6 +8161,10 @@
           </a:p>
           <a:p>
             <a:pPr lvl="1"/>
+            <a:endParaRPr lang="pt-BR" dirty="0"/>
+          </a:p>
+          <a:p>
+            <a:pPr lvl="1"/>
             <a:r>
               <a:rPr lang="pt-BR" dirty="0"/>
               <a:t>Difícil distribuição;</a:t>
@@ -7429,10 +8172,18 @@
           </a:p>
           <a:p>
             <a:pPr lvl="1"/>
+            <a:endParaRPr lang="pt-BR" dirty="0"/>
+          </a:p>
+          <a:p>
+            <a:pPr lvl="1"/>
             <a:r>
               <a:rPr lang="pt-BR" dirty="0"/>
               <a:t>Difícil escalabilidade;</a:t>
             </a:r>
+          </a:p>
+          <a:p>
+            <a:pPr lvl="1"/>
+            <a:endParaRPr lang="pt-BR" dirty="0"/>
           </a:p>
           <a:p>
             <a:pPr lvl="1"/>
@@ -7506,15 +8257,7 @@
           <a:p>
             <a:r>
               <a:rPr lang="pt-BR" dirty="0"/>
-              <a:t>Porque </a:t>
-            </a:r>
-            <a:r>
-              <a:rPr lang="pt-BR" dirty="0" err="1"/>
-              <a:t>NoSQL</a:t>
-            </a:r>
-            <a:r>
-              <a:rPr lang="pt-BR" dirty="0"/>
-              <a:t>?</a:t>
+              <a:t>Porque SQL?</a:t>
             </a:r>
           </a:p>
         </p:txBody>

--- a/Aula04.pptx
+++ b/Aula04.pptx
@@ -4115,15 +4115,11 @@
             <a:pPr algn="just"/>
             <a:r>
               <a:rPr lang="pt-BR" b="1" dirty="0"/>
-              <a:t>Teorema de </a:t>
-            </a:r>
-            <a:r>
-              <a:rPr lang="pt-BR" b="1" dirty="0" err="1"/>
-              <a:t>Brewer</a:t>
-            </a:r>
-            <a:r>
-              <a:rPr lang="pt-BR" dirty="0"/>
-              <a:t>, afirma que é impossível que o armazenamento de dados distribuído forneça simultaneamente mais de duas das três garantias seguintes;</a:t>
+              <a:t>A</a:t>
+            </a:r>
+            <a:r>
+              <a:rPr lang="pt-BR" dirty="0"/>
+              <a:t>firma que é impossível que o armazenamento de dados distribuído forneça simultaneamente mais de duas das três garantias seguintes:</a:t>
             </a:r>
           </a:p>
           <a:p>
@@ -8147,49 +8143,50 @@
           </a:bodyPr>
           <a:lstStyle/>
           <a:p>
+            <a:pPr algn="just"/>
             <a:r>
               <a:rPr lang="pt-BR" dirty="0"/>
               <a:t>Bancos de dados Relacionais:</a:t>
             </a:r>
           </a:p>
           <a:p>
-            <a:pPr lvl="1"/>
+            <a:pPr lvl="1" algn="just"/>
             <a:r>
               <a:rPr lang="pt-BR" dirty="0"/>
               <a:t>Decremento de performance com o aumento “exponencial” da quantidade de dados;</a:t>
             </a:r>
           </a:p>
           <a:p>
-            <a:pPr lvl="1"/>
+            <a:pPr lvl="1" algn="just"/>
             <a:endParaRPr lang="pt-BR" dirty="0"/>
           </a:p>
           <a:p>
-            <a:pPr lvl="1"/>
+            <a:pPr lvl="1" algn="just"/>
             <a:r>
               <a:rPr lang="pt-BR" dirty="0"/>
               <a:t>Difícil distribuição;</a:t>
             </a:r>
           </a:p>
           <a:p>
-            <a:pPr lvl="1"/>
+            <a:pPr lvl="1" algn="just"/>
             <a:endParaRPr lang="pt-BR" dirty="0"/>
           </a:p>
           <a:p>
-            <a:pPr lvl="1"/>
+            <a:pPr lvl="1" algn="just"/>
             <a:r>
               <a:rPr lang="pt-BR" dirty="0"/>
               <a:t>Difícil escalabilidade;</a:t>
             </a:r>
           </a:p>
           <a:p>
-            <a:pPr lvl="1"/>
+            <a:pPr lvl="1" algn="just"/>
             <a:endParaRPr lang="pt-BR" dirty="0"/>
           </a:p>
           <a:p>
-            <a:pPr lvl="1"/>
-            <a:r>
-              <a:rPr lang="pt-BR" dirty="0"/>
-              <a:t>Preciso conhecer o esquema antes;</a:t>
+            <a:pPr lvl="1" algn="just"/>
+            <a:r>
+              <a:rPr lang="pt-BR" dirty="0"/>
+              <a:t>Preciso conhecer o esquema antes de desenvolver;</a:t>
             </a:r>
           </a:p>
           <a:p>
